--- a/AdversarialFaceRecognition/ProgressReport.pptx
+++ b/AdversarialFaceRecognition/ProgressReport.pptx
@@ -4,19 +4,23 @@
   <p:sldMasterIdLst>
     <p:sldMasterId id="2147484625" r:id="rId1"/>
   </p:sldMasterIdLst>
+  <p:notesMasterIdLst>
+    <p:notesMasterId r:id="rId15"/>
+  </p:notesMasterIdLst>
   <p:sldIdLst>
     <p:sldId id="256" r:id="rId2"/>
-    <p:sldId id="258" r:id="rId3"/>
+    <p:sldId id="268" r:id="rId3"/>
     <p:sldId id="257" r:id="rId4"/>
     <p:sldId id="260" r:id="rId5"/>
     <p:sldId id="261" r:id="rId6"/>
     <p:sldId id="262" r:id="rId7"/>
     <p:sldId id="263" r:id="rId8"/>
-    <p:sldId id="267" r:id="rId9"/>
+    <p:sldId id="258" r:id="rId9"/>
     <p:sldId id="264" r:id="rId10"/>
-    <p:sldId id="265" r:id="rId11"/>
-    <p:sldId id="266" r:id="rId12"/>
-    <p:sldId id="259" r:id="rId13"/>
+    <p:sldId id="269" r:id="rId11"/>
+    <p:sldId id="265" r:id="rId12"/>
+    <p:sldId id="266" r:id="rId13"/>
+    <p:sldId id="259" r:id="rId14"/>
   </p:sldIdLst>
   <p:sldSz cx="12192000" cy="6858000"/>
   <p:notesSz cx="6858000" cy="9144000"/>
@@ -893,7 +897,11 @@
         <a:p>
           <a:r>
             <a:rPr lang="en-US" dirty="0" smtClean="0"/>
-            <a:t>Face Detection CNN</a:t>
+            <a:t>Face </a:t>
+          </a:r>
+          <a:r>
+            <a:rPr lang="en-US" dirty="0" smtClean="0"/>
+            <a:t>Detection</a:t>
           </a:r>
           <a:endParaRPr lang="en-US" dirty="0"/>
         </a:p>
@@ -1287,7 +1295,7 @@
   <dgm:whole/>
   <dgm:extLst>
     <a:ext uri="http://schemas.microsoft.com/office/drawing/2008/diagram">
-      <dsp:dataModelExt xmlns:dsp="http://schemas.microsoft.com/office/drawing/2008/diagram" relId="rId6" minVer="http://schemas.openxmlformats.org/drawingml/2006/diagram"/>
+      <dsp:dataModelExt xmlns:dsp="http://schemas.microsoft.com/office/drawing/2008/diagram" relId="rId7" minVer="http://schemas.openxmlformats.org/drawingml/2006/diagram"/>
     </a:ext>
   </dgm:extLst>
 </dgm:dataModel>
@@ -1572,7 +1580,11 @@
           </a:pPr>
           <a:r>
             <a:rPr lang="en-US" sz="1600" kern="1200" dirty="0" smtClean="0"/>
-            <a:t>Face Detection CNN</a:t>
+            <a:t>Face </a:t>
+          </a:r>
+          <a:r>
+            <a:rPr lang="en-US" sz="1600" kern="1200" dirty="0" smtClean="0"/>
+            <a:t>Detection</a:t>
           </a:r>
           <a:endParaRPr lang="en-US" sz="1600" kern="1200" dirty="0"/>
         </a:p>
@@ -3327,6 +3339,556 @@
 </dgm:styleDef>
 </file>
 
+<file path=ppt/notesMasters/notesMaster1.xml><?xml version="1.0" encoding="utf-8"?>
+<p:notesMaster xmlns:a="http://schemas.openxmlformats.org/drawingml/2006/main" xmlns:r="http://schemas.openxmlformats.org/officeDocument/2006/relationships" xmlns:p="http://schemas.openxmlformats.org/presentationml/2006/main">
+  <p:cSld>
+    <p:bg>
+      <p:bgRef idx="1001">
+        <a:schemeClr val="bg1"/>
+      </p:bgRef>
+    </p:bg>
+    <p:spTree>
+      <p:nvGrpSpPr>
+        <p:cNvPr id="1" name=""/>
+        <p:cNvGrpSpPr/>
+        <p:nvPr/>
+      </p:nvGrpSpPr>
+      <p:grpSpPr>
+        <a:xfrm>
+          <a:off x="0" y="0"/>
+          <a:ext cx="0" cy="0"/>
+          <a:chOff x="0" y="0"/>
+          <a:chExt cx="0" cy="0"/>
+        </a:xfrm>
+      </p:grpSpPr>
+      <p:sp>
+        <p:nvSpPr>
+          <p:cNvPr id="2" name="Header Placeholder 1"/>
+          <p:cNvSpPr>
+            <a:spLocks noGrp="1"/>
+          </p:cNvSpPr>
+          <p:nvPr>
+            <p:ph type="hdr" sz="quarter"/>
+          </p:nvPr>
+        </p:nvSpPr>
+        <p:spPr>
+          <a:xfrm>
+            <a:off x="0" y="0"/>
+            <a:ext cx="2971800" cy="458788"/>
+          </a:xfrm>
+          <a:prstGeom prst="rect">
+            <a:avLst/>
+          </a:prstGeom>
+        </p:spPr>
+        <p:txBody>
+          <a:bodyPr vert="horz" lIns="91440" tIns="45720" rIns="91440" bIns="45720" rtlCol="0"/>
+          <a:lstStyle>
+            <a:lvl1pPr algn="l">
+              <a:defRPr sz="1200"/>
+            </a:lvl1pPr>
+          </a:lstStyle>
+          <a:p>
+            <a:endParaRPr lang="en-US"/>
+          </a:p>
+        </p:txBody>
+      </p:sp>
+      <p:sp>
+        <p:nvSpPr>
+          <p:cNvPr id="3" name="Date Placeholder 2"/>
+          <p:cNvSpPr>
+            <a:spLocks noGrp="1"/>
+          </p:cNvSpPr>
+          <p:nvPr>
+            <p:ph type="dt" idx="1"/>
+          </p:nvPr>
+        </p:nvSpPr>
+        <p:spPr>
+          <a:xfrm>
+            <a:off x="3884613" y="0"/>
+            <a:ext cx="2971800" cy="458788"/>
+          </a:xfrm>
+          <a:prstGeom prst="rect">
+            <a:avLst/>
+          </a:prstGeom>
+        </p:spPr>
+        <p:txBody>
+          <a:bodyPr vert="horz" lIns="91440" tIns="45720" rIns="91440" bIns="45720" rtlCol="0"/>
+          <a:lstStyle>
+            <a:lvl1pPr algn="r">
+              <a:defRPr sz="1200"/>
+            </a:lvl1pPr>
+          </a:lstStyle>
+          <a:p>
+            <a:fld id="{171E7CE7-B5B4-9641-BB87-A2A4662A16BD}" type="datetimeFigureOut">
+              <a:rPr lang="en-US" smtClean="0"/>
+              <a:t>3/14/18</a:t>
+            </a:fld>
+            <a:endParaRPr lang="en-US"/>
+          </a:p>
+        </p:txBody>
+      </p:sp>
+      <p:sp>
+        <p:nvSpPr>
+          <p:cNvPr id="4" name="Slide Image Placeholder 3"/>
+          <p:cNvSpPr>
+            <a:spLocks noGrp="1" noRot="1" noChangeAspect="1"/>
+          </p:cNvSpPr>
+          <p:nvPr>
+            <p:ph type="sldImg" idx="2"/>
+          </p:nvPr>
+        </p:nvSpPr>
+        <p:spPr>
+          <a:xfrm>
+            <a:off x="685800" y="1143000"/>
+            <a:ext cx="5486400" cy="3086100"/>
+          </a:xfrm>
+          <a:prstGeom prst="rect">
+            <a:avLst/>
+          </a:prstGeom>
+          <a:noFill/>
+          <a:ln w="12700">
+            <a:solidFill>
+              <a:prstClr val="black"/>
+            </a:solidFill>
+          </a:ln>
+        </p:spPr>
+        <p:txBody>
+          <a:bodyPr vert="horz" lIns="91440" tIns="45720" rIns="91440" bIns="45720" rtlCol="0" anchor="ctr"/>
+          <a:lstStyle/>
+          <a:p>
+            <a:endParaRPr lang="en-US"/>
+          </a:p>
+        </p:txBody>
+      </p:sp>
+      <p:sp>
+        <p:nvSpPr>
+          <p:cNvPr id="5" name="Notes Placeholder 4"/>
+          <p:cNvSpPr>
+            <a:spLocks noGrp="1"/>
+          </p:cNvSpPr>
+          <p:nvPr>
+            <p:ph type="body" sz="quarter" idx="3"/>
+          </p:nvPr>
+        </p:nvSpPr>
+        <p:spPr>
+          <a:xfrm>
+            <a:off x="685800" y="4400550"/>
+            <a:ext cx="5486400" cy="3600450"/>
+          </a:xfrm>
+          <a:prstGeom prst="rect">
+            <a:avLst/>
+          </a:prstGeom>
+        </p:spPr>
+        <p:txBody>
+          <a:bodyPr vert="horz" lIns="91440" tIns="45720" rIns="91440" bIns="45720" rtlCol="0"/>
+          <a:lstStyle/>
+          <a:p>
+            <a:pPr lvl="0"/>
+            <a:r>
+              <a:rPr lang="en-US" smtClean="0"/>
+              <a:t>Click to edit Master text styles</a:t>
+            </a:r>
+          </a:p>
+          <a:p>
+            <a:pPr lvl="1"/>
+            <a:r>
+              <a:rPr lang="en-US" smtClean="0"/>
+              <a:t>Second level</a:t>
+            </a:r>
+          </a:p>
+          <a:p>
+            <a:pPr lvl="2"/>
+            <a:r>
+              <a:rPr lang="en-US" smtClean="0"/>
+              <a:t>Third level</a:t>
+            </a:r>
+          </a:p>
+          <a:p>
+            <a:pPr lvl="3"/>
+            <a:r>
+              <a:rPr lang="en-US" smtClean="0"/>
+              <a:t>Fourth level</a:t>
+            </a:r>
+          </a:p>
+          <a:p>
+            <a:pPr lvl="4"/>
+            <a:r>
+              <a:rPr lang="en-US" smtClean="0"/>
+              <a:t>Fifth level</a:t>
+            </a:r>
+            <a:endParaRPr lang="en-US"/>
+          </a:p>
+        </p:txBody>
+      </p:sp>
+      <p:sp>
+        <p:nvSpPr>
+          <p:cNvPr id="6" name="Footer Placeholder 5"/>
+          <p:cNvSpPr>
+            <a:spLocks noGrp="1"/>
+          </p:cNvSpPr>
+          <p:nvPr>
+            <p:ph type="ftr" sz="quarter" idx="4"/>
+          </p:nvPr>
+        </p:nvSpPr>
+        <p:spPr>
+          <a:xfrm>
+            <a:off x="0" y="8685213"/>
+            <a:ext cx="2971800" cy="458787"/>
+          </a:xfrm>
+          <a:prstGeom prst="rect">
+            <a:avLst/>
+          </a:prstGeom>
+        </p:spPr>
+        <p:txBody>
+          <a:bodyPr vert="horz" lIns="91440" tIns="45720" rIns="91440" bIns="45720" rtlCol="0" anchor="b"/>
+          <a:lstStyle>
+            <a:lvl1pPr algn="l">
+              <a:defRPr sz="1200"/>
+            </a:lvl1pPr>
+          </a:lstStyle>
+          <a:p>
+            <a:endParaRPr lang="en-US"/>
+          </a:p>
+        </p:txBody>
+      </p:sp>
+      <p:sp>
+        <p:nvSpPr>
+          <p:cNvPr id="7" name="Slide Number Placeholder 6"/>
+          <p:cNvSpPr>
+            <a:spLocks noGrp="1"/>
+          </p:cNvSpPr>
+          <p:nvPr>
+            <p:ph type="sldNum" sz="quarter" idx="5"/>
+          </p:nvPr>
+        </p:nvSpPr>
+        <p:spPr>
+          <a:xfrm>
+            <a:off x="3884613" y="8685213"/>
+            <a:ext cx="2971800" cy="458787"/>
+          </a:xfrm>
+          <a:prstGeom prst="rect">
+            <a:avLst/>
+          </a:prstGeom>
+        </p:spPr>
+        <p:txBody>
+          <a:bodyPr vert="horz" lIns="91440" tIns="45720" rIns="91440" bIns="45720" rtlCol="0" anchor="b"/>
+          <a:lstStyle>
+            <a:lvl1pPr algn="r">
+              <a:defRPr sz="1200"/>
+            </a:lvl1pPr>
+          </a:lstStyle>
+          <a:p>
+            <a:fld id="{A6E882C5-FB68-EA46-8963-50E3756CF4D5}" type="slidenum">
+              <a:rPr lang="en-US" smtClean="0"/>
+              <a:t>‹#›</a:t>
+            </a:fld>
+            <a:endParaRPr lang="en-US"/>
+          </a:p>
+        </p:txBody>
+      </p:sp>
+    </p:spTree>
+    <p:extLst>
+      <p:ext uri="{BB962C8B-B14F-4D97-AF65-F5344CB8AC3E}">
+        <p14:creationId xmlns:p14="http://schemas.microsoft.com/office/powerpoint/2010/main" val="1909862823"/>
+      </p:ext>
+    </p:extLst>
+  </p:cSld>
+  <p:clrMap bg1="lt1" tx1="dk1" bg2="lt2" tx2="dk2" accent1="accent1" accent2="accent2" accent3="accent3" accent4="accent4" accent5="accent5" accent6="accent6" hlink="hlink" folHlink="folHlink"/>
+  <p:notesStyle>
+    <a:lvl1pPr marL="0" algn="l" defTabSz="914400" rtl="0" eaLnBrk="1" latinLnBrk="0" hangingPunct="1">
+      <a:defRPr sz="1200" kern="1200">
+        <a:solidFill>
+          <a:schemeClr val="tx1"/>
+        </a:solidFill>
+        <a:latin typeface="+mn-lt"/>
+        <a:ea typeface="+mn-ea"/>
+        <a:cs typeface="+mn-cs"/>
+      </a:defRPr>
+    </a:lvl1pPr>
+    <a:lvl2pPr marL="457200" algn="l" defTabSz="914400" rtl="0" eaLnBrk="1" latinLnBrk="0" hangingPunct="1">
+      <a:defRPr sz="1200" kern="1200">
+        <a:solidFill>
+          <a:schemeClr val="tx1"/>
+        </a:solidFill>
+        <a:latin typeface="+mn-lt"/>
+        <a:ea typeface="+mn-ea"/>
+        <a:cs typeface="+mn-cs"/>
+      </a:defRPr>
+    </a:lvl2pPr>
+    <a:lvl3pPr marL="914400" algn="l" defTabSz="914400" rtl="0" eaLnBrk="1" latinLnBrk="0" hangingPunct="1">
+      <a:defRPr sz="1200" kern="1200">
+        <a:solidFill>
+          <a:schemeClr val="tx1"/>
+        </a:solidFill>
+        <a:latin typeface="+mn-lt"/>
+        <a:ea typeface="+mn-ea"/>
+        <a:cs typeface="+mn-cs"/>
+      </a:defRPr>
+    </a:lvl3pPr>
+    <a:lvl4pPr marL="1371600" algn="l" defTabSz="914400" rtl="0" eaLnBrk="1" latinLnBrk="0" hangingPunct="1">
+      <a:defRPr sz="1200" kern="1200">
+        <a:solidFill>
+          <a:schemeClr val="tx1"/>
+        </a:solidFill>
+        <a:latin typeface="+mn-lt"/>
+        <a:ea typeface="+mn-ea"/>
+        <a:cs typeface="+mn-cs"/>
+      </a:defRPr>
+    </a:lvl4pPr>
+    <a:lvl5pPr marL="1828800" algn="l" defTabSz="914400" rtl="0" eaLnBrk="1" latinLnBrk="0" hangingPunct="1">
+      <a:defRPr sz="1200" kern="1200">
+        <a:solidFill>
+          <a:schemeClr val="tx1"/>
+        </a:solidFill>
+        <a:latin typeface="+mn-lt"/>
+        <a:ea typeface="+mn-ea"/>
+        <a:cs typeface="+mn-cs"/>
+      </a:defRPr>
+    </a:lvl5pPr>
+    <a:lvl6pPr marL="2286000" algn="l" defTabSz="914400" rtl="0" eaLnBrk="1" latinLnBrk="0" hangingPunct="1">
+      <a:defRPr sz="1200" kern="1200">
+        <a:solidFill>
+          <a:schemeClr val="tx1"/>
+        </a:solidFill>
+        <a:latin typeface="+mn-lt"/>
+        <a:ea typeface="+mn-ea"/>
+        <a:cs typeface="+mn-cs"/>
+      </a:defRPr>
+    </a:lvl6pPr>
+    <a:lvl7pPr marL="2743200" algn="l" defTabSz="914400" rtl="0" eaLnBrk="1" latinLnBrk="0" hangingPunct="1">
+      <a:defRPr sz="1200" kern="1200">
+        <a:solidFill>
+          <a:schemeClr val="tx1"/>
+        </a:solidFill>
+        <a:latin typeface="+mn-lt"/>
+        <a:ea typeface="+mn-ea"/>
+        <a:cs typeface="+mn-cs"/>
+      </a:defRPr>
+    </a:lvl7pPr>
+    <a:lvl8pPr marL="3200400" algn="l" defTabSz="914400" rtl="0" eaLnBrk="1" latinLnBrk="0" hangingPunct="1">
+      <a:defRPr sz="1200" kern="1200">
+        <a:solidFill>
+          <a:schemeClr val="tx1"/>
+        </a:solidFill>
+        <a:latin typeface="+mn-lt"/>
+        <a:ea typeface="+mn-ea"/>
+        <a:cs typeface="+mn-cs"/>
+      </a:defRPr>
+    </a:lvl8pPr>
+    <a:lvl9pPr marL="3657600" algn="l" defTabSz="914400" rtl="0" eaLnBrk="1" latinLnBrk="0" hangingPunct="1">
+      <a:defRPr sz="1200" kern="1200">
+        <a:solidFill>
+          <a:schemeClr val="tx1"/>
+        </a:solidFill>
+        <a:latin typeface="+mn-lt"/>
+        <a:ea typeface="+mn-ea"/>
+        <a:cs typeface="+mn-cs"/>
+      </a:defRPr>
+    </a:lvl9pPr>
+  </p:notesStyle>
+</p:notesMaster>
+</file>
+
+<file path=ppt/notesSlides/notesSlide1.xml><?xml version="1.0" encoding="utf-8"?>
+<p:notes xmlns:a="http://schemas.openxmlformats.org/drawingml/2006/main" xmlns:r="http://schemas.openxmlformats.org/officeDocument/2006/relationships" xmlns:p="http://schemas.openxmlformats.org/presentationml/2006/main">
+  <p:cSld>
+    <p:spTree>
+      <p:nvGrpSpPr>
+        <p:cNvPr id="1" name=""/>
+        <p:cNvGrpSpPr/>
+        <p:nvPr/>
+      </p:nvGrpSpPr>
+      <p:grpSpPr>
+        <a:xfrm>
+          <a:off x="0" y="0"/>
+          <a:ext cx="0" cy="0"/>
+          <a:chOff x="0" y="0"/>
+          <a:chExt cx="0" cy="0"/>
+        </a:xfrm>
+      </p:grpSpPr>
+      <p:sp>
+        <p:nvSpPr>
+          <p:cNvPr id="2" name="Slide Image Placeholder 1"/>
+          <p:cNvSpPr>
+            <a:spLocks noGrp="1" noRot="1" noChangeAspect="1"/>
+          </p:cNvSpPr>
+          <p:nvPr>
+            <p:ph type="sldImg"/>
+          </p:nvPr>
+        </p:nvSpPr>
+        <p:spPr/>
+      </p:sp>
+      <p:sp>
+        <p:nvSpPr>
+          <p:cNvPr id="3" name="Notes Placeholder 2"/>
+          <p:cNvSpPr>
+            <a:spLocks noGrp="1"/>
+          </p:cNvSpPr>
+          <p:nvPr>
+            <p:ph type="body" idx="1"/>
+          </p:nvPr>
+        </p:nvSpPr>
+        <p:spPr/>
+        <p:txBody>
+          <a:bodyPr/>
+          <a:lstStyle/>
+          <a:p>
+            <a:r>
+              <a:rPr lang="en-US" dirty="0" smtClean="0"/>
+              <a:t>The exact pipeline I am using was created by the </a:t>
+            </a:r>
+            <a:r>
+              <a:rPr lang="en-US" dirty="0" err="1" smtClean="0"/>
+              <a:t>OpenFace</a:t>
+            </a:r>
+            <a:r>
+              <a:rPr lang="en-US" dirty="0" smtClean="0"/>
+              <a:t> project</a:t>
+            </a:r>
+            <a:r>
+              <a:rPr lang="en-US" baseline="0" dirty="0" smtClean="0"/>
+              <a:t> to work with their pre-trained model: https://</a:t>
+            </a:r>
+            <a:r>
+              <a:rPr lang="en-US" baseline="0" dirty="0" err="1" smtClean="0"/>
+              <a:t>cmusatyalab.github.io</a:t>
+            </a:r>
+            <a:r>
+              <a:rPr lang="en-US" baseline="0" dirty="0" smtClean="0"/>
+              <a:t>/</a:t>
+            </a:r>
+            <a:r>
+              <a:rPr lang="en-US" baseline="0" dirty="0" err="1" smtClean="0"/>
+              <a:t>openface</a:t>
+            </a:r>
+            <a:r>
+              <a:rPr lang="en-US" baseline="0" dirty="0" smtClean="0"/>
+              <a:t>/setup/</a:t>
+            </a:r>
+            <a:endParaRPr lang="en-US" dirty="0"/>
+          </a:p>
+        </p:txBody>
+      </p:sp>
+      <p:sp>
+        <p:nvSpPr>
+          <p:cNvPr id="4" name="Slide Number Placeholder 3"/>
+          <p:cNvSpPr>
+            <a:spLocks noGrp="1"/>
+          </p:cNvSpPr>
+          <p:nvPr>
+            <p:ph type="sldNum" sz="quarter" idx="10"/>
+          </p:nvPr>
+        </p:nvSpPr>
+        <p:spPr/>
+        <p:txBody>
+          <a:bodyPr/>
+          <a:lstStyle/>
+          <a:p>
+            <a:fld id="{A6E882C5-FB68-EA46-8963-50E3756CF4D5}" type="slidenum">
+              <a:rPr lang="en-US" smtClean="0"/>
+              <a:t>3</a:t>
+            </a:fld>
+            <a:endParaRPr lang="en-US"/>
+          </a:p>
+        </p:txBody>
+      </p:sp>
+    </p:spTree>
+    <p:extLst>
+      <p:ext uri="{BB962C8B-B14F-4D97-AF65-F5344CB8AC3E}">
+        <p14:creationId xmlns:p14="http://schemas.microsoft.com/office/powerpoint/2010/main" val="1300190798"/>
+      </p:ext>
+    </p:extLst>
+  </p:cSld>
+  <p:clrMapOvr>
+    <a:masterClrMapping/>
+  </p:clrMapOvr>
+</p:notes>
+</file>
+
+<file path=ppt/notesSlides/notesSlide2.xml><?xml version="1.0" encoding="utf-8"?>
+<p:notes xmlns:a="http://schemas.openxmlformats.org/drawingml/2006/main" xmlns:r="http://schemas.openxmlformats.org/officeDocument/2006/relationships" xmlns:p="http://schemas.openxmlformats.org/presentationml/2006/main">
+  <p:cSld>
+    <p:spTree>
+      <p:nvGrpSpPr>
+        <p:cNvPr id="1" name=""/>
+        <p:cNvGrpSpPr/>
+        <p:nvPr/>
+      </p:nvGrpSpPr>
+      <p:grpSpPr>
+        <a:xfrm>
+          <a:off x="0" y="0"/>
+          <a:ext cx="0" cy="0"/>
+          <a:chOff x="0" y="0"/>
+          <a:chExt cx="0" cy="0"/>
+        </a:xfrm>
+      </p:grpSpPr>
+      <p:sp>
+        <p:nvSpPr>
+          <p:cNvPr id="2" name="Slide Image Placeholder 1"/>
+          <p:cNvSpPr>
+            <a:spLocks noGrp="1" noRot="1" noChangeAspect="1"/>
+          </p:cNvSpPr>
+          <p:nvPr>
+            <p:ph type="sldImg"/>
+          </p:nvPr>
+        </p:nvSpPr>
+        <p:spPr/>
+      </p:sp>
+      <p:sp>
+        <p:nvSpPr>
+          <p:cNvPr id="3" name="Notes Placeholder 2"/>
+          <p:cNvSpPr>
+            <a:spLocks noGrp="1"/>
+          </p:cNvSpPr>
+          <p:nvPr>
+            <p:ph type="body" idx="1"/>
+          </p:nvPr>
+        </p:nvSpPr>
+        <p:spPr/>
+        <p:txBody>
+          <a:bodyPr/>
+          <a:lstStyle/>
+          <a:p>
+            <a:endParaRPr lang="en-US" dirty="0"/>
+          </a:p>
+        </p:txBody>
+      </p:sp>
+      <p:sp>
+        <p:nvSpPr>
+          <p:cNvPr id="4" name="Slide Number Placeholder 3"/>
+          <p:cNvSpPr>
+            <a:spLocks noGrp="1"/>
+          </p:cNvSpPr>
+          <p:nvPr>
+            <p:ph type="sldNum" sz="quarter" idx="10"/>
+          </p:nvPr>
+        </p:nvSpPr>
+        <p:spPr/>
+        <p:txBody>
+          <a:bodyPr/>
+          <a:lstStyle/>
+          <a:p>
+            <a:fld id="{A6E882C5-FB68-EA46-8963-50E3756CF4D5}" type="slidenum">
+              <a:rPr lang="en-US" smtClean="0"/>
+              <a:t>11</a:t>
+            </a:fld>
+            <a:endParaRPr lang="en-US"/>
+          </a:p>
+        </p:txBody>
+      </p:sp>
+    </p:spTree>
+    <p:extLst>
+      <p:ext uri="{BB962C8B-B14F-4D97-AF65-F5344CB8AC3E}">
+        <p14:creationId xmlns:p14="http://schemas.microsoft.com/office/powerpoint/2010/main" val="626394452"/>
+      </p:ext>
+    </p:extLst>
+  </p:cSld>
+  <p:clrMapOvr>
+    <a:masterClrMapping/>
+  </p:clrMapOvr>
+</p:notes>
+</file>
+
 <file path=ppt/slideLayouts/slideLayout1.xml><?xml version="1.0" encoding="utf-8"?>
 <p:sldLayout xmlns:a="http://schemas.openxmlformats.org/drawingml/2006/main" xmlns:r="http://schemas.openxmlformats.org/officeDocument/2006/relationships" xmlns:p="http://schemas.openxmlformats.org/presentationml/2006/main" showMasterSp="0" type="title" preserve="1">
   <p:cSld name="Title Slide">
@@ -3663,7 +4225,7 @@
             <a:fld id="{B61BEF0D-F0BB-DE4B-95CE-6DB70DBA9567}" type="datetimeFigureOut">
               <a:rPr lang="en-US" smtClean="0"/>
               <a:pPr/>
-              <a:t>3/12/18</a:t>
+              <a:t>3/14/18</a:t>
             </a:fld>
             <a:endParaRPr lang="en-US" dirty="0"/>
           </a:p>
@@ -4753,7 +5315,7 @@
             <a:fld id="{B61BEF0D-F0BB-DE4B-95CE-6DB70DBA9567}" type="datetimeFigureOut">
               <a:rPr lang="en-US" smtClean="0"/>
               <a:pPr/>
-              <a:t>3/12/18</a:t>
+              <a:t>3/14/18</a:t>
             </a:fld>
             <a:endParaRPr lang="en-US" dirty="0"/>
           </a:p>
@@ -5730,7 +6292,7 @@
             <a:fld id="{B61BEF0D-F0BB-DE4B-95CE-6DB70DBA9567}" type="datetimeFigureOut">
               <a:rPr lang="en-US" smtClean="0"/>
               <a:pPr/>
-              <a:t>3/12/18</a:t>
+              <a:t>3/14/18</a:t>
             </a:fld>
             <a:endParaRPr lang="en-US" dirty="0"/>
           </a:p>
@@ -6861,7 +7423,7 @@
             <a:fld id="{B61BEF0D-F0BB-DE4B-95CE-6DB70DBA9567}" type="datetimeFigureOut">
               <a:rPr lang="en-US" smtClean="0"/>
               <a:pPr/>
-              <a:t>3/12/18</a:t>
+              <a:t>3/14/18</a:t>
             </a:fld>
             <a:endParaRPr lang="en-US" dirty="0"/>
           </a:p>
@@ -7891,7 +8453,7 @@
             <a:fld id="{B61BEF0D-F0BB-DE4B-95CE-6DB70DBA9567}" type="datetimeFigureOut">
               <a:rPr lang="en-US" smtClean="0"/>
               <a:pPr/>
-              <a:t>3/12/18</a:t>
+              <a:t>3/14/18</a:t>
             </a:fld>
             <a:endParaRPr lang="en-US" dirty="0"/>
           </a:p>
@@ -8548,7 +9110,7 @@
             <a:fld id="{B61BEF0D-F0BB-DE4B-95CE-6DB70DBA9567}" type="datetimeFigureOut">
               <a:rPr lang="en-US" smtClean="0"/>
               <a:pPr/>
-              <a:t>3/12/18</a:t>
+              <a:t>3/14/18</a:t>
             </a:fld>
             <a:endParaRPr lang="en-US" dirty="0"/>
           </a:p>
@@ -9406,7 +9968,7 @@
             <a:fld id="{B61BEF0D-F0BB-DE4B-95CE-6DB70DBA9567}" type="datetimeFigureOut">
               <a:rPr lang="en-US" smtClean="0"/>
               <a:pPr/>
-              <a:t>3/12/18</a:t>
+              <a:t>3/14/18</a:t>
             </a:fld>
             <a:endParaRPr lang="en-US" dirty="0"/>
           </a:p>
@@ -9593,7 +10155,7 @@
             <a:fld id="{B61BEF0D-F0BB-DE4B-95CE-6DB70DBA9567}" type="datetimeFigureOut">
               <a:rPr lang="en-US" smtClean="0"/>
               <a:pPr/>
-              <a:t>3/12/18</a:t>
+              <a:t>3/14/18</a:t>
             </a:fld>
             <a:endParaRPr lang="en-US" dirty="0"/>
           </a:p>
@@ -10562,7 +11124,7 @@
             <a:fld id="{B61BEF0D-F0BB-DE4B-95CE-6DB70DBA9567}" type="datetimeFigureOut">
               <a:rPr lang="en-US" smtClean="0"/>
               <a:pPr/>
-              <a:t>3/12/18</a:t>
+              <a:t>3/14/18</a:t>
             </a:fld>
             <a:endParaRPr lang="en-US" dirty="0"/>
           </a:p>
@@ -10774,7 +11336,7 @@
           <a:p>
             <a:fld id="{52647F38-B617-4D2F-AE0A-013F0C4D2C57}" type="datetimeFigureOut">
               <a:rPr lang="en-US" smtClean="0"/>
-              <a:t>3/12/18</a:t>
+              <a:t>3/14/18</a:t>
             </a:fld>
             <a:endParaRPr lang="en-US" dirty="0"/>
           </a:p>
@@ -11804,7 +12366,7 @@
             <a:fld id="{B61BEF0D-F0BB-DE4B-95CE-6DB70DBA9567}" type="datetimeFigureOut">
               <a:rPr lang="en-US" smtClean="0"/>
               <a:pPr/>
-              <a:t>3/12/18</a:t>
+              <a:t>3/14/18</a:t>
             </a:fld>
             <a:endParaRPr lang="en-US" dirty="0"/>
           </a:p>
@@ -12077,7 +12639,7 @@
           <a:p>
             <a:fld id="{05BFA754-D5C3-4E66-96A6-867B257F58DC}" type="datetimeFigureOut">
               <a:rPr lang="en-US" smtClean="0"/>
-              <a:t>3/12/18</a:t>
+              <a:t>3/14/18</a:t>
             </a:fld>
             <a:endParaRPr lang="en-US" dirty="0"/>
           </a:p>
@@ -12488,7 +13050,7 @@
             <a:fld id="{B61BEF0D-F0BB-DE4B-95CE-6DB70DBA9567}" type="datetimeFigureOut">
               <a:rPr lang="en-US" smtClean="0"/>
               <a:pPr/>
-              <a:t>3/12/18</a:t>
+              <a:t>3/14/18</a:t>
             </a:fld>
             <a:endParaRPr lang="en-US" dirty="0"/>
           </a:p>
@@ -12617,7 +13179,7 @@
             <a:fld id="{B61BEF0D-F0BB-DE4B-95CE-6DB70DBA9567}" type="datetimeFigureOut">
               <a:rPr lang="en-US" smtClean="0"/>
               <a:pPr/>
-              <a:t>3/12/18</a:t>
+              <a:t>3/14/18</a:t>
             </a:fld>
             <a:endParaRPr lang="en-US" dirty="0"/>
           </a:p>
@@ -12709,7 +13271,7 @@
             <a:fld id="{B61BEF0D-F0BB-DE4B-95CE-6DB70DBA9567}" type="datetimeFigureOut">
               <a:rPr lang="en-US" smtClean="0"/>
               <a:pPr/>
-              <a:t>3/12/18</a:t>
+              <a:t>3/14/18</a:t>
             </a:fld>
             <a:endParaRPr lang="en-US" dirty="0"/>
           </a:p>
@@ -13792,7 +14354,7 @@
             <a:fld id="{B61BEF0D-F0BB-DE4B-95CE-6DB70DBA9567}" type="datetimeFigureOut">
               <a:rPr lang="en-US" smtClean="0"/>
               <a:pPr/>
-              <a:t>3/12/18</a:t>
+              <a:t>3/14/18</a:t>
             </a:fld>
             <a:endParaRPr lang="en-US" dirty="0"/>
           </a:p>
@@ -14902,7 +15464,7 @@
             <a:fld id="{B61BEF0D-F0BB-DE4B-95CE-6DB70DBA9567}" type="datetimeFigureOut">
               <a:rPr lang="en-US" smtClean="0"/>
               <a:pPr/>
-              <a:t>3/12/18</a:t>
+              <a:t>3/14/18</a:t>
             </a:fld>
             <a:endParaRPr lang="en-US" dirty="0"/>
           </a:p>
@@ -15900,7 +16462,7 @@
             <a:fld id="{B61BEF0D-F0BB-DE4B-95CE-6DB70DBA9567}" type="datetimeFigureOut">
               <a:rPr lang="en-US" smtClean="0"/>
               <a:pPr/>
-              <a:t>3/12/18</a:t>
+              <a:t>3/14/18</a:t>
             </a:fld>
             <a:endParaRPr lang="en-US" dirty="0"/>
           </a:p>
@@ -16478,28 +17040,33 @@
         <p:spPr/>
         <p:txBody>
           <a:bodyPr>
-            <a:normAutofit fontScale="90000"/>
+            <a:normAutofit/>
           </a:bodyPr>
           <a:lstStyle/>
           <a:p>
             <a:r>
+              <a:rPr lang="en-US" dirty="0" smtClean="0"/>
+              <a:t>Stress </a:t>
+            </a:r>
+            <a:r>
+              <a:rPr lang="en-US" dirty="0" smtClean="0"/>
+              <a:t>Testing </a:t>
+            </a:r>
+            <a:r>
               <a:rPr lang="en-US" dirty="0"/>
-              <a:t>Progress Report</a:t>
+              <a:t>F</a:t>
             </a:r>
             <a:r>
               <a:rPr lang="en-US" dirty="0" smtClean="0"/>
-              <a:t>:</a:t>
+              <a:t>acial </a:t>
             </a:r>
             <a:r>
               <a:rPr lang="en-US" dirty="0"/>
-              <a:t/>
-            </a:r>
-            <a:br>
-              <a:rPr lang="en-US" dirty="0"/>
-            </a:br>
+              <a:t>R</a:t>
+            </a:r>
             <a:r>
               <a:rPr lang="en-US" dirty="0" smtClean="0"/>
-              <a:t>Stress testing facial recognition with Adversarial Examples</a:t>
+              <a:t>ecognition with Adversarial Examples</a:t>
             </a:r>
             <a:endParaRPr lang="en-US" dirty="0"/>
           </a:p>
@@ -16596,7 +17163,7 @@
           <a:p>
             <a:r>
               <a:rPr lang="en-US" dirty="0" smtClean="0"/>
-              <a:t>Progress</a:t>
+              <a:t>Code Demo</a:t>
             </a:r>
             <a:endParaRPr lang="en-US" dirty="0"/>
           </a:p>
@@ -16614,525 +17181,49 @@
         </p:nvSpPr>
         <p:spPr/>
         <p:txBody>
-          <a:bodyPr>
-            <a:normAutofit/>
-          </a:bodyPr>
+          <a:bodyPr/>
           <a:lstStyle/>
           <a:p>
             <a:r>
-              <a:rPr lang="en-US" dirty="0" smtClean="0"/>
-              <a:t>Face recognition workflow set up and supplemental images collected</a:t>
-            </a:r>
-          </a:p>
-          <a:p>
-            <a:r>
-              <a:rPr lang="en-US" dirty="0" smtClean="0"/>
-              <a:t>Test </a:t>
-            </a:r>
-            <a:r>
               <a:rPr lang="en-US" dirty="0"/>
-              <a:t>image </a:t>
-            </a:r>
-            <a:r>
-              <a:rPr lang="en-US" dirty="0" smtClean="0"/>
-              <a:t>validation </a:t>
-            </a:r>
-            <a:r>
-              <a:rPr lang="en-US" smtClean="0"/>
-              <a:t>with limited data set:</a:t>
-            </a:r>
-            <a:endParaRPr lang="en-US" dirty="0" smtClean="0"/>
+              <a:t>https://</a:t>
+            </a:r>
+            <a:r>
+              <a:rPr lang="en-US" dirty="0" err="1"/>
+              <a:t>github.com</a:t>
+            </a:r>
+            <a:r>
+              <a:rPr lang="en-US" dirty="0"/>
+              <a:t>/</a:t>
+            </a:r>
+            <a:r>
+              <a:rPr lang="en-US" dirty="0" err="1"/>
+              <a:t>erstrong</a:t>
+            </a:r>
+            <a:r>
+              <a:rPr lang="en-US" dirty="0"/>
+              <a:t>/</a:t>
+            </a:r>
+            <a:r>
+              <a:rPr lang="en-US" dirty="0" err="1"/>
+              <a:t>BigDataSystemsandIntelligenceAnalytics</a:t>
+            </a:r>
+            <a:r>
+              <a:rPr lang="en-US" dirty="0"/>
+              <a:t>/tree/master/</a:t>
+            </a:r>
+            <a:r>
+              <a:rPr lang="en-US" dirty="0" err="1"/>
+              <a:t>AdversarialFaceRecognition</a:t>
+            </a:r>
+            <a:endParaRPr lang="en-US" dirty="0"/>
           </a:p>
         </p:txBody>
       </p:sp>
-      <p:graphicFrame>
-        <p:nvGraphicFramePr>
-          <p:cNvPr id="5" name="Table 4"/>
-          <p:cNvGraphicFramePr>
-            <a:graphicFrameLocks noGrp="1"/>
-          </p:cNvGraphicFramePr>
-          <p:nvPr>
-            <p:extLst>
-              <p:ext uri="{D42A27DB-BD31-4B8C-83A1-F6EECF244321}">
-                <p14:modId xmlns:p14="http://schemas.microsoft.com/office/powerpoint/2010/main" val="637602131"/>
-              </p:ext>
-            </p:extLst>
-          </p:nvPr>
-        </p:nvGraphicFramePr>
-        <p:xfrm>
-          <a:off x="1154954" y="3569970"/>
-          <a:ext cx="10056387" cy="2834640"/>
-        </p:xfrm>
-        <a:graphic>
-          <a:graphicData uri="http://schemas.openxmlformats.org/drawingml/2006/table">
-            <a:tbl>
-              <a:tblPr firstRow="1" bandRow="1">
-                <a:tableStyleId>{5C22544A-7EE6-4342-B048-85BDC9FD1C3A}</a:tableStyleId>
-              </a:tblPr>
-              <a:tblGrid>
-                <a:gridCol w="2180733"/>
-                <a:gridCol w="2879911"/>
-                <a:gridCol w="2115832"/>
-                <a:gridCol w="2879911"/>
-              </a:tblGrid>
-              <a:tr h="292508">
-                <a:tc>
-                  <a:txBody>
-                    <a:bodyPr/>
-                    <a:lstStyle/>
-                    <a:p>
-                      <a:r>
-                        <a:rPr lang="en-US" sz="1600" dirty="0" smtClean="0"/>
-                        <a:t>Image</a:t>
-                      </a:r>
-                      <a:endParaRPr lang="en-US" sz="1600" dirty="0"/>
-                    </a:p>
-                  </a:txBody>
-                  <a:tcPr/>
-                </a:tc>
-                <a:tc>
-                  <a:txBody>
-                    <a:bodyPr/>
-                    <a:lstStyle/>
-                    <a:p>
-                      <a:r>
-                        <a:rPr lang="en-US" sz="1600" dirty="0" smtClean="0"/>
-                        <a:t>Confidence Level</a:t>
-                      </a:r>
-                      <a:endParaRPr lang="en-US" sz="1600" dirty="0"/>
-                    </a:p>
-                  </a:txBody>
-                  <a:tcPr/>
-                </a:tc>
-                <a:tc>
-                  <a:txBody>
-                    <a:bodyPr/>
-                    <a:lstStyle/>
-                    <a:p>
-                      <a:r>
-                        <a:rPr lang="en-US" sz="1600" dirty="0" smtClean="0"/>
-                        <a:t>Image</a:t>
-                      </a:r>
-                      <a:endParaRPr lang="en-US" sz="1600" dirty="0"/>
-                    </a:p>
-                  </a:txBody>
-                  <a:tcPr/>
-                </a:tc>
-                <a:tc>
-                  <a:txBody>
-                    <a:bodyPr/>
-                    <a:lstStyle/>
-                    <a:p>
-                      <a:r>
-                        <a:rPr lang="en-US" sz="1600" dirty="0" smtClean="0"/>
-                        <a:t>Confidence Level</a:t>
-                      </a:r>
-                      <a:endParaRPr lang="en-US" sz="1600" dirty="0"/>
-                    </a:p>
-                  </a:txBody>
-                  <a:tcPr/>
-                </a:tc>
-              </a:tr>
-              <a:tr h="292508">
-                <a:tc>
-                  <a:txBody>
-                    <a:bodyPr/>
-                    <a:lstStyle/>
-                    <a:p>
-                      <a:r>
-                        <a:rPr lang="en-US" sz="1600" dirty="0" smtClean="0"/>
-                        <a:t>Keira Knightley 1</a:t>
-                      </a:r>
-                      <a:endParaRPr lang="en-US" sz="1600" dirty="0"/>
-                    </a:p>
-                  </a:txBody>
-                  <a:tcPr/>
-                </a:tc>
-                <a:tc>
-                  <a:txBody>
-                    <a:bodyPr/>
-                    <a:lstStyle/>
-                    <a:p>
-                      <a:r>
-                        <a:rPr lang="en-US" sz="1600" dirty="0" smtClean="0"/>
-                        <a:t>51%</a:t>
-                      </a:r>
-                      <a:endParaRPr lang="en-US" sz="1600" dirty="0"/>
-                    </a:p>
-                  </a:txBody>
-                  <a:tcPr/>
-                </a:tc>
-                <a:tc>
-                  <a:txBody>
-                    <a:bodyPr/>
-                    <a:lstStyle/>
-                    <a:p>
-                      <a:r>
-                        <a:rPr lang="en-US" sz="1600" dirty="0" smtClean="0"/>
-                        <a:t>Meryl Streep</a:t>
-                      </a:r>
-                      <a:endParaRPr lang="en-US" sz="1600" dirty="0"/>
-                    </a:p>
-                  </a:txBody>
-                  <a:tcPr/>
-                </a:tc>
-                <a:tc>
-                  <a:txBody>
-                    <a:bodyPr/>
-                    <a:lstStyle/>
-                    <a:p>
-                      <a:r>
-                        <a:rPr lang="en-US" sz="1600" dirty="0" smtClean="0"/>
-                        <a:t>86%</a:t>
-                      </a:r>
-                      <a:endParaRPr lang="en-US" sz="1600" dirty="0"/>
-                    </a:p>
-                  </a:txBody>
-                  <a:tcPr/>
-                </a:tc>
-              </a:tr>
-              <a:tr h="292508">
-                <a:tc>
-                  <a:txBody>
-                    <a:bodyPr/>
-                    <a:lstStyle/>
-                    <a:p>
-                      <a:r>
-                        <a:rPr lang="en-US" sz="1600" dirty="0" smtClean="0"/>
-                        <a:t>Keira Knightley 2</a:t>
-                      </a:r>
-                      <a:endParaRPr lang="en-US" sz="1600" dirty="0"/>
-                    </a:p>
-                  </a:txBody>
-                  <a:tcPr/>
-                </a:tc>
-                <a:tc>
-                  <a:txBody>
-                    <a:bodyPr/>
-                    <a:lstStyle/>
-                    <a:p>
-                      <a:r>
-                        <a:rPr lang="en-US" sz="1600" dirty="0" smtClean="0"/>
-                        <a:t>88%</a:t>
-                      </a:r>
-                      <a:endParaRPr lang="en-US" sz="1600" dirty="0"/>
-                    </a:p>
-                  </a:txBody>
-                  <a:tcPr/>
-                </a:tc>
-                <a:tc>
-                  <a:txBody>
-                    <a:bodyPr/>
-                    <a:lstStyle/>
-                    <a:p>
-                      <a:r>
-                        <a:rPr lang="en-US" sz="1600" dirty="0" smtClean="0"/>
-                        <a:t>Tom Hanks</a:t>
-                      </a:r>
-                      <a:endParaRPr lang="en-US" sz="1600" dirty="0"/>
-                    </a:p>
-                  </a:txBody>
-                  <a:tcPr/>
-                </a:tc>
-                <a:tc>
-                  <a:txBody>
-                    <a:bodyPr/>
-                    <a:lstStyle/>
-                    <a:p>
-                      <a:r>
-                        <a:rPr lang="en-US" sz="1600" dirty="0" smtClean="0"/>
-                        <a:t>71%</a:t>
-                      </a:r>
-                      <a:endParaRPr lang="en-US" sz="1600" dirty="0"/>
-                    </a:p>
-                  </a:txBody>
-                  <a:tcPr/>
-                </a:tc>
-              </a:tr>
-              <a:tr h="292508">
-                <a:tc>
-                  <a:txBody>
-                    <a:bodyPr/>
-                    <a:lstStyle/>
-                    <a:p>
-                      <a:r>
-                        <a:rPr lang="en-US" sz="1600" dirty="0" smtClean="0"/>
-                        <a:t>Keira Knightley 3</a:t>
-                      </a:r>
-                      <a:endParaRPr lang="en-US" sz="1600" dirty="0"/>
-                    </a:p>
-                  </a:txBody>
-                  <a:tcPr/>
-                </a:tc>
-                <a:tc>
-                  <a:txBody>
-                    <a:bodyPr/>
-                    <a:lstStyle/>
-                    <a:p>
-                      <a:r>
-                        <a:rPr lang="en-US" sz="1600" dirty="0" smtClean="0"/>
-                        <a:t>96%</a:t>
-                      </a:r>
-                      <a:endParaRPr lang="en-US" sz="1600" dirty="0"/>
-                    </a:p>
-                  </a:txBody>
-                  <a:tcPr/>
-                </a:tc>
-                <a:tc>
-                  <a:txBody>
-                    <a:bodyPr/>
-                    <a:lstStyle/>
-                    <a:p>
-                      <a:r>
-                        <a:rPr lang="en-US" sz="1600" dirty="0" smtClean="0"/>
-                        <a:t>Morgan</a:t>
-                      </a:r>
-                      <a:r>
-                        <a:rPr lang="en-US" sz="1600" baseline="0" dirty="0" smtClean="0"/>
-                        <a:t> Freeman</a:t>
-                      </a:r>
-                      <a:endParaRPr lang="en-US" sz="1600" dirty="0"/>
-                    </a:p>
-                  </a:txBody>
-                  <a:tcPr/>
-                </a:tc>
-                <a:tc>
-                  <a:txBody>
-                    <a:bodyPr/>
-                    <a:lstStyle/>
-                    <a:p>
-                      <a:r>
-                        <a:rPr lang="en-US" sz="1600" dirty="0" smtClean="0"/>
-                        <a:t>79%</a:t>
-                      </a:r>
-                      <a:endParaRPr lang="en-US" sz="1600" dirty="0"/>
-                    </a:p>
-                  </a:txBody>
-                  <a:tcPr/>
-                </a:tc>
-              </a:tr>
-              <a:tr h="505241">
-                <a:tc>
-                  <a:txBody>
-                    <a:bodyPr/>
-                    <a:lstStyle/>
-                    <a:p>
-                      <a:r>
-                        <a:rPr lang="en-US" sz="1600" dirty="0" smtClean="0"/>
-                        <a:t>Natalie Portman 1</a:t>
-                      </a:r>
-                      <a:endParaRPr lang="en-US" sz="1600" dirty="0"/>
-                    </a:p>
-                  </a:txBody>
-                  <a:tcPr/>
-                </a:tc>
-                <a:tc>
-                  <a:txBody>
-                    <a:bodyPr/>
-                    <a:lstStyle/>
-                    <a:p>
-                      <a:r>
-                        <a:rPr lang="en-US" sz="1600" dirty="0" smtClean="0"/>
-                        <a:t>64%</a:t>
-                      </a:r>
-                      <a:endParaRPr lang="en-US" sz="1600" dirty="0"/>
-                    </a:p>
-                  </a:txBody>
-                  <a:tcPr/>
-                </a:tc>
-                <a:tc>
-                  <a:txBody>
-                    <a:bodyPr/>
-                    <a:lstStyle/>
-                    <a:p>
-                      <a:r>
-                        <a:rPr lang="en-US" sz="1600" dirty="0" smtClean="0"/>
-                        <a:t>cat</a:t>
-                      </a:r>
-                      <a:endParaRPr lang="en-US" sz="1600" dirty="0"/>
-                    </a:p>
-                  </a:txBody>
-                  <a:tcPr/>
-                </a:tc>
-                <a:tc>
-                  <a:txBody>
-                    <a:bodyPr/>
-                    <a:lstStyle/>
-                    <a:p>
-                      <a:pPr marL="0" marR="0" indent="0" algn="l" defTabSz="457200" rtl="0" eaLnBrk="1" fontAlgn="auto" latinLnBrk="0" hangingPunct="1">
-                        <a:lnSpc>
-                          <a:spcPct val="100000"/>
-                        </a:lnSpc>
-                        <a:spcBef>
-                          <a:spcPts val="0"/>
-                        </a:spcBef>
-                        <a:spcAft>
-                          <a:spcPts val="0"/>
-                        </a:spcAft>
-                        <a:buClrTx/>
-                        <a:buSzTx/>
-                        <a:buFontTx/>
-                        <a:buNone/>
-                        <a:tabLst/>
-                        <a:defRPr/>
-                      </a:pPr>
-                      <a:r>
-                        <a:rPr lang="en-US" sz="1600" kern="1200" dirty="0" smtClean="0">
-                          <a:solidFill>
-                            <a:schemeClr val="dk1"/>
-                          </a:solidFill>
-                          <a:effectLst/>
-                          <a:latin typeface="+mn-lt"/>
-                          <a:ea typeface="+mn-ea"/>
-                          <a:cs typeface="+mn-cs"/>
-                        </a:rPr>
-                        <a:t>Exception: Unable to find a face</a:t>
-                      </a:r>
-                    </a:p>
-                  </a:txBody>
-                  <a:tcPr/>
-                </a:tc>
-              </a:tr>
-              <a:tr h="505241">
-                <a:tc>
-                  <a:txBody>
-                    <a:bodyPr/>
-                    <a:lstStyle/>
-                    <a:p>
-                      <a:r>
-                        <a:rPr lang="en-US" sz="1600" dirty="0" smtClean="0"/>
-                        <a:t>Natalie Portman 2</a:t>
-                      </a:r>
-                      <a:endParaRPr lang="en-US" sz="1600" dirty="0"/>
-                    </a:p>
-                  </a:txBody>
-                  <a:tcPr/>
-                </a:tc>
-                <a:tc>
-                  <a:txBody>
-                    <a:bodyPr/>
-                    <a:lstStyle/>
-                    <a:p>
-                      <a:r>
-                        <a:rPr lang="en-US" sz="1600" dirty="0" smtClean="0"/>
-                        <a:t>98%</a:t>
-                      </a:r>
-                      <a:endParaRPr lang="en-US" sz="1600" dirty="0"/>
-                    </a:p>
-                  </a:txBody>
-                  <a:tcPr/>
-                </a:tc>
-                <a:tc>
-                  <a:txBody>
-                    <a:bodyPr/>
-                    <a:lstStyle/>
-                    <a:p>
-                      <a:r>
-                        <a:rPr lang="en-US" sz="1600" dirty="0" smtClean="0"/>
-                        <a:t>bicycle</a:t>
-                      </a:r>
-                      <a:endParaRPr lang="en-US" sz="1600" dirty="0"/>
-                    </a:p>
-                  </a:txBody>
-                  <a:tcPr/>
-                </a:tc>
-                <a:tc>
-                  <a:txBody>
-                    <a:bodyPr/>
-                    <a:lstStyle/>
-                    <a:p>
-                      <a:pPr marL="0" marR="0" indent="0" algn="l" defTabSz="457200" rtl="0" eaLnBrk="1" fontAlgn="auto" latinLnBrk="0" hangingPunct="1">
-                        <a:lnSpc>
-                          <a:spcPct val="100000"/>
-                        </a:lnSpc>
-                        <a:spcBef>
-                          <a:spcPts val="0"/>
-                        </a:spcBef>
-                        <a:spcAft>
-                          <a:spcPts val="0"/>
-                        </a:spcAft>
-                        <a:buClrTx/>
-                        <a:buSzTx/>
-                        <a:buFontTx/>
-                        <a:buNone/>
-                        <a:tabLst/>
-                        <a:defRPr/>
-                      </a:pPr>
-                      <a:r>
-                        <a:rPr lang="en-US" sz="1600" kern="1200" dirty="0" smtClean="0">
-                          <a:solidFill>
-                            <a:schemeClr val="dk1"/>
-                          </a:solidFill>
-                          <a:effectLst/>
-                          <a:latin typeface="+mn-lt"/>
-                          <a:ea typeface="+mn-ea"/>
-                          <a:cs typeface="+mn-cs"/>
-                        </a:rPr>
-                        <a:t>Exception: Unable to find a face</a:t>
-                      </a:r>
-                    </a:p>
-                  </a:txBody>
-                  <a:tcPr/>
-                </a:tc>
-              </a:tr>
-              <a:tr h="292508">
-                <a:tc>
-                  <a:txBody>
-                    <a:bodyPr/>
-                    <a:lstStyle/>
-                    <a:p>
-                      <a:r>
-                        <a:rPr lang="en-US" sz="1600" dirty="0" smtClean="0"/>
-                        <a:t>Natalie Portman 3</a:t>
-                      </a:r>
-                      <a:endParaRPr lang="en-US" sz="1600" dirty="0"/>
-                    </a:p>
-                  </a:txBody>
-                  <a:tcPr/>
-                </a:tc>
-                <a:tc>
-                  <a:txBody>
-                    <a:bodyPr/>
-                    <a:lstStyle/>
-                    <a:p>
-                      <a:r>
-                        <a:rPr lang="en-US" sz="1600" dirty="0" smtClean="0"/>
-                        <a:t>87%</a:t>
-                      </a:r>
-                      <a:endParaRPr lang="en-US" sz="1600" dirty="0"/>
-                    </a:p>
-                  </a:txBody>
-                  <a:tcPr/>
-                </a:tc>
-                <a:tc>
-                  <a:txBody>
-                    <a:bodyPr/>
-                    <a:lstStyle/>
-                    <a:p>
-                      <a:endParaRPr lang="en-US" sz="1600" dirty="0"/>
-                    </a:p>
-                  </a:txBody>
-                  <a:tcPr/>
-                </a:tc>
-                <a:tc>
-                  <a:txBody>
-                    <a:bodyPr/>
-                    <a:lstStyle/>
-                    <a:p>
-                      <a:endParaRPr lang="en-US" sz="1600" dirty="0"/>
-                    </a:p>
-                  </a:txBody>
-                  <a:tcPr/>
-                </a:tc>
-              </a:tr>
-            </a:tbl>
-          </a:graphicData>
-        </a:graphic>
-      </p:graphicFrame>
     </p:spTree>
     <p:extLst>
       <p:ext uri="{BB962C8B-B14F-4D97-AF65-F5344CB8AC3E}">
-        <p14:creationId xmlns:p14="http://schemas.microsoft.com/office/powerpoint/2010/main" val="1238727073"/>
+        <p14:creationId xmlns:p14="http://schemas.microsoft.com/office/powerpoint/2010/main" val="1928599946"/>
       </p:ext>
     </p:extLst>
   </p:cSld>
@@ -17183,102 +17274,736 @@
           <a:p>
             <a:r>
               <a:rPr lang="en-US" dirty="0" smtClean="0"/>
-              <a:t>Next Steps</a:t>
+              <a:t>Progress</a:t>
             </a:r>
             <a:endParaRPr lang="en-US" dirty="0"/>
           </a:p>
         </p:txBody>
       </p:sp>
+      <p:graphicFrame>
+        <p:nvGraphicFramePr>
+          <p:cNvPr id="6" name="Table 5"/>
+          <p:cNvGraphicFramePr>
+            <a:graphicFrameLocks noGrp="1"/>
+          </p:cNvGraphicFramePr>
+          <p:nvPr>
+            <p:extLst>
+              <p:ext uri="{D42A27DB-BD31-4B8C-83A1-F6EECF244321}">
+                <p14:modId xmlns:p14="http://schemas.microsoft.com/office/powerpoint/2010/main" val="506940274"/>
+              </p:ext>
+            </p:extLst>
+          </p:nvPr>
+        </p:nvGraphicFramePr>
+        <p:xfrm>
+          <a:off x="278298" y="2930930"/>
+          <a:ext cx="11612879" cy="3656726"/>
+        </p:xfrm>
+        <a:graphic>
+          <a:graphicData uri="http://schemas.openxmlformats.org/drawingml/2006/table">
+            <a:tbl>
+              <a:tblPr firstRow="1" bandRow="1">
+                <a:tableStyleId>{5C22544A-7EE6-4342-B048-85BDC9FD1C3A}</a:tableStyleId>
+              </a:tblPr>
+              <a:tblGrid>
+                <a:gridCol w="1263153"/>
+                <a:gridCol w="1290319"/>
+                <a:gridCol w="1290320"/>
+                <a:gridCol w="1168079"/>
+                <a:gridCol w="1832370"/>
+                <a:gridCol w="1676904"/>
+                <a:gridCol w="1577009"/>
+                <a:gridCol w="1514725"/>
+              </a:tblGrid>
+              <a:tr h="1004966">
+                <a:tc>
+                  <a:txBody>
+                    <a:bodyPr/>
+                    <a:lstStyle/>
+                    <a:p>
+                      <a:r>
+                        <a:rPr lang="en-US" dirty="0" smtClean="0"/>
+                        <a:t>Training Data Set</a:t>
+                      </a:r>
+                      <a:endParaRPr lang="en-US" dirty="0"/>
+                    </a:p>
+                  </a:txBody>
+                  <a:tcPr anchor="ctr"/>
+                </a:tc>
+                <a:tc>
+                  <a:txBody>
+                    <a:bodyPr/>
+                    <a:lstStyle/>
+                    <a:p>
+                      <a:r>
+                        <a:rPr lang="en-US" dirty="0" smtClean="0"/>
+                        <a:t>Keira Knightley</a:t>
+                      </a:r>
+                      <a:endParaRPr lang="en-US" dirty="0"/>
+                    </a:p>
+                  </a:txBody>
+                  <a:tcPr anchor="ctr"/>
+                </a:tc>
+                <a:tc>
+                  <a:txBody>
+                    <a:bodyPr/>
+                    <a:lstStyle/>
+                    <a:p>
+                      <a:r>
+                        <a:rPr lang="en-US" dirty="0" smtClean="0"/>
+                        <a:t>Natalie Portman</a:t>
+                      </a:r>
+                      <a:endParaRPr lang="en-US" dirty="0"/>
+                    </a:p>
+                  </a:txBody>
+                  <a:tcPr anchor="ctr"/>
+                </a:tc>
+                <a:tc>
+                  <a:txBody>
+                    <a:bodyPr/>
+                    <a:lstStyle/>
+                    <a:p>
+                      <a:r>
+                        <a:rPr lang="en-US" dirty="0" smtClean="0"/>
+                        <a:t>Meryl Streep</a:t>
+                      </a:r>
+                      <a:endParaRPr lang="en-US" dirty="0"/>
+                    </a:p>
+                  </a:txBody>
+                  <a:tcPr anchor="ctr"/>
+                </a:tc>
+                <a:tc>
+                  <a:txBody>
+                    <a:bodyPr/>
+                    <a:lstStyle/>
+                    <a:p>
+                      <a:r>
+                        <a:rPr lang="en-US" dirty="0" smtClean="0"/>
+                        <a:t>Tom Hanks</a:t>
+                      </a:r>
+                      <a:endParaRPr lang="en-US" dirty="0"/>
+                    </a:p>
+                  </a:txBody>
+                  <a:tcPr anchor="ctr"/>
+                </a:tc>
+                <a:tc>
+                  <a:txBody>
+                    <a:bodyPr/>
+                    <a:lstStyle/>
+                    <a:p>
+                      <a:r>
+                        <a:rPr lang="en-US" dirty="0" smtClean="0"/>
+                        <a:t>Morgan Freeman</a:t>
+                      </a:r>
+                      <a:endParaRPr lang="en-US" dirty="0"/>
+                    </a:p>
+                  </a:txBody>
+                  <a:tcPr anchor="ctr"/>
+                </a:tc>
+                <a:tc>
+                  <a:txBody>
+                    <a:bodyPr/>
+                    <a:lstStyle/>
+                    <a:p>
+                      <a:r>
+                        <a:rPr lang="en-US" dirty="0" smtClean="0"/>
+                        <a:t>cat</a:t>
+                      </a:r>
+                      <a:endParaRPr lang="en-US" dirty="0"/>
+                    </a:p>
+                  </a:txBody>
+                  <a:tcPr anchor="ctr"/>
+                </a:tc>
+                <a:tc>
+                  <a:txBody>
+                    <a:bodyPr/>
+                    <a:lstStyle/>
+                    <a:p>
+                      <a:r>
+                        <a:rPr lang="en-US" dirty="0" smtClean="0"/>
+                        <a:t>bicycle</a:t>
+                      </a:r>
+                      <a:endParaRPr lang="en-US" dirty="0"/>
+                    </a:p>
+                  </a:txBody>
+                  <a:tcPr anchor="ctr"/>
+                </a:tc>
+              </a:tr>
+              <a:tr h="472134">
+                <a:tc>
+                  <a:txBody>
+                    <a:bodyPr/>
+                    <a:lstStyle/>
+                    <a:p>
+                      <a:r>
+                        <a:rPr lang="en-US" dirty="0" smtClean="0"/>
+                        <a:t>Test Subjects</a:t>
+                      </a:r>
+                      <a:r>
+                        <a:rPr lang="en-US" baseline="0" dirty="0" smtClean="0"/>
+                        <a:t> Only</a:t>
+                      </a:r>
+                      <a:endParaRPr lang="en-US" dirty="0"/>
+                    </a:p>
+                  </a:txBody>
+                  <a:tcPr/>
+                </a:tc>
+                <a:tc>
+                  <a:txBody>
+                    <a:bodyPr/>
+                    <a:lstStyle/>
+                    <a:p>
+                      <a:pPr marL="0" marR="0" indent="0" algn="ctr" defTabSz="457200" rtl="0" eaLnBrk="1" fontAlgn="auto" latinLnBrk="0" hangingPunct="1">
+                        <a:lnSpc>
+                          <a:spcPct val="100000"/>
+                        </a:lnSpc>
+                        <a:spcBef>
+                          <a:spcPts val="0"/>
+                        </a:spcBef>
+                        <a:spcAft>
+                          <a:spcPts val="0"/>
+                        </a:spcAft>
+                        <a:buClrTx/>
+                        <a:buSzTx/>
+                        <a:buFontTx/>
+                        <a:buNone/>
+                        <a:tabLst/>
+                        <a:defRPr/>
+                      </a:pPr>
+                      <a:r>
+                        <a:rPr lang="en-US" sz="1800" dirty="0" smtClean="0"/>
+                        <a:t>51%</a:t>
+                      </a:r>
+                    </a:p>
+                    <a:p>
+                      <a:pPr marL="0" marR="0" indent="0" algn="ctr" defTabSz="457200" rtl="0" eaLnBrk="1" fontAlgn="auto" latinLnBrk="0" hangingPunct="1">
+                        <a:lnSpc>
+                          <a:spcPct val="100000"/>
+                        </a:lnSpc>
+                        <a:spcBef>
+                          <a:spcPts val="0"/>
+                        </a:spcBef>
+                        <a:spcAft>
+                          <a:spcPts val="0"/>
+                        </a:spcAft>
+                        <a:buClrTx/>
+                        <a:buSzTx/>
+                        <a:buFontTx/>
+                        <a:buNone/>
+                        <a:tabLst/>
+                        <a:defRPr/>
+                      </a:pPr>
+                      <a:r>
+                        <a:rPr lang="en-US" sz="1800" dirty="0" smtClean="0"/>
+                        <a:t>88%</a:t>
+                      </a:r>
+                    </a:p>
+                    <a:p>
+                      <a:pPr marL="0" marR="0" indent="0" algn="ctr" defTabSz="457200" rtl="0" eaLnBrk="1" fontAlgn="auto" latinLnBrk="0" hangingPunct="1">
+                        <a:lnSpc>
+                          <a:spcPct val="100000"/>
+                        </a:lnSpc>
+                        <a:spcBef>
+                          <a:spcPts val="0"/>
+                        </a:spcBef>
+                        <a:spcAft>
+                          <a:spcPts val="0"/>
+                        </a:spcAft>
+                        <a:buClrTx/>
+                        <a:buSzTx/>
+                        <a:buFontTx/>
+                        <a:buNone/>
+                        <a:tabLst/>
+                        <a:defRPr/>
+                      </a:pPr>
+                      <a:r>
+                        <a:rPr lang="en-US" sz="1800" dirty="0" smtClean="0"/>
+                        <a:t>96%</a:t>
+                      </a:r>
+                    </a:p>
+                  </a:txBody>
+                  <a:tcPr/>
+                </a:tc>
+                <a:tc>
+                  <a:txBody>
+                    <a:bodyPr/>
+                    <a:lstStyle/>
+                    <a:p>
+                      <a:pPr marL="0" marR="0" indent="0" algn="ctr" defTabSz="457200" rtl="0" eaLnBrk="1" fontAlgn="auto" latinLnBrk="0" hangingPunct="1">
+                        <a:lnSpc>
+                          <a:spcPct val="100000"/>
+                        </a:lnSpc>
+                        <a:spcBef>
+                          <a:spcPts val="0"/>
+                        </a:spcBef>
+                        <a:spcAft>
+                          <a:spcPts val="0"/>
+                        </a:spcAft>
+                        <a:buClrTx/>
+                        <a:buSzTx/>
+                        <a:buFontTx/>
+                        <a:buNone/>
+                        <a:tabLst/>
+                        <a:defRPr/>
+                      </a:pPr>
+                      <a:r>
+                        <a:rPr lang="en-US" sz="1800" dirty="0" smtClean="0"/>
+                        <a:t>64%</a:t>
+                      </a:r>
+                    </a:p>
+                    <a:p>
+                      <a:pPr marL="0" marR="0" indent="0" algn="ctr" defTabSz="457200" rtl="0" eaLnBrk="1" fontAlgn="auto" latinLnBrk="0" hangingPunct="1">
+                        <a:lnSpc>
+                          <a:spcPct val="100000"/>
+                        </a:lnSpc>
+                        <a:spcBef>
+                          <a:spcPts val="0"/>
+                        </a:spcBef>
+                        <a:spcAft>
+                          <a:spcPts val="0"/>
+                        </a:spcAft>
+                        <a:buClrTx/>
+                        <a:buSzTx/>
+                        <a:buFontTx/>
+                        <a:buNone/>
+                        <a:tabLst/>
+                        <a:defRPr/>
+                      </a:pPr>
+                      <a:r>
+                        <a:rPr lang="en-US" sz="1800" dirty="0" smtClean="0"/>
+                        <a:t>98%</a:t>
+                      </a:r>
+                    </a:p>
+                    <a:p>
+                      <a:pPr marL="0" marR="0" indent="0" algn="ctr" defTabSz="457200" rtl="0" eaLnBrk="1" fontAlgn="auto" latinLnBrk="0" hangingPunct="1">
+                        <a:lnSpc>
+                          <a:spcPct val="100000"/>
+                        </a:lnSpc>
+                        <a:spcBef>
+                          <a:spcPts val="0"/>
+                        </a:spcBef>
+                        <a:spcAft>
+                          <a:spcPts val="0"/>
+                        </a:spcAft>
+                        <a:buClrTx/>
+                        <a:buSzTx/>
+                        <a:buFontTx/>
+                        <a:buNone/>
+                        <a:tabLst/>
+                        <a:defRPr/>
+                      </a:pPr>
+                      <a:r>
+                        <a:rPr lang="en-US" sz="1800" dirty="0" smtClean="0"/>
+                        <a:t>87%</a:t>
+                      </a:r>
+                    </a:p>
+                    <a:p>
+                      <a:pPr algn="ctr"/>
+                      <a:endParaRPr lang="en-US" dirty="0"/>
+                    </a:p>
+                  </a:txBody>
+                  <a:tcPr/>
+                </a:tc>
+                <a:tc>
+                  <a:txBody>
+                    <a:bodyPr/>
+                    <a:lstStyle/>
+                    <a:p>
+                      <a:pPr algn="ctr"/>
+                      <a:r>
+                        <a:rPr lang="en-US" dirty="0" smtClean="0"/>
+                        <a:t>86%</a:t>
+                      </a:r>
+                      <a:endParaRPr lang="en-US" dirty="0"/>
+                    </a:p>
+                  </a:txBody>
+                  <a:tcPr/>
+                </a:tc>
+                <a:tc>
+                  <a:txBody>
+                    <a:bodyPr/>
+                    <a:lstStyle/>
+                    <a:p>
+                      <a:pPr algn="ctr"/>
+                      <a:r>
+                        <a:rPr lang="en-US" dirty="0" smtClean="0"/>
+                        <a:t>71%</a:t>
+                      </a:r>
+                      <a:endParaRPr lang="en-US" dirty="0"/>
+                    </a:p>
+                  </a:txBody>
+                  <a:tcPr/>
+                </a:tc>
+                <a:tc>
+                  <a:txBody>
+                    <a:bodyPr/>
+                    <a:lstStyle/>
+                    <a:p>
+                      <a:pPr algn="ctr"/>
+                      <a:r>
+                        <a:rPr lang="en-US" dirty="0" smtClean="0"/>
+                        <a:t>79%</a:t>
+                      </a:r>
+                      <a:endParaRPr lang="en-US" dirty="0"/>
+                    </a:p>
+                  </a:txBody>
+                  <a:tcPr/>
+                </a:tc>
+                <a:tc>
+                  <a:txBody>
+                    <a:bodyPr/>
+                    <a:lstStyle/>
+                    <a:p>
+                      <a:pPr marL="0" marR="0" indent="0" algn="l" defTabSz="457200" rtl="0" eaLnBrk="1" fontAlgn="auto" latinLnBrk="0" hangingPunct="1">
+                        <a:lnSpc>
+                          <a:spcPct val="100000"/>
+                        </a:lnSpc>
+                        <a:spcBef>
+                          <a:spcPts val="0"/>
+                        </a:spcBef>
+                        <a:spcAft>
+                          <a:spcPts val="0"/>
+                        </a:spcAft>
+                        <a:buClrTx/>
+                        <a:buSzTx/>
+                        <a:buFontTx/>
+                        <a:buNone/>
+                        <a:tabLst/>
+                        <a:defRPr/>
+                      </a:pPr>
+                      <a:r>
+                        <a:rPr lang="en-US" sz="1800" kern="1200" dirty="0" smtClean="0">
+                          <a:solidFill>
+                            <a:schemeClr val="dk1"/>
+                          </a:solidFill>
+                          <a:effectLst/>
+                          <a:latin typeface="+mn-lt"/>
+                          <a:ea typeface="+mn-ea"/>
+                          <a:cs typeface="+mn-cs"/>
+                        </a:rPr>
+                        <a:t>Exception: Unable to find a face</a:t>
+                      </a:r>
+                    </a:p>
+                  </a:txBody>
+                  <a:tcPr/>
+                </a:tc>
+                <a:tc>
+                  <a:txBody>
+                    <a:bodyPr/>
+                    <a:lstStyle/>
+                    <a:p>
+                      <a:pPr marL="0" marR="0" indent="0" algn="l" defTabSz="457200" rtl="0" eaLnBrk="1" fontAlgn="auto" latinLnBrk="0" hangingPunct="1">
+                        <a:lnSpc>
+                          <a:spcPct val="100000"/>
+                        </a:lnSpc>
+                        <a:spcBef>
+                          <a:spcPts val="0"/>
+                        </a:spcBef>
+                        <a:spcAft>
+                          <a:spcPts val="0"/>
+                        </a:spcAft>
+                        <a:buClrTx/>
+                        <a:buSzTx/>
+                        <a:buFontTx/>
+                        <a:buNone/>
+                        <a:tabLst/>
+                        <a:defRPr/>
+                      </a:pPr>
+                      <a:r>
+                        <a:rPr lang="en-US" sz="1800" kern="1200" dirty="0" smtClean="0">
+                          <a:solidFill>
+                            <a:schemeClr val="dk1"/>
+                          </a:solidFill>
+                          <a:effectLst/>
+                          <a:latin typeface="+mn-lt"/>
+                          <a:ea typeface="+mn-ea"/>
+                          <a:cs typeface="+mn-cs"/>
+                        </a:rPr>
+                        <a:t>Exception: Unable to find a face</a:t>
+                      </a:r>
+                    </a:p>
+                  </a:txBody>
+                  <a:tcPr/>
+                </a:tc>
+              </a:tr>
+              <a:tr h="472134">
+                <a:tc>
+                  <a:txBody>
+                    <a:bodyPr/>
+                    <a:lstStyle/>
+                    <a:p>
+                      <a:r>
+                        <a:rPr lang="en-US" dirty="0" smtClean="0"/>
+                        <a:t>Full LFW</a:t>
+                      </a:r>
+                      <a:endParaRPr lang="en-US" dirty="0"/>
+                    </a:p>
+                  </a:txBody>
+                  <a:tcPr/>
+                </a:tc>
+                <a:tc>
+                  <a:txBody>
+                    <a:bodyPr/>
+                    <a:lstStyle/>
+                    <a:p>
+                      <a:pPr algn="ctr"/>
+                      <a:r>
+                        <a:rPr lang="en-US" dirty="0" smtClean="0"/>
+                        <a:t>5%</a:t>
+                      </a:r>
+                    </a:p>
+                    <a:p>
+                      <a:pPr algn="ctr"/>
+                      <a:r>
+                        <a:rPr lang="en-US" dirty="0" smtClean="0"/>
+                        <a:t>2%</a:t>
+                      </a:r>
+                    </a:p>
+                    <a:p>
+                      <a:pPr algn="ctr"/>
+                      <a:r>
+                        <a:rPr lang="en-US" dirty="0" smtClean="0"/>
+                        <a:t>9%</a:t>
+                      </a:r>
+                      <a:endParaRPr lang="en-US" dirty="0"/>
+                    </a:p>
+                  </a:txBody>
+                  <a:tcPr/>
+                </a:tc>
+                <a:tc>
+                  <a:txBody>
+                    <a:bodyPr/>
+                    <a:lstStyle/>
+                    <a:p>
+                      <a:pPr algn="ctr"/>
+                      <a:r>
+                        <a:rPr lang="en-US" dirty="0" smtClean="0"/>
+                        <a:t>3%</a:t>
+                      </a:r>
+                    </a:p>
+                    <a:p>
+                      <a:pPr algn="ctr"/>
+                      <a:r>
+                        <a:rPr lang="en-US" dirty="0" smtClean="0"/>
+                        <a:t>13%</a:t>
+                      </a:r>
+                    </a:p>
+                    <a:p>
+                      <a:pPr algn="ctr"/>
+                      <a:r>
+                        <a:rPr lang="en-US" dirty="0" smtClean="0"/>
+                        <a:t>6%</a:t>
+                      </a:r>
+                      <a:endParaRPr lang="en-US" dirty="0"/>
+                    </a:p>
+                  </a:txBody>
+                  <a:tcPr/>
+                </a:tc>
+                <a:tc>
+                  <a:txBody>
+                    <a:bodyPr/>
+                    <a:lstStyle/>
+                    <a:p>
+                      <a:pPr algn="ctr"/>
+                      <a:r>
+                        <a:rPr lang="en-US" dirty="0" smtClean="0"/>
+                        <a:t>1%</a:t>
+                      </a:r>
+                      <a:endParaRPr lang="en-US" dirty="0"/>
+                    </a:p>
+                  </a:txBody>
+                  <a:tcPr/>
+                </a:tc>
+                <a:tc>
+                  <a:txBody>
+                    <a:bodyPr/>
+                    <a:lstStyle/>
+                    <a:p>
+                      <a:pPr marL="0" marR="0" indent="0" algn="l" defTabSz="457200" rtl="0" eaLnBrk="1" fontAlgn="auto" latinLnBrk="0" hangingPunct="1">
+                        <a:lnSpc>
+                          <a:spcPct val="100000"/>
+                        </a:lnSpc>
+                        <a:spcBef>
+                          <a:spcPts val="0"/>
+                        </a:spcBef>
+                        <a:spcAft>
+                          <a:spcPts val="0"/>
+                        </a:spcAft>
+                        <a:buClrTx/>
+                        <a:buSzTx/>
+                        <a:buFontTx/>
+                        <a:buNone/>
+                        <a:tabLst/>
+                        <a:defRPr/>
+                      </a:pPr>
+                      <a:r>
+                        <a:rPr lang="en-US" sz="1800" kern="1200" dirty="0" smtClean="0">
+                          <a:solidFill>
+                            <a:schemeClr val="dk1"/>
+                          </a:solidFill>
+                          <a:effectLst/>
+                          <a:latin typeface="+mn-lt"/>
+                          <a:ea typeface="+mn-ea"/>
+                          <a:cs typeface="+mn-cs"/>
+                        </a:rPr>
+                        <a:t>Predict Mahmoud Abbas with 0.01 confidence</a:t>
+                      </a:r>
+                    </a:p>
+                  </a:txBody>
+                  <a:tcPr/>
+                </a:tc>
+                <a:tc>
+                  <a:txBody>
+                    <a:bodyPr/>
+                    <a:lstStyle/>
+                    <a:p>
+                      <a:pPr marL="0" marR="0" indent="0" algn="l" defTabSz="457200" rtl="0" eaLnBrk="1" fontAlgn="auto" latinLnBrk="0" hangingPunct="1">
+                        <a:lnSpc>
+                          <a:spcPct val="100000"/>
+                        </a:lnSpc>
+                        <a:spcBef>
+                          <a:spcPts val="0"/>
+                        </a:spcBef>
+                        <a:spcAft>
+                          <a:spcPts val="0"/>
+                        </a:spcAft>
+                        <a:buClrTx/>
+                        <a:buSzTx/>
+                        <a:buFontTx/>
+                        <a:buNone/>
+                        <a:tabLst/>
+                        <a:defRPr/>
+                      </a:pPr>
+                      <a:r>
+                        <a:rPr lang="en-US" sz="1800" kern="1200" dirty="0" smtClean="0">
+                          <a:solidFill>
+                            <a:schemeClr val="dk1"/>
+                          </a:solidFill>
+                          <a:effectLst/>
+                          <a:latin typeface="+mn-lt"/>
+                          <a:ea typeface="+mn-ea"/>
+                          <a:cs typeface="+mn-cs"/>
+                        </a:rPr>
+                        <a:t>Predict Kofi Annan with 0.02 confidence</a:t>
+                      </a:r>
+                    </a:p>
+                  </a:txBody>
+                  <a:tcPr/>
+                </a:tc>
+                <a:tc>
+                  <a:txBody>
+                    <a:bodyPr/>
+                    <a:lstStyle/>
+                    <a:p>
+                      <a:pPr marL="0" marR="0" indent="0" algn="l" defTabSz="457200" rtl="0" eaLnBrk="1" fontAlgn="auto" latinLnBrk="0" hangingPunct="1">
+                        <a:lnSpc>
+                          <a:spcPct val="100000"/>
+                        </a:lnSpc>
+                        <a:spcBef>
+                          <a:spcPts val="0"/>
+                        </a:spcBef>
+                        <a:spcAft>
+                          <a:spcPts val="0"/>
+                        </a:spcAft>
+                        <a:buClrTx/>
+                        <a:buSzTx/>
+                        <a:buFontTx/>
+                        <a:buNone/>
+                        <a:tabLst/>
+                        <a:defRPr/>
+                      </a:pPr>
+                      <a:r>
+                        <a:rPr lang="en-US" sz="1800" kern="1200" dirty="0" smtClean="0">
+                          <a:solidFill>
+                            <a:schemeClr val="dk1"/>
+                          </a:solidFill>
+                          <a:effectLst/>
+                          <a:latin typeface="+mn-lt"/>
+                          <a:ea typeface="+mn-ea"/>
+                          <a:cs typeface="+mn-cs"/>
+                        </a:rPr>
+                        <a:t>Exception: Unable to find a face</a:t>
+                      </a:r>
+                    </a:p>
+                  </a:txBody>
+                  <a:tcPr/>
+                </a:tc>
+                <a:tc>
+                  <a:txBody>
+                    <a:bodyPr/>
+                    <a:lstStyle/>
+                    <a:p>
+                      <a:pPr marL="0" marR="0" indent="0" algn="l" defTabSz="457200" rtl="0" eaLnBrk="1" fontAlgn="auto" latinLnBrk="0" hangingPunct="1">
+                        <a:lnSpc>
+                          <a:spcPct val="100000"/>
+                        </a:lnSpc>
+                        <a:spcBef>
+                          <a:spcPts val="0"/>
+                        </a:spcBef>
+                        <a:spcAft>
+                          <a:spcPts val="0"/>
+                        </a:spcAft>
+                        <a:buClrTx/>
+                        <a:buSzTx/>
+                        <a:buFontTx/>
+                        <a:buNone/>
+                        <a:tabLst/>
+                        <a:defRPr/>
+                      </a:pPr>
+                      <a:r>
+                        <a:rPr lang="en-US" sz="1800" kern="1200" dirty="0" smtClean="0">
+                          <a:solidFill>
+                            <a:schemeClr val="dk1"/>
+                          </a:solidFill>
+                          <a:effectLst/>
+                          <a:latin typeface="+mn-lt"/>
+                          <a:ea typeface="+mn-ea"/>
+                          <a:cs typeface="+mn-cs"/>
+                        </a:rPr>
+                        <a:t>Exception: Unable to find a face</a:t>
+                      </a:r>
+                    </a:p>
+                  </a:txBody>
+                  <a:tcPr/>
+                </a:tc>
+              </a:tr>
+            </a:tbl>
+          </a:graphicData>
+        </a:graphic>
+      </p:graphicFrame>
       <p:sp>
         <p:nvSpPr>
-          <p:cNvPr id="3" name="Content Placeholder 2"/>
-          <p:cNvSpPr>
-            <a:spLocks noGrp="1"/>
-          </p:cNvSpPr>
-          <p:nvPr>
-            <p:ph idx="1"/>
-          </p:nvPr>
+          <p:cNvPr id="8" name="TextBox 7"/>
+          <p:cNvSpPr txBox="1"/>
+          <p:nvPr/>
         </p:nvSpPr>
-        <p:spPr/>
+        <p:spPr>
+          <a:xfrm>
+            <a:off x="675861" y="2411897"/>
+            <a:ext cx="10929595" cy="369332"/>
+          </a:xfrm>
+          <a:prstGeom prst="rect">
+            <a:avLst/>
+          </a:prstGeom>
+          <a:noFill/>
+        </p:spPr>
         <p:txBody>
-          <a:bodyPr/>
+          <a:bodyPr wrap="none" rtlCol="0">
+            <a:spAutoFit/>
+          </a:bodyPr>
           <a:lstStyle/>
           <a:p>
             <a:r>
               <a:rPr lang="en-US" dirty="0" smtClean="0"/>
-              <a:t>Train model for full LFW </a:t>
-            </a:r>
-            <a:r>
-              <a:rPr lang="en-US" dirty="0" smtClean="0"/>
-              <a:t>set (in progress)</a:t>
-            </a:r>
-            <a:endParaRPr lang="en-US" dirty="0" smtClean="0"/>
-          </a:p>
-          <a:p>
-            <a:r>
-              <a:rPr lang="en-US" dirty="0" smtClean="0"/>
-              <a:t>Script for test case 1</a:t>
-            </a:r>
-          </a:p>
-          <a:p>
-            <a:r>
-              <a:rPr lang="en-US" dirty="0" smtClean="0"/>
-              <a:t>Script for test cases 2-8 with particle swarm</a:t>
-            </a:r>
-          </a:p>
-          <a:p>
-            <a:r>
-              <a:rPr lang="en-US" dirty="0" smtClean="0"/>
-              <a:t>Collect and analyze </a:t>
-            </a:r>
-            <a:r>
-              <a:rPr lang="en-US" dirty="0" smtClean="0"/>
-              <a:t>trial </a:t>
-            </a:r>
-            <a:r>
-              <a:rPr lang="en-US" dirty="0" smtClean="0"/>
-              <a:t>data</a:t>
-            </a:r>
-            <a:endParaRPr lang="en-US" dirty="0" smtClean="0"/>
-          </a:p>
-          <a:p>
-            <a:pPr lvl="1"/>
-            <a:r>
-              <a:rPr lang="en-US" dirty="0" smtClean="0"/>
-              <a:t>Overall success of test case</a:t>
-            </a:r>
-          </a:p>
-          <a:p>
-            <a:pPr lvl="1"/>
-            <a:r>
-              <a:rPr lang="en-US" dirty="0" smtClean="0"/>
-              <a:t>Number of trials required to achieve success with limited data set</a:t>
-            </a:r>
-          </a:p>
-          <a:p>
-            <a:pPr lvl="1"/>
-            <a:r>
-              <a:rPr lang="en-US" dirty="0"/>
-              <a:t>Number of trials required to achieve success with </a:t>
-            </a:r>
-            <a:r>
-              <a:rPr lang="en-US" dirty="0" smtClean="0"/>
-              <a:t>full LFW</a:t>
-            </a:r>
-          </a:p>
-          <a:p>
-            <a:pPr lvl="1"/>
-            <a:r>
-              <a:rPr lang="en-US" dirty="0" smtClean="0"/>
-              <a:t>Are the changes detectable to the human eye?</a:t>
-            </a:r>
+              <a:t>Face recognition workflow is running and embedding model is complete for the limited data set</a:t>
+            </a:r>
+            <a:endParaRPr lang="en-US" dirty="0"/>
           </a:p>
         </p:txBody>
       </p:sp>
     </p:spTree>
     <p:extLst>
       <p:ext uri="{BB962C8B-B14F-4D97-AF65-F5344CB8AC3E}">
-        <p14:creationId xmlns:p14="http://schemas.microsoft.com/office/powerpoint/2010/main" val="1124887766"/>
+        <p14:creationId xmlns:p14="http://schemas.microsoft.com/office/powerpoint/2010/main" val="1238727073"/>
       </p:ext>
     </p:extLst>
   </p:cSld>
@@ -17329,6 +18054,185 @@
           <a:p>
             <a:r>
               <a:rPr lang="en-US" dirty="0" smtClean="0"/>
+              <a:t>Next Steps</a:t>
+            </a:r>
+            <a:endParaRPr lang="en-US" dirty="0"/>
+          </a:p>
+        </p:txBody>
+      </p:sp>
+      <p:sp>
+        <p:nvSpPr>
+          <p:cNvPr id="3" name="Content Placeholder 2"/>
+          <p:cNvSpPr>
+            <a:spLocks noGrp="1"/>
+          </p:cNvSpPr>
+          <p:nvPr>
+            <p:ph idx="1"/>
+          </p:nvPr>
+        </p:nvSpPr>
+        <p:spPr/>
+        <p:txBody>
+          <a:bodyPr>
+            <a:normAutofit fontScale="92500"/>
+          </a:bodyPr>
+          <a:lstStyle/>
+          <a:p>
+            <a:r>
+              <a:rPr lang="en-US" dirty="0" smtClean="0"/>
+              <a:t>Obtain additional images for </a:t>
+            </a:r>
+            <a:r>
+              <a:rPr lang="en-US" dirty="0" smtClean="0"/>
+              <a:t>test subjects and </a:t>
+            </a:r>
+            <a:r>
+              <a:rPr lang="en-US" dirty="0" smtClean="0"/>
+              <a:t>retrain </a:t>
+            </a:r>
+            <a:r>
+              <a:rPr lang="en-US" dirty="0" smtClean="0"/>
+              <a:t>on LFW set (in </a:t>
+            </a:r>
+            <a:r>
+              <a:rPr lang="en-US" dirty="0" smtClean="0"/>
+              <a:t>progress)</a:t>
+            </a:r>
+          </a:p>
+          <a:p>
+            <a:r>
+              <a:rPr lang="en-US" dirty="0" smtClean="0"/>
+              <a:t>Script for test case </a:t>
+            </a:r>
+            <a:r>
+              <a:rPr lang="en-US" dirty="0" smtClean="0"/>
+              <a:t>1 (in progress)</a:t>
+            </a:r>
+          </a:p>
+          <a:p>
+            <a:r>
+              <a:rPr lang="en-US" dirty="0" smtClean="0"/>
+              <a:t>Script </a:t>
+            </a:r>
+            <a:r>
+              <a:rPr lang="en-US" dirty="0" smtClean="0"/>
+              <a:t>for test cases 2-8 </a:t>
+            </a:r>
+            <a:endParaRPr lang="en-US" dirty="0" smtClean="0"/>
+          </a:p>
+          <a:p>
+            <a:pPr lvl="1"/>
+            <a:r>
+              <a:rPr lang="en-US" dirty="0"/>
+              <a:t>Determine </a:t>
+            </a:r>
+            <a:r>
+              <a:rPr lang="en-US" dirty="0" smtClean="0"/>
+              <a:t>feasibility of </a:t>
+            </a:r>
+            <a:r>
+              <a:rPr lang="en-US" dirty="0"/>
+              <a:t>particle </a:t>
+            </a:r>
+            <a:r>
+              <a:rPr lang="en-US" dirty="0" smtClean="0"/>
+              <a:t>swarm</a:t>
+            </a:r>
+            <a:endParaRPr lang="en-US" dirty="0" smtClean="0"/>
+          </a:p>
+          <a:p>
+            <a:r>
+              <a:rPr lang="en-US" dirty="0" smtClean="0"/>
+              <a:t>Collect and analyze trial data</a:t>
+            </a:r>
+          </a:p>
+          <a:p>
+            <a:pPr lvl="1"/>
+            <a:r>
+              <a:rPr lang="en-US" dirty="0" smtClean="0"/>
+              <a:t>Overall success of test case</a:t>
+            </a:r>
+          </a:p>
+          <a:p>
+            <a:pPr lvl="1"/>
+            <a:r>
+              <a:rPr lang="en-US" dirty="0" smtClean="0"/>
+              <a:t>Number of trials required to achieve success with limited data set</a:t>
+            </a:r>
+          </a:p>
+          <a:p>
+            <a:pPr lvl="1"/>
+            <a:r>
+              <a:rPr lang="en-US" dirty="0"/>
+              <a:t>Number of trials required to achieve success with </a:t>
+            </a:r>
+            <a:r>
+              <a:rPr lang="en-US" dirty="0" smtClean="0"/>
+              <a:t>full LFW</a:t>
+            </a:r>
+          </a:p>
+          <a:p>
+            <a:pPr lvl="1"/>
+            <a:r>
+              <a:rPr lang="en-US" dirty="0" smtClean="0"/>
+              <a:t>Are the changes detectable to the human eye?</a:t>
+            </a:r>
+          </a:p>
+        </p:txBody>
+      </p:sp>
+    </p:spTree>
+    <p:extLst>
+      <p:ext uri="{BB962C8B-B14F-4D97-AF65-F5344CB8AC3E}">
+        <p14:creationId xmlns:p14="http://schemas.microsoft.com/office/powerpoint/2010/main" val="1124887766"/>
+      </p:ext>
+    </p:extLst>
+  </p:cSld>
+  <p:clrMapOvr>
+    <a:masterClrMapping/>
+  </p:clrMapOvr>
+  <p:timing>
+    <p:tnLst>
+      <p:par>
+        <p:cTn id="1" dur="indefinite" restart="never" nodeType="tmRoot"/>
+      </p:par>
+    </p:tnLst>
+  </p:timing>
+</p:sld>
+</file>
+
+<file path=ppt/slides/slide13.xml><?xml version="1.0" encoding="utf-8"?>
+<p:sld xmlns:a="http://schemas.openxmlformats.org/drawingml/2006/main" xmlns:r="http://schemas.openxmlformats.org/officeDocument/2006/relationships" xmlns:p="http://schemas.openxmlformats.org/presentationml/2006/main">
+  <p:cSld>
+    <p:spTree>
+      <p:nvGrpSpPr>
+        <p:cNvPr id="1" name=""/>
+        <p:cNvGrpSpPr/>
+        <p:nvPr/>
+      </p:nvGrpSpPr>
+      <p:grpSpPr>
+        <a:xfrm>
+          <a:off x="0" y="0"/>
+          <a:ext cx="0" cy="0"/>
+          <a:chOff x="0" y="0"/>
+          <a:chExt cx="0" cy="0"/>
+        </a:xfrm>
+      </p:grpSpPr>
+      <p:sp>
+        <p:nvSpPr>
+          <p:cNvPr id="2" name="Title 1"/>
+          <p:cNvSpPr>
+            <a:spLocks noGrp="1"/>
+          </p:cNvSpPr>
+          <p:nvPr>
+            <p:ph type="title"/>
+          </p:nvPr>
+        </p:nvSpPr>
+        <p:spPr/>
+        <p:txBody>
+          <a:bodyPr/>
+          <a:lstStyle/>
+          <a:p>
+            <a:r>
+              <a:rPr lang="en-US" dirty="0" smtClean="0"/>
               <a:t>References</a:t>
             </a:r>
             <a:endParaRPr lang="en-US" dirty="0"/>
@@ -17436,6 +18340,48 @@
             <a:r>
               <a:rPr lang="en-US" dirty="0" smtClean="0"/>
               <a:t>.</a:t>
+            </a:r>
+          </a:p>
+          <a:p>
+            <a:r>
+              <a:rPr lang="en-US" dirty="0"/>
+              <a:t>Sharif, Mahmood, </a:t>
+            </a:r>
+            <a:r>
+              <a:rPr lang="en-US" dirty="0" err="1"/>
+              <a:t>Sruti</a:t>
+            </a:r>
+            <a:r>
+              <a:rPr lang="en-US" dirty="0"/>
+              <a:t> </a:t>
+            </a:r>
+            <a:r>
+              <a:rPr lang="en-US" dirty="0" err="1"/>
+              <a:t>Bhagavatula</a:t>
+            </a:r>
+            <a:r>
+              <a:rPr lang="en-US" dirty="0"/>
+              <a:t>, </a:t>
+            </a:r>
+            <a:r>
+              <a:rPr lang="en-US" dirty="0" err="1"/>
+              <a:t>Lujo</a:t>
+            </a:r>
+            <a:r>
+              <a:rPr lang="en-US" dirty="0"/>
+              <a:t> Bauer, and Michael K. Reiter. "Accessorize to a crime: Real and stealthy attacks on state-of-the-art face recognition." In </a:t>
+            </a:r>
+            <a:r>
+              <a:rPr lang="en-US" i="1" dirty="0"/>
+              <a:t>Proceedings of the 2016 ACM SIGSAC Conference on Computer and Communications Security</a:t>
+            </a:r>
+            <a:r>
+              <a:rPr lang="en-US" dirty="0"/>
+              <a:t>, pp. 1528-1540. ACM, 2016</a:t>
+            </a:r>
+            <a:r>
+              <a:rPr lang="en-US"/>
+              <a:t>. </a:t>
             </a:r>
             <a:endParaRPr lang="en-US" dirty="0"/>
           </a:p>
@@ -17494,12 +18440,1568 @@
           <a:lstStyle/>
           <a:p>
             <a:r>
+              <a:rPr lang="en-US" dirty="0" smtClean="0"/>
+              <a:t>What are adversarial examples?</a:t>
+            </a:r>
+            <a:endParaRPr lang="en-US" dirty="0"/>
+          </a:p>
+        </p:txBody>
+      </p:sp>
+      <p:sp>
+        <p:nvSpPr>
+          <p:cNvPr id="4" name="Content Placeholder 2"/>
+          <p:cNvSpPr txBox="1">
+            <a:spLocks/>
+          </p:cNvSpPr>
+          <p:nvPr/>
+        </p:nvSpPr>
+        <p:spPr>
+          <a:xfrm>
+            <a:off x="1154955" y="2603500"/>
+            <a:ext cx="4636246" cy="3416300"/>
+          </a:xfrm>
+          <a:prstGeom prst="rect">
+            <a:avLst/>
+          </a:prstGeom>
+        </p:spPr>
+        <p:txBody>
+          <a:bodyPr vert="horz" lIns="91440" tIns="45720" rIns="91440" bIns="45720" rtlCol="0">
+            <a:normAutofit/>
+          </a:bodyPr>
+          <a:lstStyle>
+            <a:lvl1pPr marL="342900" indent="-342900" algn="l" defTabSz="457200" rtl="0" eaLnBrk="1" latinLnBrk="0" hangingPunct="1">
+              <a:spcBef>
+                <a:spcPts val="1000"/>
+              </a:spcBef>
+              <a:spcAft>
+                <a:spcPts val="0"/>
+              </a:spcAft>
+              <a:buClr>
+                <a:schemeClr val="accent1"/>
+              </a:buClr>
+              <a:buSzPct val="80000"/>
+              <a:buFont typeface="Wingdings 3" charset="2"/>
+              <a:buChar char=""/>
+              <a:defRPr sz="1800" b="0" i="0" kern="1200">
+                <a:solidFill>
+                  <a:schemeClr val="tx1">
+                    <a:lumMod val="75000"/>
+                    <a:lumOff val="25000"/>
+                  </a:schemeClr>
+                </a:solidFill>
+                <a:latin typeface="+mn-lt"/>
+                <a:ea typeface="+mn-ea"/>
+                <a:cs typeface="+mn-cs"/>
+              </a:defRPr>
+            </a:lvl1pPr>
+            <a:lvl2pPr marL="742950" indent="-285750" algn="l" defTabSz="457200" rtl="0" eaLnBrk="1" latinLnBrk="0" hangingPunct="1">
+              <a:spcBef>
+                <a:spcPts val="1000"/>
+              </a:spcBef>
+              <a:spcAft>
+                <a:spcPts val="0"/>
+              </a:spcAft>
+              <a:buClr>
+                <a:schemeClr val="accent1"/>
+              </a:buClr>
+              <a:buSzPct val="80000"/>
+              <a:buFont typeface="Wingdings 3" charset="2"/>
+              <a:buChar char=""/>
+              <a:defRPr sz="1600" b="0" i="0" kern="1200">
+                <a:solidFill>
+                  <a:schemeClr val="tx1">
+                    <a:lumMod val="75000"/>
+                    <a:lumOff val="25000"/>
+                  </a:schemeClr>
+                </a:solidFill>
+                <a:latin typeface="+mn-lt"/>
+                <a:ea typeface="+mn-ea"/>
+                <a:cs typeface="+mn-cs"/>
+              </a:defRPr>
+            </a:lvl2pPr>
+            <a:lvl3pPr marL="1143000" indent="-228600" algn="l" defTabSz="457200" rtl="0" eaLnBrk="1" latinLnBrk="0" hangingPunct="1">
+              <a:spcBef>
+                <a:spcPts val="1000"/>
+              </a:spcBef>
+              <a:spcAft>
+                <a:spcPts val="0"/>
+              </a:spcAft>
+              <a:buClr>
+                <a:schemeClr val="accent1"/>
+              </a:buClr>
+              <a:buSzPct val="80000"/>
+              <a:buFont typeface="Wingdings 3" charset="2"/>
+              <a:buChar char=""/>
+              <a:defRPr sz="1400" b="0" i="0" kern="1200">
+                <a:solidFill>
+                  <a:schemeClr val="tx1">
+                    <a:lumMod val="75000"/>
+                    <a:lumOff val="25000"/>
+                  </a:schemeClr>
+                </a:solidFill>
+                <a:latin typeface="+mn-lt"/>
+                <a:ea typeface="+mn-ea"/>
+                <a:cs typeface="+mn-cs"/>
+              </a:defRPr>
+            </a:lvl3pPr>
+            <a:lvl4pPr marL="1600200" indent="-228600" algn="l" defTabSz="457200" rtl="0" eaLnBrk="1" latinLnBrk="0" hangingPunct="1">
+              <a:spcBef>
+                <a:spcPts val="1000"/>
+              </a:spcBef>
+              <a:spcAft>
+                <a:spcPts val="0"/>
+              </a:spcAft>
+              <a:buClr>
+                <a:schemeClr val="accent1"/>
+              </a:buClr>
+              <a:buSzPct val="80000"/>
+              <a:buFont typeface="Wingdings 3" charset="2"/>
+              <a:buChar char=""/>
+              <a:defRPr sz="1200" b="0" i="0" kern="1200">
+                <a:solidFill>
+                  <a:schemeClr val="tx1">
+                    <a:lumMod val="75000"/>
+                    <a:lumOff val="25000"/>
+                  </a:schemeClr>
+                </a:solidFill>
+                <a:latin typeface="+mn-lt"/>
+                <a:ea typeface="+mn-ea"/>
+                <a:cs typeface="+mn-cs"/>
+              </a:defRPr>
+            </a:lvl4pPr>
+            <a:lvl5pPr marL="2057400" indent="-228600" algn="l" defTabSz="457200" rtl="0" eaLnBrk="1" latinLnBrk="0" hangingPunct="1">
+              <a:spcBef>
+                <a:spcPts val="1000"/>
+              </a:spcBef>
+              <a:spcAft>
+                <a:spcPts val="0"/>
+              </a:spcAft>
+              <a:buClr>
+                <a:schemeClr val="accent1"/>
+              </a:buClr>
+              <a:buSzPct val="80000"/>
+              <a:buFont typeface="Wingdings 3" charset="2"/>
+              <a:buChar char=""/>
+              <a:defRPr sz="1200" b="0" i="0" kern="1200">
+                <a:solidFill>
+                  <a:schemeClr val="tx1">
+                    <a:lumMod val="75000"/>
+                    <a:lumOff val="25000"/>
+                  </a:schemeClr>
+                </a:solidFill>
+                <a:latin typeface="+mn-lt"/>
+                <a:ea typeface="+mn-ea"/>
+                <a:cs typeface="+mn-cs"/>
+              </a:defRPr>
+            </a:lvl5pPr>
+            <a:lvl6pPr marL="2514600" indent="-228600" algn="l" defTabSz="457200" rtl="0" eaLnBrk="1" latinLnBrk="0" hangingPunct="1">
+              <a:spcBef>
+                <a:spcPts val="1000"/>
+              </a:spcBef>
+              <a:spcAft>
+                <a:spcPts val="0"/>
+              </a:spcAft>
+              <a:buClr>
+                <a:schemeClr val="accent1"/>
+              </a:buClr>
+              <a:buSzPct val="80000"/>
+              <a:buFont typeface="Wingdings 3" charset="2"/>
+              <a:buChar char=""/>
+              <a:defRPr sz="1200" b="0" i="0" kern="1200">
+                <a:solidFill>
+                  <a:schemeClr val="tx1">
+                    <a:lumMod val="75000"/>
+                    <a:lumOff val="25000"/>
+                  </a:schemeClr>
+                </a:solidFill>
+                <a:latin typeface="+mn-lt"/>
+                <a:ea typeface="+mn-ea"/>
+                <a:cs typeface="+mn-cs"/>
+              </a:defRPr>
+            </a:lvl6pPr>
+            <a:lvl7pPr marL="2971800" indent="-228600" algn="l" defTabSz="457200" rtl="0" eaLnBrk="1" latinLnBrk="0" hangingPunct="1">
+              <a:spcBef>
+                <a:spcPts val="1000"/>
+              </a:spcBef>
+              <a:spcAft>
+                <a:spcPts val="0"/>
+              </a:spcAft>
+              <a:buClr>
+                <a:schemeClr val="accent1"/>
+              </a:buClr>
+              <a:buSzPct val="80000"/>
+              <a:buFont typeface="Wingdings 3" charset="2"/>
+              <a:buChar char=""/>
+              <a:defRPr sz="1200" b="0" i="0" kern="1200">
+                <a:solidFill>
+                  <a:schemeClr val="tx1">
+                    <a:lumMod val="75000"/>
+                    <a:lumOff val="25000"/>
+                  </a:schemeClr>
+                </a:solidFill>
+                <a:latin typeface="+mn-lt"/>
+                <a:ea typeface="+mn-ea"/>
+                <a:cs typeface="+mn-cs"/>
+              </a:defRPr>
+            </a:lvl7pPr>
+            <a:lvl8pPr marL="3429000" indent="-228600" algn="l" defTabSz="457200" rtl="0" eaLnBrk="1" latinLnBrk="0" hangingPunct="1">
+              <a:spcBef>
+                <a:spcPts val="1000"/>
+              </a:spcBef>
+              <a:spcAft>
+                <a:spcPts val="0"/>
+              </a:spcAft>
+              <a:buClr>
+                <a:schemeClr val="accent1"/>
+              </a:buClr>
+              <a:buSzPct val="80000"/>
+              <a:buFont typeface="Wingdings 3" charset="2"/>
+              <a:buChar char=""/>
+              <a:defRPr sz="1200" b="0" i="0" kern="1200">
+                <a:solidFill>
+                  <a:schemeClr val="tx1">
+                    <a:lumMod val="75000"/>
+                    <a:lumOff val="25000"/>
+                  </a:schemeClr>
+                </a:solidFill>
+                <a:latin typeface="+mn-lt"/>
+                <a:ea typeface="+mn-ea"/>
+                <a:cs typeface="+mn-cs"/>
+              </a:defRPr>
+            </a:lvl8pPr>
+            <a:lvl9pPr marL="3886200" indent="-228600" algn="l" defTabSz="457200" rtl="0" eaLnBrk="1" latinLnBrk="0" hangingPunct="1">
+              <a:spcBef>
+                <a:spcPts val="1000"/>
+              </a:spcBef>
+              <a:spcAft>
+                <a:spcPts val="0"/>
+              </a:spcAft>
+              <a:buClr>
+                <a:schemeClr val="accent1"/>
+              </a:buClr>
+              <a:buSzPct val="80000"/>
+              <a:buFont typeface="Wingdings 3" charset="2"/>
+              <a:buChar char=""/>
+              <a:defRPr sz="1200" b="0" i="0" kern="1200">
+                <a:solidFill>
+                  <a:schemeClr val="tx1">
+                    <a:lumMod val="75000"/>
+                    <a:lumOff val="25000"/>
+                  </a:schemeClr>
+                </a:solidFill>
+                <a:latin typeface="+mn-lt"/>
+                <a:ea typeface="+mn-ea"/>
+                <a:cs typeface="+mn-cs"/>
+              </a:defRPr>
+            </a:lvl9pPr>
+          </a:lstStyle>
+          <a:p>
+            <a:r>
+              <a:rPr lang="en-US" smtClean="0"/>
+              <a:t>Image modified to “trick” neural network</a:t>
+            </a:r>
+          </a:p>
+          <a:p>
+            <a:r>
+              <a:rPr lang="en-US" smtClean="0"/>
+              <a:t>Challenge is making the modification subtle</a:t>
+            </a:r>
+          </a:p>
+          <a:p>
+            <a:r>
+              <a:rPr lang="en-US" smtClean="0"/>
+              <a:t>Facial recognition uses morphology measurements not pixel detection but is still vulnerable to this type of attack</a:t>
+            </a:r>
+            <a:endParaRPr lang="en-US" dirty="0"/>
+          </a:p>
+        </p:txBody>
+      </p:sp>
+      <p:pic>
+        <p:nvPicPr>
+          <p:cNvPr id="5" name="Picture 4"/>
+          <p:cNvPicPr>
+            <a:picLocks noChangeAspect="1"/>
+          </p:cNvPicPr>
+          <p:nvPr/>
+        </p:nvPicPr>
+        <p:blipFill>
+          <a:blip r:embed="rId2">
+            <a:extLst>
+              <a:ext uri="{28A0092B-C50C-407E-A947-70E740481C1C}">
+                <a14:useLocalDpi xmlns:a14="http://schemas.microsoft.com/office/drawing/2010/main" val="0"/>
+              </a:ext>
+            </a:extLst>
+          </a:blip>
+          <a:stretch>
+            <a:fillRect/>
+          </a:stretch>
+        </p:blipFill>
+        <p:spPr>
+          <a:xfrm>
+            <a:off x="6595715" y="4874922"/>
+            <a:ext cx="4933675" cy="1569806"/>
+          </a:xfrm>
+          <a:prstGeom prst="rect">
+            <a:avLst/>
+          </a:prstGeom>
+        </p:spPr>
+      </p:pic>
+      <p:sp>
+        <p:nvSpPr>
+          <p:cNvPr id="6" name="TextBox 5"/>
+          <p:cNvSpPr txBox="1"/>
+          <p:nvPr/>
+        </p:nvSpPr>
+        <p:spPr>
+          <a:xfrm>
+            <a:off x="7540486" y="6361044"/>
+            <a:ext cx="2965877" cy="400110"/>
+          </a:xfrm>
+          <a:prstGeom prst="rect">
+            <a:avLst/>
+          </a:prstGeom>
+          <a:noFill/>
+        </p:spPr>
+        <p:txBody>
+          <a:bodyPr wrap="none" rtlCol="0">
+            <a:spAutoFit/>
+          </a:bodyPr>
+          <a:lstStyle/>
+          <a:p>
+            <a:pPr algn="ctr"/>
+            <a:r>
+              <a:rPr lang="en-US" sz="1000" dirty="0" smtClean="0"/>
+              <a:t>Left: Reese Witherspoon, Right: Russell Crowe</a:t>
+            </a:r>
+          </a:p>
+          <a:p>
+            <a:pPr algn="ctr"/>
+            <a:r>
+              <a:rPr lang="en-US" sz="1000" dirty="0" smtClean="0"/>
+              <a:t>Image Source: Sharif et al (2016)</a:t>
+            </a:r>
+            <a:endParaRPr lang="en-US" sz="1000" dirty="0"/>
+          </a:p>
+        </p:txBody>
+      </p:sp>
+      <p:pic>
+        <p:nvPicPr>
+          <p:cNvPr id="7" name="Picture 6"/>
+          <p:cNvPicPr>
+            <a:picLocks noChangeAspect="1"/>
+          </p:cNvPicPr>
+          <p:nvPr/>
+        </p:nvPicPr>
+        <p:blipFill>
+          <a:blip r:embed="rId3">
+            <a:extLst>
+              <a:ext uri="{28A0092B-C50C-407E-A947-70E740481C1C}">
+                <a14:useLocalDpi xmlns:a14="http://schemas.microsoft.com/office/drawing/2010/main" val="0"/>
+              </a:ext>
+            </a:extLst>
+          </a:blip>
+          <a:stretch>
+            <a:fillRect/>
+          </a:stretch>
+        </p:blipFill>
+        <p:spPr>
+          <a:xfrm>
+            <a:off x="6400800" y="2314991"/>
+            <a:ext cx="5397498" cy="2138496"/>
+          </a:xfrm>
+          <a:prstGeom prst="rect">
+            <a:avLst/>
+          </a:prstGeom>
+        </p:spPr>
+      </p:pic>
+      <p:sp>
+        <p:nvSpPr>
+          <p:cNvPr id="8" name="TextBox 7"/>
+          <p:cNvSpPr txBox="1"/>
+          <p:nvPr/>
+        </p:nvSpPr>
+        <p:spPr>
+          <a:xfrm>
+            <a:off x="6308034" y="4419325"/>
+            <a:ext cx="5751443" cy="400110"/>
+          </a:xfrm>
+          <a:prstGeom prst="rect">
+            <a:avLst/>
+          </a:prstGeom>
+          <a:noFill/>
+        </p:spPr>
+        <p:txBody>
+          <a:bodyPr wrap="square" rtlCol="0">
+            <a:spAutoFit/>
+          </a:bodyPr>
+          <a:lstStyle/>
+          <a:p>
+            <a:r>
+              <a:rPr lang="en-US" sz="1000" dirty="0"/>
+              <a:t>Image Source: https://</a:t>
+            </a:r>
+            <a:r>
+              <a:rPr lang="en-US" sz="1000" dirty="0" err="1"/>
+              <a:t>medium.com</a:t>
+            </a:r>
+            <a:r>
+              <a:rPr lang="en-US" sz="1000" dirty="0"/>
+              <a:t>/@</a:t>
+            </a:r>
+            <a:r>
+              <a:rPr lang="en-US" sz="1000" dirty="0" err="1"/>
+              <a:t>ageitgey</a:t>
+            </a:r>
+            <a:r>
+              <a:rPr lang="en-US" sz="1000" dirty="0"/>
+              <a:t>/machine-learning-is-fun-part-8-how-to-intentionally-trick-neural-networks-b55da32b7196</a:t>
+            </a:r>
+          </a:p>
+        </p:txBody>
+      </p:sp>
+    </p:spTree>
+    <p:extLst>
+      <p:ext uri="{BB962C8B-B14F-4D97-AF65-F5344CB8AC3E}">
+        <p14:creationId xmlns:p14="http://schemas.microsoft.com/office/powerpoint/2010/main" val="670371911"/>
+      </p:ext>
+    </p:extLst>
+  </p:cSld>
+  <p:clrMapOvr>
+    <a:masterClrMapping/>
+  </p:clrMapOvr>
+  <p:timing>
+    <p:tnLst>
+      <p:par>
+        <p:cTn id="1" dur="indefinite" restart="never" nodeType="tmRoot"/>
+      </p:par>
+    </p:tnLst>
+  </p:timing>
+</p:sld>
+</file>
+
+<file path=ppt/slides/slide3.xml><?xml version="1.0" encoding="utf-8"?>
+<p:sld xmlns:a="http://schemas.openxmlformats.org/drawingml/2006/main" xmlns:r="http://schemas.openxmlformats.org/officeDocument/2006/relationships" xmlns:p="http://schemas.openxmlformats.org/presentationml/2006/main">
+  <p:cSld>
+    <p:spTree>
+      <p:nvGrpSpPr>
+        <p:cNvPr id="1" name=""/>
+        <p:cNvGrpSpPr/>
+        <p:nvPr/>
+      </p:nvGrpSpPr>
+      <p:grpSpPr>
+        <a:xfrm>
+          <a:off x="0" y="0"/>
+          <a:ext cx="0" cy="0"/>
+          <a:chOff x="0" y="0"/>
+          <a:chExt cx="0" cy="0"/>
+        </a:xfrm>
+      </p:grpSpPr>
+      <p:sp>
+        <p:nvSpPr>
+          <p:cNvPr id="2" name="Title 1"/>
+          <p:cNvSpPr>
+            <a:spLocks noGrp="1"/>
+          </p:cNvSpPr>
+          <p:nvPr>
+            <p:ph type="title"/>
+          </p:nvPr>
+        </p:nvSpPr>
+        <p:spPr/>
+        <p:txBody>
+          <a:bodyPr/>
+          <a:lstStyle/>
+          <a:p>
+            <a:r>
+              <a:rPr lang="en-US" dirty="0" smtClean="0"/>
+              <a:t>Facial Recognition </a:t>
+            </a:r>
+            <a:r>
+              <a:rPr lang="en-US" dirty="0" smtClean="0"/>
+              <a:t>Pipeline</a:t>
+            </a:r>
+            <a:endParaRPr lang="en-US" dirty="0"/>
+          </a:p>
+        </p:txBody>
+      </p:sp>
+      <p:graphicFrame>
+        <p:nvGraphicFramePr>
+          <p:cNvPr id="4" name="Diagram 3"/>
+          <p:cNvGraphicFramePr/>
+          <p:nvPr>
+            <p:extLst>
+              <p:ext uri="{D42A27DB-BD31-4B8C-83A1-F6EECF244321}">
+                <p14:modId xmlns:p14="http://schemas.microsoft.com/office/powerpoint/2010/main" val="476516787"/>
+              </p:ext>
+            </p:extLst>
+          </p:nvPr>
+        </p:nvGraphicFramePr>
+        <p:xfrm>
+          <a:off x="479685" y="2358887"/>
+          <a:ext cx="11227633" cy="4386470"/>
+        </p:xfrm>
+        <a:graphic>
+          <a:graphicData uri="http://schemas.openxmlformats.org/drawingml/2006/diagram">
+            <dgm:relIds xmlns:dgm="http://schemas.openxmlformats.org/drawingml/2006/diagram" xmlns:r="http://schemas.openxmlformats.org/officeDocument/2006/relationships" r:dm="rId3" r:lo="rId4" r:qs="rId5" r:cs="rId6"/>
+          </a:graphicData>
+        </a:graphic>
+      </p:graphicFrame>
+    </p:spTree>
+    <p:extLst>
+      <p:ext uri="{BB962C8B-B14F-4D97-AF65-F5344CB8AC3E}">
+        <p14:creationId xmlns:p14="http://schemas.microsoft.com/office/powerpoint/2010/main" val="1452355130"/>
+      </p:ext>
+    </p:extLst>
+  </p:cSld>
+  <p:clrMapOvr>
+    <a:masterClrMapping/>
+  </p:clrMapOvr>
+  <p:timing>
+    <p:tnLst>
+      <p:par>
+        <p:cTn id="1" dur="indefinite" restart="never" nodeType="tmRoot"/>
+      </p:par>
+    </p:tnLst>
+  </p:timing>
+</p:sld>
+</file>
+
+<file path=ppt/slides/slide4.xml><?xml version="1.0" encoding="utf-8"?>
+<p:sld xmlns:a="http://schemas.openxmlformats.org/drawingml/2006/main" xmlns:r="http://schemas.openxmlformats.org/officeDocument/2006/relationships" xmlns:p="http://schemas.openxmlformats.org/presentationml/2006/main">
+  <p:cSld>
+    <p:spTree>
+      <p:nvGrpSpPr>
+        <p:cNvPr id="1" name=""/>
+        <p:cNvGrpSpPr/>
+        <p:nvPr/>
+      </p:nvGrpSpPr>
+      <p:grpSpPr>
+        <a:xfrm>
+          <a:off x="0" y="0"/>
+          <a:ext cx="0" cy="0"/>
+          <a:chOff x="0" y="0"/>
+          <a:chExt cx="0" cy="0"/>
+        </a:xfrm>
+      </p:grpSpPr>
+      <p:sp>
+        <p:nvSpPr>
+          <p:cNvPr id="2" name="Title 1"/>
+          <p:cNvSpPr>
+            <a:spLocks noGrp="1"/>
+          </p:cNvSpPr>
+          <p:nvPr>
+            <p:ph type="title"/>
+          </p:nvPr>
+        </p:nvSpPr>
+        <p:spPr/>
+        <p:txBody>
+          <a:bodyPr/>
+          <a:lstStyle/>
+          <a:p>
+            <a:r>
+              <a:rPr lang="en-US" dirty="0" smtClean="0"/>
+              <a:t>Face Detection</a:t>
+            </a:r>
+            <a:endParaRPr lang="en-US" dirty="0"/>
+          </a:p>
+        </p:txBody>
+      </p:sp>
+      <p:sp>
+        <p:nvSpPr>
+          <p:cNvPr id="3" name="Content Placeholder 2"/>
+          <p:cNvSpPr>
+            <a:spLocks noGrp="1"/>
+          </p:cNvSpPr>
+          <p:nvPr>
+            <p:ph idx="1"/>
+          </p:nvPr>
+        </p:nvSpPr>
+        <p:spPr>
+          <a:xfrm>
+            <a:off x="1154954" y="2603500"/>
+            <a:ext cx="4136573" cy="3416300"/>
+          </a:xfrm>
+        </p:spPr>
+        <p:txBody>
+          <a:bodyPr/>
+          <a:lstStyle/>
+          <a:p>
+            <a:r>
+              <a:rPr lang="en-US" dirty="0" err="1" smtClean="0"/>
+              <a:t>dlib</a:t>
+            </a:r>
+            <a:r>
+              <a:rPr lang="en-US" dirty="0" smtClean="0"/>
+              <a:t> </a:t>
+            </a:r>
+            <a:r>
+              <a:rPr lang="en-US" dirty="0" smtClean="0"/>
+              <a:t>Face </a:t>
+            </a:r>
+            <a:r>
+              <a:rPr lang="en-US" dirty="0" smtClean="0"/>
+              <a:t>Detector API</a:t>
+            </a:r>
+          </a:p>
+          <a:p>
+            <a:r>
+              <a:rPr lang="en-US" dirty="0" smtClean="0"/>
+              <a:t>Converts image to Histogram of Oriented Gradients (HOG) </a:t>
+            </a:r>
+          </a:p>
+          <a:p>
+            <a:r>
+              <a:rPr lang="en-US" dirty="0" smtClean="0"/>
+              <a:t>Runs SVM classifier</a:t>
+            </a:r>
+          </a:p>
+          <a:p>
+            <a:endParaRPr lang="en-US" dirty="0"/>
+          </a:p>
+        </p:txBody>
+      </p:sp>
+      <p:pic>
+        <p:nvPicPr>
+          <p:cNvPr id="3074" name="Picture 2" descr="ttps://i1.wp.com/www.hackevolve.com/wp-content/uploads/2017/09/face_hog.png"/>
+          <p:cNvPicPr>
+            <a:picLocks noChangeAspect="1" noChangeArrowheads="1"/>
+          </p:cNvPicPr>
+          <p:nvPr/>
+        </p:nvPicPr>
+        <p:blipFill>
+          <a:blip r:embed="rId2">
+            <a:extLst>
+              <a:ext uri="{28A0092B-C50C-407E-A947-70E740481C1C}">
+                <a14:useLocalDpi xmlns:a14="http://schemas.microsoft.com/office/drawing/2010/main" val="0"/>
+              </a:ext>
+            </a:extLst>
+          </a:blip>
+          <a:srcRect/>
+          <a:stretch>
+            <a:fillRect/>
+          </a:stretch>
+        </p:blipFill>
+        <p:spPr bwMode="auto">
+          <a:xfrm>
+            <a:off x="6041036" y="2603499"/>
+            <a:ext cx="4905251" cy="3189565"/>
+          </a:xfrm>
+          <a:prstGeom prst="rect">
+            <a:avLst/>
+          </a:prstGeom>
+          <a:noFill/>
+          <a:extLst>
+            <a:ext uri="{909E8E84-426E-40DD-AFC4-6F175D3DCCD1}">
+              <a14:hiddenFill xmlns:a14="http://schemas.microsoft.com/office/drawing/2010/main">
+                <a:solidFill>
+                  <a:srgbClr val="FFFFFF"/>
+                </a:solidFill>
+              </a14:hiddenFill>
+            </a:ext>
+          </a:extLst>
+        </p:spPr>
+      </p:pic>
+      <p:sp>
+        <p:nvSpPr>
+          <p:cNvPr id="5" name="TextBox 4"/>
+          <p:cNvSpPr txBox="1"/>
+          <p:nvPr/>
+        </p:nvSpPr>
+        <p:spPr>
+          <a:xfrm>
+            <a:off x="6041036" y="5876140"/>
+            <a:ext cx="5016117" cy="246221"/>
+          </a:xfrm>
+          <a:prstGeom prst="rect">
+            <a:avLst/>
+          </a:prstGeom>
+          <a:noFill/>
+        </p:spPr>
+        <p:txBody>
+          <a:bodyPr wrap="none" rtlCol="0">
+            <a:spAutoFit/>
+          </a:bodyPr>
+          <a:lstStyle/>
+          <a:p>
+            <a:r>
+              <a:rPr lang="en-US" sz="1000" dirty="0"/>
+              <a:t>Image source: http://</a:t>
+            </a:r>
+            <a:r>
+              <a:rPr lang="en-US" sz="1000" dirty="0" err="1"/>
+              <a:t>www.hackevolve.com</a:t>
+            </a:r>
+            <a:r>
+              <a:rPr lang="en-US" sz="1000" dirty="0"/>
+              <a:t>/face-recognition-deep-learning/</a:t>
+            </a:r>
+          </a:p>
+        </p:txBody>
+      </p:sp>
+    </p:spTree>
+    <p:extLst>
+      <p:ext uri="{BB962C8B-B14F-4D97-AF65-F5344CB8AC3E}">
+        <p14:creationId xmlns:p14="http://schemas.microsoft.com/office/powerpoint/2010/main" val="2095201131"/>
+      </p:ext>
+    </p:extLst>
+  </p:cSld>
+  <p:clrMapOvr>
+    <a:masterClrMapping/>
+  </p:clrMapOvr>
+  <p:timing>
+    <p:tnLst>
+      <p:par>
+        <p:cTn id="1" dur="indefinite" restart="never" nodeType="tmRoot"/>
+      </p:par>
+    </p:tnLst>
+  </p:timing>
+</p:sld>
+</file>
+
+<file path=ppt/slides/slide5.xml><?xml version="1.0" encoding="utf-8"?>
+<p:sld xmlns:a="http://schemas.openxmlformats.org/drawingml/2006/main" xmlns:r="http://schemas.openxmlformats.org/officeDocument/2006/relationships" xmlns:p="http://schemas.openxmlformats.org/presentationml/2006/main">
+  <p:cSld>
+    <p:spTree>
+      <p:nvGrpSpPr>
+        <p:cNvPr id="1" name=""/>
+        <p:cNvGrpSpPr/>
+        <p:nvPr/>
+      </p:nvGrpSpPr>
+      <p:grpSpPr>
+        <a:xfrm>
+          <a:off x="0" y="0"/>
+          <a:ext cx="0" cy="0"/>
+          <a:chOff x="0" y="0"/>
+          <a:chExt cx="0" cy="0"/>
+        </a:xfrm>
+      </p:grpSpPr>
+      <p:sp>
+        <p:nvSpPr>
+          <p:cNvPr id="2" name="Title 1"/>
+          <p:cNvSpPr>
+            <a:spLocks noGrp="1"/>
+          </p:cNvSpPr>
+          <p:nvPr>
+            <p:ph type="title"/>
+          </p:nvPr>
+        </p:nvSpPr>
+        <p:spPr/>
+        <p:txBody>
+          <a:bodyPr/>
+          <a:lstStyle/>
+          <a:p>
+            <a:r>
+              <a:rPr lang="en-US" dirty="0" smtClean="0"/>
+              <a:t>Affine Transformation &amp; Normalization</a:t>
+            </a:r>
+            <a:endParaRPr lang="en-US" dirty="0"/>
+          </a:p>
+        </p:txBody>
+      </p:sp>
+      <p:sp>
+        <p:nvSpPr>
+          <p:cNvPr id="3" name="Content Placeholder 2"/>
+          <p:cNvSpPr>
+            <a:spLocks noGrp="1"/>
+          </p:cNvSpPr>
+          <p:nvPr>
+            <p:ph idx="1"/>
+          </p:nvPr>
+        </p:nvSpPr>
+        <p:spPr>
+          <a:xfrm>
+            <a:off x="1154954" y="2603500"/>
+            <a:ext cx="5485689" cy="3416300"/>
+          </a:xfrm>
+        </p:spPr>
+        <p:txBody>
+          <a:bodyPr/>
+          <a:lstStyle/>
+          <a:p>
+            <a:r>
+              <a:rPr lang="en-US" dirty="0" err="1" smtClean="0"/>
+              <a:t>OpenFace</a:t>
+            </a:r>
+            <a:r>
+              <a:rPr lang="en-US" dirty="0" smtClean="0"/>
+              <a:t> </a:t>
+            </a:r>
+            <a:r>
+              <a:rPr lang="en-US" dirty="0" err="1" smtClean="0"/>
+              <a:t>AlignDlib</a:t>
+            </a:r>
+            <a:r>
+              <a:rPr lang="en-US" dirty="0" smtClean="0"/>
+              <a:t> API</a:t>
+            </a:r>
+          </a:p>
+          <a:p>
+            <a:r>
+              <a:rPr lang="en-US" dirty="0" smtClean="0"/>
+              <a:t>Image </a:t>
+            </a:r>
+            <a:r>
+              <a:rPr lang="en-US" dirty="0"/>
+              <a:t>is cropped to detected face area</a:t>
+            </a:r>
+          </a:p>
+          <a:p>
+            <a:r>
+              <a:rPr lang="en-US" dirty="0" smtClean="0"/>
+              <a:t>Facial landmarks are detected</a:t>
+            </a:r>
+          </a:p>
+          <a:p>
+            <a:r>
+              <a:rPr lang="en-US" dirty="0" smtClean="0"/>
+              <a:t>Image is transformed to have outer eyes and nose in a standard position</a:t>
+            </a:r>
+          </a:p>
+          <a:p>
+            <a:r>
+              <a:rPr lang="en-US" dirty="0" smtClean="0"/>
+              <a:t>Image is resized</a:t>
+            </a:r>
+          </a:p>
+        </p:txBody>
+      </p:sp>
+      <p:pic>
+        <p:nvPicPr>
+          <p:cNvPr id="4" name="Picture 4" descr="https://blog.algorithmia.com/wp-content/uploads/2018/01/affine_transformation.png"/>
+          <p:cNvPicPr>
+            <a:picLocks noChangeAspect="1" noChangeArrowheads="1"/>
+          </p:cNvPicPr>
+          <p:nvPr/>
+        </p:nvPicPr>
+        <p:blipFill>
+          <a:blip r:embed="rId2">
+            <a:extLst>
+              <a:ext uri="{28A0092B-C50C-407E-A947-70E740481C1C}">
+                <a14:useLocalDpi xmlns:a14="http://schemas.microsoft.com/office/drawing/2010/main" val="0"/>
+              </a:ext>
+            </a:extLst>
+          </a:blip>
+          <a:srcRect/>
+          <a:stretch>
+            <a:fillRect/>
+          </a:stretch>
+        </p:blipFill>
+        <p:spPr bwMode="auto">
+          <a:xfrm>
+            <a:off x="7260876" y="2363657"/>
+            <a:ext cx="3966756" cy="4254500"/>
+          </a:xfrm>
+          <a:prstGeom prst="rect">
+            <a:avLst/>
+          </a:prstGeom>
+          <a:noFill/>
+          <a:extLst>
+            <a:ext uri="{909E8E84-426E-40DD-AFC4-6F175D3DCCD1}">
+              <a14:hiddenFill xmlns:a14="http://schemas.microsoft.com/office/drawing/2010/main">
+                <a:solidFill>
+                  <a:srgbClr val="FFFFFF"/>
+                </a:solidFill>
+              </a14:hiddenFill>
+            </a:ext>
+          </a:extLst>
+        </p:spPr>
+      </p:pic>
+      <p:sp>
+        <p:nvSpPr>
+          <p:cNvPr id="5" name="TextBox 4"/>
+          <p:cNvSpPr txBox="1"/>
+          <p:nvPr/>
+        </p:nvSpPr>
+        <p:spPr>
+          <a:xfrm>
+            <a:off x="7260876" y="6569996"/>
+            <a:ext cx="3801041" cy="246221"/>
+          </a:xfrm>
+          <a:prstGeom prst="rect">
+            <a:avLst/>
+          </a:prstGeom>
+          <a:noFill/>
+        </p:spPr>
+        <p:txBody>
+          <a:bodyPr wrap="none" rtlCol="0">
+            <a:spAutoFit/>
+          </a:bodyPr>
+          <a:lstStyle/>
+          <a:p>
+            <a:r>
+              <a:rPr lang="en-US" sz="1000" dirty="0" smtClean="0"/>
+              <a:t>Image source: Amos, </a:t>
+            </a:r>
+            <a:r>
+              <a:rPr lang="en-US" sz="1000" dirty="0" err="1" smtClean="0"/>
+              <a:t>Ludwiczuk</a:t>
+            </a:r>
+            <a:r>
+              <a:rPr lang="en-US" sz="1000" dirty="0" smtClean="0"/>
+              <a:t> &amp; </a:t>
+            </a:r>
+            <a:r>
+              <a:rPr lang="en-US" sz="1000" dirty="0" err="1" smtClean="0"/>
+              <a:t>Satyanarayanan</a:t>
+            </a:r>
+            <a:r>
+              <a:rPr lang="en-US" sz="1000" dirty="0" smtClean="0"/>
+              <a:t> (2016)</a:t>
+            </a:r>
+            <a:endParaRPr lang="en-US" sz="1000" dirty="0"/>
+          </a:p>
+        </p:txBody>
+      </p:sp>
+    </p:spTree>
+    <p:extLst>
+      <p:ext uri="{BB962C8B-B14F-4D97-AF65-F5344CB8AC3E}">
+        <p14:creationId xmlns:p14="http://schemas.microsoft.com/office/powerpoint/2010/main" val="299166273"/>
+      </p:ext>
+    </p:extLst>
+  </p:cSld>
+  <p:clrMapOvr>
+    <a:masterClrMapping/>
+  </p:clrMapOvr>
+  <p:timing>
+    <p:tnLst>
+      <p:par>
+        <p:cTn id="1" dur="indefinite" restart="never" nodeType="tmRoot"/>
+      </p:par>
+    </p:tnLst>
+  </p:timing>
+</p:sld>
+</file>
+
+<file path=ppt/slides/slide6.xml><?xml version="1.0" encoding="utf-8"?>
+<p:sld xmlns:a="http://schemas.openxmlformats.org/drawingml/2006/main" xmlns:r="http://schemas.openxmlformats.org/officeDocument/2006/relationships" xmlns:p="http://schemas.openxmlformats.org/presentationml/2006/main">
+  <p:cSld>
+    <p:spTree>
+      <p:nvGrpSpPr>
+        <p:cNvPr id="1" name=""/>
+        <p:cNvGrpSpPr/>
+        <p:nvPr/>
+      </p:nvGrpSpPr>
+      <p:grpSpPr>
+        <a:xfrm>
+          <a:off x="0" y="0"/>
+          <a:ext cx="0" cy="0"/>
+          <a:chOff x="0" y="0"/>
+          <a:chExt cx="0" cy="0"/>
+        </a:xfrm>
+      </p:grpSpPr>
+      <p:sp>
+        <p:nvSpPr>
+          <p:cNvPr id="2" name="Title 1"/>
+          <p:cNvSpPr>
+            <a:spLocks noGrp="1"/>
+          </p:cNvSpPr>
+          <p:nvPr>
+            <p:ph type="title"/>
+          </p:nvPr>
+        </p:nvSpPr>
+        <p:spPr/>
+        <p:txBody>
+          <a:bodyPr/>
+          <a:lstStyle/>
+          <a:p>
+            <a:r>
+              <a:rPr lang="en-US" dirty="0" smtClean="0"/>
+              <a:t>Face Morphology Embedding</a:t>
+            </a:r>
+            <a:endParaRPr lang="en-US" dirty="0"/>
+          </a:p>
+        </p:txBody>
+      </p:sp>
+      <p:sp>
+        <p:nvSpPr>
+          <p:cNvPr id="3" name="Content Placeholder 2"/>
+          <p:cNvSpPr>
+            <a:spLocks noGrp="1"/>
+          </p:cNvSpPr>
+          <p:nvPr>
+            <p:ph idx="1"/>
+          </p:nvPr>
+        </p:nvSpPr>
+        <p:spPr>
+          <a:xfrm>
+            <a:off x="1154954" y="2630005"/>
+            <a:ext cx="8825659" cy="4075596"/>
+          </a:xfrm>
+        </p:spPr>
+        <p:txBody>
+          <a:bodyPr>
+            <a:normAutofit/>
+          </a:bodyPr>
+          <a:lstStyle/>
+          <a:p>
+            <a:pPr defTabSz="914400">
+              <a:spcBef>
+                <a:spcPts val="0"/>
+              </a:spcBef>
+              <a:buClrTx/>
+              <a:buSzTx/>
+            </a:pPr>
+            <a:r>
+              <a:rPr lang="en-US" dirty="0" err="1" smtClean="0"/>
+              <a:t>OpenFace</a:t>
+            </a:r>
+            <a:r>
+              <a:rPr lang="en-US" dirty="0" smtClean="0"/>
+              <a:t> pre-trained CNN</a:t>
+            </a:r>
+          </a:p>
+          <a:p>
+            <a:pPr defTabSz="914400">
+              <a:spcBef>
+                <a:spcPts val="0"/>
+              </a:spcBef>
+              <a:buClrTx/>
+              <a:buSzTx/>
+            </a:pPr>
+            <a:r>
+              <a:rPr lang="en-US" dirty="0" smtClean="0"/>
+              <a:t>39 layers encode face morphology</a:t>
+            </a:r>
+          </a:p>
+          <a:p>
+            <a:pPr defTabSz="914400">
+              <a:spcBef>
+                <a:spcPts val="0"/>
+              </a:spcBef>
+              <a:buClrTx/>
+              <a:buSzTx/>
+            </a:pPr>
+            <a:r>
+              <a:rPr lang="en-US" dirty="0"/>
+              <a:t>Output is </a:t>
+            </a:r>
+            <a:r>
+              <a:rPr lang="en-US" dirty="0" smtClean="0"/>
+              <a:t>128 measurements of distances between </a:t>
+            </a:r>
+            <a:r>
+              <a:rPr lang="en-US" dirty="0"/>
+              <a:t>facial features</a:t>
+            </a:r>
+          </a:p>
+          <a:p>
+            <a:pPr defTabSz="914400">
+              <a:spcBef>
+                <a:spcPts val="0"/>
+              </a:spcBef>
+              <a:buClrTx/>
+              <a:buSzTx/>
+            </a:pPr>
+            <a:endParaRPr lang="en-US" dirty="0" smtClean="0"/>
+          </a:p>
+          <a:p>
+            <a:pPr defTabSz="914400">
+              <a:spcBef>
+                <a:spcPts val="0"/>
+              </a:spcBef>
+              <a:buClrTx/>
+              <a:buSzTx/>
+            </a:pPr>
+            <a:endParaRPr lang="en-US" dirty="0"/>
+          </a:p>
+          <a:p>
+            <a:pPr defTabSz="914400">
+              <a:spcBef>
+                <a:spcPts val="0"/>
+              </a:spcBef>
+              <a:buClrTx/>
+              <a:buSzTx/>
+            </a:pPr>
+            <a:endParaRPr lang="en-US" dirty="0" smtClean="0"/>
+          </a:p>
+          <a:p>
+            <a:pPr defTabSz="914400">
+              <a:spcBef>
+                <a:spcPts val="0"/>
+              </a:spcBef>
+              <a:buClrTx/>
+              <a:buSzTx/>
+            </a:pPr>
+            <a:endParaRPr lang="en-US" dirty="0"/>
+          </a:p>
+          <a:p>
+            <a:pPr defTabSz="914400">
+              <a:spcBef>
+                <a:spcPts val="0"/>
+              </a:spcBef>
+              <a:buClrTx/>
+              <a:buSzTx/>
+            </a:pPr>
+            <a:endParaRPr lang="en-US" dirty="0" smtClean="0"/>
+          </a:p>
+          <a:p>
+            <a:pPr defTabSz="914400">
+              <a:spcBef>
+                <a:spcPts val="0"/>
+              </a:spcBef>
+              <a:buClrTx/>
+              <a:buSzTx/>
+            </a:pPr>
+            <a:endParaRPr lang="en-US" dirty="0"/>
+          </a:p>
+          <a:p>
+            <a:pPr defTabSz="914400">
+              <a:spcBef>
+                <a:spcPts val="0"/>
+              </a:spcBef>
+              <a:buClrTx/>
+              <a:buSzTx/>
+            </a:pPr>
+            <a:endParaRPr lang="en-US" dirty="0" smtClean="0"/>
+          </a:p>
+          <a:p>
+            <a:pPr defTabSz="914400">
+              <a:spcBef>
+                <a:spcPts val="0"/>
+              </a:spcBef>
+              <a:buClrTx/>
+              <a:buSzTx/>
+            </a:pPr>
+            <a:endParaRPr lang="en-US" dirty="0"/>
+          </a:p>
+          <a:p>
+            <a:pPr defTabSz="914400">
+              <a:spcBef>
+                <a:spcPts val="0"/>
+              </a:spcBef>
+              <a:buClrTx/>
+              <a:buSzTx/>
+            </a:pPr>
+            <a:endParaRPr lang="en-US" dirty="0" smtClean="0"/>
+          </a:p>
+          <a:p>
+            <a:pPr defTabSz="914400">
+              <a:spcBef>
+                <a:spcPts val="0"/>
+              </a:spcBef>
+              <a:buClrTx/>
+              <a:buSzTx/>
+            </a:pPr>
+            <a:endParaRPr lang="en-US" dirty="0"/>
+          </a:p>
+        </p:txBody>
+      </p:sp>
+      <p:pic>
+        <p:nvPicPr>
+          <p:cNvPr id="2050" name="Picture 2" descr="https://raw.githubusercontent.com/cmusatyalab/openface/master/images/nn4.v1.conv1.lennon-1.png"/>
+          <p:cNvPicPr>
+            <a:picLocks noChangeAspect="1" noChangeArrowheads="1"/>
+          </p:cNvPicPr>
+          <p:nvPr/>
+        </p:nvPicPr>
+        <p:blipFill>
+          <a:blip r:embed="rId2">
+            <a:extLst>
+              <a:ext uri="{28A0092B-C50C-407E-A947-70E740481C1C}">
+                <a14:useLocalDpi xmlns:a14="http://schemas.microsoft.com/office/drawing/2010/main" val="0"/>
+              </a:ext>
+            </a:extLst>
+          </a:blip>
+          <a:srcRect/>
+          <a:stretch>
+            <a:fillRect/>
+          </a:stretch>
+        </p:blipFill>
+        <p:spPr bwMode="auto">
+          <a:xfrm>
+            <a:off x="1070656" y="3870764"/>
+            <a:ext cx="9946815" cy="2268303"/>
+          </a:xfrm>
+          <a:prstGeom prst="rect">
+            <a:avLst/>
+          </a:prstGeom>
+          <a:noFill/>
+          <a:extLst>
+            <a:ext uri="{909E8E84-426E-40DD-AFC4-6F175D3DCCD1}">
+              <a14:hiddenFill xmlns:a14="http://schemas.microsoft.com/office/drawing/2010/main">
+                <a:solidFill>
+                  <a:srgbClr val="FFFFFF"/>
+                </a:solidFill>
+              </a14:hiddenFill>
+            </a:ext>
+          </a:extLst>
+        </p:spPr>
+      </p:pic>
+      <p:sp>
+        <p:nvSpPr>
+          <p:cNvPr id="4" name="TextBox 3"/>
+          <p:cNvSpPr txBox="1"/>
+          <p:nvPr/>
+        </p:nvSpPr>
+        <p:spPr>
+          <a:xfrm>
+            <a:off x="3538331" y="6186054"/>
+            <a:ext cx="4551246" cy="246221"/>
+          </a:xfrm>
+          <a:prstGeom prst="rect">
+            <a:avLst/>
+          </a:prstGeom>
+          <a:noFill/>
+        </p:spPr>
+        <p:txBody>
+          <a:bodyPr wrap="none" rtlCol="0">
+            <a:spAutoFit/>
+          </a:bodyPr>
+          <a:lstStyle/>
+          <a:p>
+            <a:r>
+              <a:rPr lang="en-US" sz="1000" dirty="0"/>
+              <a:t>Image source: https://</a:t>
+            </a:r>
+            <a:r>
+              <a:rPr lang="en-US" sz="1000" dirty="0" err="1"/>
+              <a:t>cmusatyalab.github.io</a:t>
+            </a:r>
+            <a:r>
+              <a:rPr lang="en-US" sz="1000" dirty="0"/>
+              <a:t>/</a:t>
+            </a:r>
+            <a:r>
+              <a:rPr lang="en-US" sz="1000" dirty="0" err="1"/>
+              <a:t>openface</a:t>
+            </a:r>
+            <a:r>
+              <a:rPr lang="en-US" sz="1000" dirty="0"/>
+              <a:t>/visualizations/</a:t>
+            </a:r>
+          </a:p>
+        </p:txBody>
+      </p:sp>
+    </p:spTree>
+    <p:extLst>
+      <p:ext uri="{BB962C8B-B14F-4D97-AF65-F5344CB8AC3E}">
+        <p14:creationId xmlns:p14="http://schemas.microsoft.com/office/powerpoint/2010/main" val="1798420134"/>
+      </p:ext>
+    </p:extLst>
+  </p:cSld>
+  <p:clrMapOvr>
+    <a:masterClrMapping/>
+  </p:clrMapOvr>
+  <p:timing>
+    <p:tnLst>
+      <p:par>
+        <p:cTn id="1" dur="indefinite" restart="never" nodeType="tmRoot"/>
+      </p:par>
+    </p:tnLst>
+  </p:timing>
+</p:sld>
+</file>
+
+<file path=ppt/slides/slide7.xml><?xml version="1.0" encoding="utf-8"?>
+<p:sld xmlns:a="http://schemas.openxmlformats.org/drawingml/2006/main" xmlns:r="http://schemas.openxmlformats.org/officeDocument/2006/relationships" xmlns:p="http://schemas.openxmlformats.org/presentationml/2006/main">
+  <p:cSld>
+    <p:spTree>
+      <p:nvGrpSpPr>
+        <p:cNvPr id="1" name=""/>
+        <p:cNvGrpSpPr/>
+        <p:nvPr/>
+      </p:nvGrpSpPr>
+      <p:grpSpPr>
+        <a:xfrm>
+          <a:off x="0" y="0"/>
+          <a:ext cx="0" cy="0"/>
+          <a:chOff x="0" y="0"/>
+          <a:chExt cx="0" cy="0"/>
+        </a:xfrm>
+      </p:grpSpPr>
+      <p:sp>
+        <p:nvSpPr>
+          <p:cNvPr id="2" name="Title 1"/>
+          <p:cNvSpPr>
+            <a:spLocks noGrp="1"/>
+          </p:cNvSpPr>
+          <p:nvPr>
+            <p:ph type="title"/>
+          </p:nvPr>
+        </p:nvSpPr>
+        <p:spPr/>
+        <p:txBody>
+          <a:bodyPr/>
+          <a:lstStyle/>
+          <a:p>
+            <a:r>
+              <a:rPr lang="en-US" dirty="0" smtClean="0"/>
+              <a:t>Classification</a:t>
+            </a:r>
+            <a:endParaRPr lang="en-US" dirty="0"/>
+          </a:p>
+        </p:txBody>
+      </p:sp>
+      <p:sp>
+        <p:nvSpPr>
+          <p:cNvPr id="3" name="Content Placeholder 2"/>
+          <p:cNvSpPr>
+            <a:spLocks noGrp="1"/>
+          </p:cNvSpPr>
+          <p:nvPr>
+            <p:ph idx="1"/>
+          </p:nvPr>
+        </p:nvSpPr>
+        <p:spPr/>
+        <p:txBody>
+          <a:bodyPr/>
+          <a:lstStyle/>
+          <a:p>
+            <a:r>
+              <a:rPr lang="en-US" dirty="0" smtClean="0"/>
+              <a:t>SVM to match measurements to name</a:t>
+            </a:r>
+          </a:p>
+          <a:p>
+            <a:r>
+              <a:rPr lang="en-US" dirty="0" smtClean="0"/>
+              <a:t>Example output for demo data set that comes with the model:</a:t>
+            </a:r>
+          </a:p>
+          <a:p>
+            <a:endParaRPr lang="en-US" dirty="0"/>
+          </a:p>
+        </p:txBody>
+      </p:sp>
+      <p:graphicFrame>
+        <p:nvGraphicFramePr>
+          <p:cNvPr id="4" name="Table 3"/>
+          <p:cNvGraphicFramePr>
+            <a:graphicFrameLocks noGrp="1"/>
+          </p:cNvGraphicFramePr>
+          <p:nvPr>
+            <p:extLst>
+              <p:ext uri="{D42A27DB-BD31-4B8C-83A1-F6EECF244321}">
+                <p14:modId xmlns:p14="http://schemas.microsoft.com/office/powerpoint/2010/main" val="1279136746"/>
+              </p:ext>
+            </p:extLst>
+          </p:nvPr>
+        </p:nvGraphicFramePr>
+        <p:xfrm>
+          <a:off x="1503783" y="3727910"/>
+          <a:ext cx="8127999" cy="1651000"/>
+        </p:xfrm>
+        <a:graphic>
+          <a:graphicData uri="http://schemas.openxmlformats.org/drawingml/2006/table">
+            <a:tbl>
+              <a:tblPr firstRow="1" bandRow="1">
+                <a:tableStyleId>{5C22544A-7EE6-4342-B048-85BDC9FD1C3A}</a:tableStyleId>
+              </a:tblPr>
+              <a:tblGrid>
+                <a:gridCol w="2709333"/>
+                <a:gridCol w="2709333"/>
+                <a:gridCol w="2709333"/>
+              </a:tblGrid>
+              <a:tr h="370840">
+                <a:tc>
+                  <a:txBody>
+                    <a:bodyPr/>
+                    <a:lstStyle/>
+                    <a:p>
+                      <a:r>
+                        <a:rPr lang="en-US" dirty="0" smtClean="0"/>
+                        <a:t>Name</a:t>
+                      </a:r>
+                      <a:endParaRPr lang="en-US" dirty="0"/>
+                    </a:p>
+                  </a:txBody>
+                  <a:tcPr/>
+                </a:tc>
+                <a:tc>
+                  <a:txBody>
+                    <a:bodyPr/>
+                    <a:lstStyle/>
+                    <a:p>
+                      <a:r>
+                        <a:rPr lang="en-US" dirty="0" smtClean="0"/>
+                        <a:t>In Training Set?</a:t>
+                      </a:r>
+                      <a:endParaRPr lang="en-US" dirty="0"/>
+                    </a:p>
+                  </a:txBody>
+                  <a:tcPr/>
+                </a:tc>
+                <a:tc>
+                  <a:txBody>
+                    <a:bodyPr/>
+                    <a:lstStyle/>
+                    <a:p>
+                      <a:r>
+                        <a:rPr lang="en-US" dirty="0" smtClean="0"/>
+                        <a:t>Output</a:t>
+                      </a:r>
+                      <a:endParaRPr lang="en-US" dirty="0"/>
+                    </a:p>
+                  </a:txBody>
+                  <a:tcPr/>
+                </a:tc>
+              </a:tr>
+              <a:tr h="370840">
+                <a:tc>
+                  <a:txBody>
+                    <a:bodyPr/>
+                    <a:lstStyle/>
+                    <a:p>
+                      <a:r>
+                        <a:rPr lang="en-US" dirty="0" smtClean="0"/>
+                        <a:t>Steve Carell</a:t>
+                      </a:r>
+                      <a:endParaRPr lang="en-US" dirty="0"/>
+                    </a:p>
+                  </a:txBody>
+                  <a:tcPr/>
+                </a:tc>
+                <a:tc>
+                  <a:txBody>
+                    <a:bodyPr/>
+                    <a:lstStyle/>
+                    <a:p>
+                      <a:r>
+                        <a:rPr lang="en-US" dirty="0" smtClean="0"/>
+                        <a:t>yes</a:t>
+                      </a:r>
+                      <a:endParaRPr lang="en-US" dirty="0"/>
+                    </a:p>
+                  </a:txBody>
+                  <a:tcPr/>
+                </a:tc>
+                <a:tc>
+                  <a:txBody>
+                    <a:bodyPr/>
+                    <a:lstStyle/>
+                    <a:p>
+                      <a:r>
+                        <a:rPr lang="en-US" dirty="0" smtClean="0"/>
+                        <a:t>Predict </a:t>
+                      </a:r>
+                      <a:r>
+                        <a:rPr lang="en-US" dirty="0" err="1" smtClean="0"/>
+                        <a:t>SteveCarell</a:t>
+                      </a:r>
+                      <a:r>
+                        <a:rPr lang="en-US" dirty="0" smtClean="0"/>
+                        <a:t> with 0.97 confidence.</a:t>
+                      </a:r>
+                      <a:endParaRPr lang="en-US" dirty="0"/>
+                    </a:p>
+                  </a:txBody>
+                  <a:tcPr/>
+                </a:tc>
+              </a:tr>
+              <a:tr h="370840">
+                <a:tc>
+                  <a:txBody>
+                    <a:bodyPr/>
+                    <a:lstStyle/>
+                    <a:p>
+                      <a:r>
+                        <a:rPr lang="en-US" dirty="0" smtClean="0"/>
+                        <a:t>John Lennon</a:t>
+                      </a:r>
+                      <a:endParaRPr lang="en-US" dirty="0"/>
+                    </a:p>
+                  </a:txBody>
+                  <a:tcPr/>
+                </a:tc>
+                <a:tc>
+                  <a:txBody>
+                    <a:bodyPr/>
+                    <a:lstStyle/>
+                    <a:p>
+                      <a:r>
+                        <a:rPr lang="en-US" dirty="0" smtClean="0"/>
+                        <a:t>no</a:t>
+                      </a:r>
+                      <a:endParaRPr lang="en-US" dirty="0"/>
+                    </a:p>
+                  </a:txBody>
+                  <a:tcPr/>
+                </a:tc>
+                <a:tc>
+                  <a:txBody>
+                    <a:bodyPr/>
+                    <a:lstStyle/>
+                    <a:p>
+                      <a:r>
+                        <a:rPr lang="en-US" dirty="0" smtClean="0"/>
+                        <a:t>Predict </a:t>
+                      </a:r>
+                      <a:r>
+                        <a:rPr lang="en-US" dirty="0" err="1" smtClean="0"/>
+                        <a:t>SteveCarell</a:t>
+                      </a:r>
+                      <a:r>
+                        <a:rPr lang="en-US" dirty="0" smtClean="0"/>
+                        <a:t> with 0.50 confidence.”</a:t>
+                      </a:r>
+                      <a:endParaRPr lang="en-US" dirty="0"/>
+                    </a:p>
+                  </a:txBody>
+                  <a:tcPr/>
+                </a:tc>
+              </a:tr>
+            </a:tbl>
+          </a:graphicData>
+        </a:graphic>
+      </p:graphicFrame>
+    </p:spTree>
+    <p:extLst>
+      <p:ext uri="{BB962C8B-B14F-4D97-AF65-F5344CB8AC3E}">
+        <p14:creationId xmlns:p14="http://schemas.microsoft.com/office/powerpoint/2010/main" val="196379253"/>
+      </p:ext>
+    </p:extLst>
+  </p:cSld>
+  <p:clrMapOvr>
+    <a:masterClrMapping/>
+  </p:clrMapOvr>
+  <p:timing>
+    <p:tnLst>
+      <p:par>
+        <p:cTn id="1" dur="indefinite" restart="never" nodeType="tmRoot"/>
+      </p:par>
+    </p:tnLst>
+  </p:timing>
+</p:sld>
+</file>
+
+<file path=ppt/slides/slide8.xml><?xml version="1.0" encoding="utf-8"?>
+<p:sld xmlns:a="http://schemas.openxmlformats.org/drawingml/2006/main" xmlns:r="http://schemas.openxmlformats.org/officeDocument/2006/relationships" xmlns:p="http://schemas.openxmlformats.org/presentationml/2006/main">
+  <p:cSld>
+    <p:spTree>
+      <p:nvGrpSpPr>
+        <p:cNvPr id="1" name=""/>
+        <p:cNvGrpSpPr/>
+        <p:nvPr/>
+      </p:nvGrpSpPr>
+      <p:grpSpPr>
+        <a:xfrm>
+          <a:off x="0" y="0"/>
+          <a:ext cx="0" cy="0"/>
+          <a:chOff x="0" y="0"/>
+          <a:chExt cx="0" cy="0"/>
+        </a:xfrm>
+      </p:grpSpPr>
+      <p:sp>
+        <p:nvSpPr>
+          <p:cNvPr id="2" name="Title 1"/>
+          <p:cNvSpPr>
+            <a:spLocks noGrp="1"/>
+          </p:cNvSpPr>
+          <p:nvPr>
+            <p:ph type="title"/>
+          </p:nvPr>
+        </p:nvSpPr>
+        <p:spPr/>
+        <p:txBody>
+          <a:bodyPr/>
+          <a:lstStyle/>
+          <a:p>
+            <a:r>
               <a:rPr lang="en-US" dirty="0"/>
               <a:t>Data </a:t>
             </a:r>
             <a:r>
               <a:rPr lang="en-US" dirty="0" smtClean="0"/>
-              <a:t>Set: Labeled Faces in the Wild</a:t>
+              <a:t>Set: Labeled Faces in the Wild (LFW)</a:t>
             </a:r>
             <a:endParaRPr lang="en-US" dirty="0"/>
           </a:p>
@@ -17532,14 +20034,19 @@
           </a:p>
           <a:p>
             <a:r>
+              <a:rPr lang="en-US" dirty="0"/>
+              <a:t>Used for benchmarking facial recognition </a:t>
+            </a:r>
+            <a:r>
               <a:rPr lang="en-US" dirty="0" smtClean="0"/>
-              <a:t>Images are unconstrained (angle, </a:t>
-            </a:r>
+              <a:t>algorithms</a:t>
+            </a:r>
+          </a:p>
+          <a:p>
             <a:r>
               <a:rPr lang="en-US" dirty="0" smtClean="0"/>
-              <a:t>expression, lighting)</a:t>
-            </a:r>
-            <a:endParaRPr lang="en-US" dirty="0" smtClean="0"/>
+              <a:t>Images are unconstrained (angle, expression, lighting)</a:t>
+            </a:r>
           </a:p>
           <a:p>
             <a:r>
@@ -17552,12 +20059,6 @@
             <a:r>
               <a:rPr lang="en-US" dirty="0" smtClean="0"/>
               <a:t>Have to supplement for test cases insufficiently represented</a:t>
-            </a:r>
-          </a:p>
-          <a:p>
-            <a:r>
-              <a:rPr lang="en-US" dirty="0" smtClean="0"/>
-              <a:t>Used for benchmarking facial recognition algorithms</a:t>
             </a:r>
           </a:p>
           <a:p>
@@ -17790,1190 +20291,6 @@
 </p:sld>
 </file>
 
-<file path=ppt/slides/slide3.xml><?xml version="1.0" encoding="utf-8"?>
-<p:sld xmlns:a="http://schemas.openxmlformats.org/drawingml/2006/main" xmlns:r="http://schemas.openxmlformats.org/officeDocument/2006/relationships" xmlns:p="http://schemas.openxmlformats.org/presentationml/2006/main">
-  <p:cSld>
-    <p:spTree>
-      <p:nvGrpSpPr>
-        <p:cNvPr id="1" name=""/>
-        <p:cNvGrpSpPr/>
-        <p:nvPr/>
-      </p:nvGrpSpPr>
-      <p:grpSpPr>
-        <a:xfrm>
-          <a:off x="0" y="0"/>
-          <a:ext cx="0" cy="0"/>
-          <a:chOff x="0" y="0"/>
-          <a:chExt cx="0" cy="0"/>
-        </a:xfrm>
-      </p:grpSpPr>
-      <p:sp>
-        <p:nvSpPr>
-          <p:cNvPr id="2" name="Title 1"/>
-          <p:cNvSpPr>
-            <a:spLocks noGrp="1"/>
-          </p:cNvSpPr>
-          <p:nvPr>
-            <p:ph type="title"/>
-          </p:nvPr>
-        </p:nvSpPr>
-        <p:spPr/>
-        <p:txBody>
-          <a:bodyPr/>
-          <a:lstStyle/>
-          <a:p>
-            <a:r>
-              <a:rPr lang="en-US" dirty="0" smtClean="0"/>
-              <a:t>Facial Recognition Workflow</a:t>
-            </a:r>
-            <a:endParaRPr lang="en-US" dirty="0"/>
-          </a:p>
-        </p:txBody>
-      </p:sp>
-      <p:graphicFrame>
-        <p:nvGraphicFramePr>
-          <p:cNvPr id="4" name="Diagram 3"/>
-          <p:cNvGraphicFramePr/>
-          <p:nvPr>
-            <p:extLst>
-              <p:ext uri="{D42A27DB-BD31-4B8C-83A1-F6EECF244321}">
-                <p14:modId xmlns:p14="http://schemas.microsoft.com/office/powerpoint/2010/main" val="653764648"/>
-              </p:ext>
-            </p:extLst>
-          </p:nvPr>
-        </p:nvGraphicFramePr>
-        <p:xfrm>
-          <a:off x="479685" y="2358887"/>
-          <a:ext cx="11227633" cy="4386470"/>
-        </p:xfrm>
-        <a:graphic>
-          <a:graphicData uri="http://schemas.openxmlformats.org/drawingml/2006/diagram">
-            <dgm:relIds xmlns:dgm="http://schemas.openxmlformats.org/drawingml/2006/diagram" xmlns:r="http://schemas.openxmlformats.org/officeDocument/2006/relationships" r:dm="rId2" r:lo="rId3" r:qs="rId4" r:cs="rId5"/>
-          </a:graphicData>
-        </a:graphic>
-      </p:graphicFrame>
-    </p:spTree>
-    <p:extLst>
-      <p:ext uri="{BB962C8B-B14F-4D97-AF65-F5344CB8AC3E}">
-        <p14:creationId xmlns:p14="http://schemas.microsoft.com/office/powerpoint/2010/main" val="1452355130"/>
-      </p:ext>
-    </p:extLst>
-  </p:cSld>
-  <p:clrMapOvr>
-    <a:masterClrMapping/>
-  </p:clrMapOvr>
-  <p:timing>
-    <p:tnLst>
-      <p:par>
-        <p:cTn id="1" dur="indefinite" restart="never" nodeType="tmRoot"/>
-      </p:par>
-    </p:tnLst>
-  </p:timing>
-</p:sld>
-</file>
-
-<file path=ppt/slides/slide4.xml><?xml version="1.0" encoding="utf-8"?>
-<p:sld xmlns:a="http://schemas.openxmlformats.org/drawingml/2006/main" xmlns:r="http://schemas.openxmlformats.org/officeDocument/2006/relationships" xmlns:p="http://schemas.openxmlformats.org/presentationml/2006/main">
-  <p:cSld>
-    <p:spTree>
-      <p:nvGrpSpPr>
-        <p:cNvPr id="1" name=""/>
-        <p:cNvGrpSpPr/>
-        <p:nvPr/>
-      </p:nvGrpSpPr>
-      <p:grpSpPr>
-        <a:xfrm>
-          <a:off x="0" y="0"/>
-          <a:ext cx="0" cy="0"/>
-          <a:chOff x="0" y="0"/>
-          <a:chExt cx="0" cy="0"/>
-        </a:xfrm>
-      </p:grpSpPr>
-      <p:sp>
-        <p:nvSpPr>
-          <p:cNvPr id="2" name="Title 1"/>
-          <p:cNvSpPr>
-            <a:spLocks noGrp="1"/>
-          </p:cNvSpPr>
-          <p:nvPr>
-            <p:ph type="title"/>
-          </p:nvPr>
-        </p:nvSpPr>
-        <p:spPr/>
-        <p:txBody>
-          <a:bodyPr/>
-          <a:lstStyle/>
-          <a:p>
-            <a:r>
-              <a:rPr lang="en-US" dirty="0" smtClean="0"/>
-              <a:t>Face Detection</a:t>
-            </a:r>
-            <a:endParaRPr lang="en-US" dirty="0"/>
-          </a:p>
-        </p:txBody>
-      </p:sp>
-      <p:sp>
-        <p:nvSpPr>
-          <p:cNvPr id="3" name="Content Placeholder 2"/>
-          <p:cNvSpPr>
-            <a:spLocks noGrp="1"/>
-          </p:cNvSpPr>
-          <p:nvPr>
-            <p:ph idx="1"/>
-          </p:nvPr>
-        </p:nvSpPr>
-        <p:spPr>
-          <a:xfrm>
-            <a:off x="1154954" y="2603500"/>
-            <a:ext cx="4136573" cy="3416300"/>
-          </a:xfrm>
-        </p:spPr>
-        <p:txBody>
-          <a:bodyPr/>
-          <a:lstStyle/>
-          <a:p>
-            <a:r>
-              <a:rPr lang="en-US" dirty="0" err="1" smtClean="0"/>
-              <a:t>dlib</a:t>
-            </a:r>
-            <a:r>
-              <a:rPr lang="en-US" dirty="0" smtClean="0"/>
-              <a:t> CNN Face Detector API</a:t>
-            </a:r>
-          </a:p>
-          <a:p>
-            <a:r>
-              <a:rPr lang="en-US" dirty="0" smtClean="0"/>
-              <a:t>Converts image to Histogram of Oriented Gradients (HOG) </a:t>
-            </a:r>
-          </a:p>
-          <a:p>
-            <a:r>
-              <a:rPr lang="en-US" dirty="0" smtClean="0"/>
-              <a:t>Runs SVM classifier</a:t>
-            </a:r>
-          </a:p>
-          <a:p>
-            <a:endParaRPr lang="en-US" dirty="0"/>
-          </a:p>
-        </p:txBody>
-      </p:sp>
-      <p:pic>
-        <p:nvPicPr>
-          <p:cNvPr id="3074" name="Picture 2" descr="ttps://i1.wp.com/www.hackevolve.com/wp-content/uploads/2017/09/face_hog.png"/>
-          <p:cNvPicPr>
-            <a:picLocks noChangeAspect="1" noChangeArrowheads="1"/>
-          </p:cNvPicPr>
-          <p:nvPr/>
-        </p:nvPicPr>
-        <p:blipFill>
-          <a:blip r:embed="rId2">
-            <a:extLst>
-              <a:ext uri="{28A0092B-C50C-407E-A947-70E740481C1C}">
-                <a14:useLocalDpi xmlns:a14="http://schemas.microsoft.com/office/drawing/2010/main" val="0"/>
-              </a:ext>
-            </a:extLst>
-          </a:blip>
-          <a:srcRect/>
-          <a:stretch>
-            <a:fillRect/>
-          </a:stretch>
-        </p:blipFill>
-        <p:spPr bwMode="auto">
-          <a:xfrm>
-            <a:off x="6041036" y="2603499"/>
-            <a:ext cx="4905251" cy="3189565"/>
-          </a:xfrm>
-          <a:prstGeom prst="rect">
-            <a:avLst/>
-          </a:prstGeom>
-          <a:noFill/>
-          <a:extLst>
-            <a:ext uri="{909E8E84-426E-40DD-AFC4-6F175D3DCCD1}">
-              <a14:hiddenFill xmlns:a14="http://schemas.microsoft.com/office/drawing/2010/main">
-                <a:solidFill>
-                  <a:srgbClr val="FFFFFF"/>
-                </a:solidFill>
-              </a14:hiddenFill>
-            </a:ext>
-          </a:extLst>
-        </p:spPr>
-      </p:pic>
-      <p:sp>
-        <p:nvSpPr>
-          <p:cNvPr id="5" name="TextBox 4"/>
-          <p:cNvSpPr txBox="1"/>
-          <p:nvPr/>
-        </p:nvSpPr>
-        <p:spPr>
-          <a:xfrm>
-            <a:off x="6041036" y="5876140"/>
-            <a:ext cx="5016117" cy="246221"/>
-          </a:xfrm>
-          <a:prstGeom prst="rect">
-            <a:avLst/>
-          </a:prstGeom>
-          <a:noFill/>
-        </p:spPr>
-        <p:txBody>
-          <a:bodyPr wrap="none" rtlCol="0">
-            <a:spAutoFit/>
-          </a:bodyPr>
-          <a:lstStyle/>
-          <a:p>
-            <a:r>
-              <a:rPr lang="en-US" sz="1000" dirty="0"/>
-              <a:t>Image source: http://</a:t>
-            </a:r>
-            <a:r>
-              <a:rPr lang="en-US" sz="1000" dirty="0" err="1"/>
-              <a:t>www.hackevolve.com</a:t>
-            </a:r>
-            <a:r>
-              <a:rPr lang="en-US" sz="1000" dirty="0"/>
-              <a:t>/face-recognition-deep-learning/</a:t>
-            </a:r>
-          </a:p>
-        </p:txBody>
-      </p:sp>
-    </p:spTree>
-    <p:extLst>
-      <p:ext uri="{BB962C8B-B14F-4D97-AF65-F5344CB8AC3E}">
-        <p14:creationId xmlns:p14="http://schemas.microsoft.com/office/powerpoint/2010/main" val="2095201131"/>
-      </p:ext>
-    </p:extLst>
-  </p:cSld>
-  <p:clrMapOvr>
-    <a:masterClrMapping/>
-  </p:clrMapOvr>
-  <p:timing>
-    <p:tnLst>
-      <p:par>
-        <p:cTn id="1" dur="indefinite" restart="never" nodeType="tmRoot"/>
-      </p:par>
-    </p:tnLst>
-  </p:timing>
-</p:sld>
-</file>
-
-<file path=ppt/slides/slide5.xml><?xml version="1.0" encoding="utf-8"?>
-<p:sld xmlns:a="http://schemas.openxmlformats.org/drawingml/2006/main" xmlns:r="http://schemas.openxmlformats.org/officeDocument/2006/relationships" xmlns:p="http://schemas.openxmlformats.org/presentationml/2006/main">
-  <p:cSld>
-    <p:spTree>
-      <p:nvGrpSpPr>
-        <p:cNvPr id="1" name=""/>
-        <p:cNvGrpSpPr/>
-        <p:nvPr/>
-      </p:nvGrpSpPr>
-      <p:grpSpPr>
-        <a:xfrm>
-          <a:off x="0" y="0"/>
-          <a:ext cx="0" cy="0"/>
-          <a:chOff x="0" y="0"/>
-          <a:chExt cx="0" cy="0"/>
-        </a:xfrm>
-      </p:grpSpPr>
-      <p:sp>
-        <p:nvSpPr>
-          <p:cNvPr id="2" name="Title 1"/>
-          <p:cNvSpPr>
-            <a:spLocks noGrp="1"/>
-          </p:cNvSpPr>
-          <p:nvPr>
-            <p:ph type="title"/>
-          </p:nvPr>
-        </p:nvSpPr>
-        <p:spPr/>
-        <p:txBody>
-          <a:bodyPr/>
-          <a:lstStyle/>
-          <a:p>
-            <a:r>
-              <a:rPr lang="en-US" dirty="0" smtClean="0"/>
-              <a:t>Affine Transformation &amp; Normalization</a:t>
-            </a:r>
-            <a:endParaRPr lang="en-US" dirty="0"/>
-          </a:p>
-        </p:txBody>
-      </p:sp>
-      <p:sp>
-        <p:nvSpPr>
-          <p:cNvPr id="3" name="Content Placeholder 2"/>
-          <p:cNvSpPr>
-            <a:spLocks noGrp="1"/>
-          </p:cNvSpPr>
-          <p:nvPr>
-            <p:ph idx="1"/>
-          </p:nvPr>
-        </p:nvSpPr>
-        <p:spPr>
-          <a:xfrm>
-            <a:off x="1154954" y="2603500"/>
-            <a:ext cx="5485689" cy="3416300"/>
-          </a:xfrm>
-        </p:spPr>
-        <p:txBody>
-          <a:bodyPr/>
-          <a:lstStyle/>
-          <a:p>
-            <a:r>
-              <a:rPr lang="en-US" dirty="0" err="1" smtClean="0"/>
-              <a:t>OpenFace</a:t>
-            </a:r>
-            <a:r>
-              <a:rPr lang="en-US" dirty="0" smtClean="0"/>
-              <a:t> </a:t>
-            </a:r>
-            <a:r>
-              <a:rPr lang="en-US" dirty="0" err="1" smtClean="0"/>
-              <a:t>AlignDlib</a:t>
-            </a:r>
-            <a:r>
-              <a:rPr lang="en-US" dirty="0" smtClean="0"/>
-              <a:t> API</a:t>
-            </a:r>
-          </a:p>
-          <a:p>
-            <a:r>
-              <a:rPr lang="en-US" dirty="0" smtClean="0"/>
-              <a:t>Image </a:t>
-            </a:r>
-            <a:r>
-              <a:rPr lang="en-US" dirty="0"/>
-              <a:t>is cropped to detected face area</a:t>
-            </a:r>
-          </a:p>
-          <a:p>
-            <a:r>
-              <a:rPr lang="en-US" dirty="0" smtClean="0"/>
-              <a:t>Facial landmarks are detected</a:t>
-            </a:r>
-          </a:p>
-          <a:p>
-            <a:r>
-              <a:rPr lang="en-US" dirty="0" smtClean="0"/>
-              <a:t>Image is transformed to have outer eyes and nose in a standard position</a:t>
-            </a:r>
-          </a:p>
-          <a:p>
-            <a:r>
-              <a:rPr lang="en-US" dirty="0" smtClean="0"/>
-              <a:t>Image is resized</a:t>
-            </a:r>
-          </a:p>
-        </p:txBody>
-      </p:sp>
-      <p:pic>
-        <p:nvPicPr>
-          <p:cNvPr id="4" name="Picture 4" descr="https://blog.algorithmia.com/wp-content/uploads/2018/01/affine_transformation.png"/>
-          <p:cNvPicPr>
-            <a:picLocks noChangeAspect="1" noChangeArrowheads="1"/>
-          </p:cNvPicPr>
-          <p:nvPr/>
-        </p:nvPicPr>
-        <p:blipFill>
-          <a:blip r:embed="rId2">
-            <a:extLst>
-              <a:ext uri="{28A0092B-C50C-407E-A947-70E740481C1C}">
-                <a14:useLocalDpi xmlns:a14="http://schemas.microsoft.com/office/drawing/2010/main" val="0"/>
-              </a:ext>
-            </a:extLst>
-          </a:blip>
-          <a:srcRect/>
-          <a:stretch>
-            <a:fillRect/>
-          </a:stretch>
-        </p:blipFill>
-        <p:spPr bwMode="auto">
-          <a:xfrm>
-            <a:off x="7260876" y="2363657"/>
-            <a:ext cx="3966756" cy="4254500"/>
-          </a:xfrm>
-          <a:prstGeom prst="rect">
-            <a:avLst/>
-          </a:prstGeom>
-          <a:noFill/>
-          <a:extLst>
-            <a:ext uri="{909E8E84-426E-40DD-AFC4-6F175D3DCCD1}">
-              <a14:hiddenFill xmlns:a14="http://schemas.microsoft.com/office/drawing/2010/main">
-                <a:solidFill>
-                  <a:srgbClr val="FFFFFF"/>
-                </a:solidFill>
-              </a14:hiddenFill>
-            </a:ext>
-          </a:extLst>
-        </p:spPr>
-      </p:pic>
-      <p:sp>
-        <p:nvSpPr>
-          <p:cNvPr id="5" name="TextBox 4"/>
-          <p:cNvSpPr txBox="1"/>
-          <p:nvPr/>
-        </p:nvSpPr>
-        <p:spPr>
-          <a:xfrm>
-            <a:off x="7260876" y="6569996"/>
-            <a:ext cx="3801041" cy="246221"/>
-          </a:xfrm>
-          <a:prstGeom prst="rect">
-            <a:avLst/>
-          </a:prstGeom>
-          <a:noFill/>
-        </p:spPr>
-        <p:txBody>
-          <a:bodyPr wrap="none" rtlCol="0">
-            <a:spAutoFit/>
-          </a:bodyPr>
-          <a:lstStyle/>
-          <a:p>
-            <a:r>
-              <a:rPr lang="en-US" sz="1000" dirty="0" smtClean="0"/>
-              <a:t>Image source: Amos, </a:t>
-            </a:r>
-            <a:r>
-              <a:rPr lang="en-US" sz="1000" dirty="0" err="1" smtClean="0"/>
-              <a:t>Ludwiczuk</a:t>
-            </a:r>
-            <a:r>
-              <a:rPr lang="en-US" sz="1000" dirty="0" smtClean="0"/>
-              <a:t> &amp; </a:t>
-            </a:r>
-            <a:r>
-              <a:rPr lang="en-US" sz="1000" dirty="0" err="1" smtClean="0"/>
-              <a:t>Satyanarayanan</a:t>
-            </a:r>
-            <a:r>
-              <a:rPr lang="en-US" sz="1000" dirty="0" smtClean="0"/>
-              <a:t> (2016)</a:t>
-            </a:r>
-            <a:endParaRPr lang="en-US" sz="1000" dirty="0"/>
-          </a:p>
-        </p:txBody>
-      </p:sp>
-    </p:spTree>
-    <p:extLst>
-      <p:ext uri="{BB962C8B-B14F-4D97-AF65-F5344CB8AC3E}">
-        <p14:creationId xmlns:p14="http://schemas.microsoft.com/office/powerpoint/2010/main" val="299166273"/>
-      </p:ext>
-    </p:extLst>
-  </p:cSld>
-  <p:clrMapOvr>
-    <a:masterClrMapping/>
-  </p:clrMapOvr>
-  <p:timing>
-    <p:tnLst>
-      <p:par>
-        <p:cTn id="1" dur="indefinite" restart="never" nodeType="tmRoot"/>
-      </p:par>
-    </p:tnLst>
-  </p:timing>
-</p:sld>
-</file>
-
-<file path=ppt/slides/slide6.xml><?xml version="1.0" encoding="utf-8"?>
-<p:sld xmlns:a="http://schemas.openxmlformats.org/drawingml/2006/main" xmlns:r="http://schemas.openxmlformats.org/officeDocument/2006/relationships" xmlns:p="http://schemas.openxmlformats.org/presentationml/2006/main">
-  <p:cSld>
-    <p:spTree>
-      <p:nvGrpSpPr>
-        <p:cNvPr id="1" name=""/>
-        <p:cNvGrpSpPr/>
-        <p:nvPr/>
-      </p:nvGrpSpPr>
-      <p:grpSpPr>
-        <a:xfrm>
-          <a:off x="0" y="0"/>
-          <a:ext cx="0" cy="0"/>
-          <a:chOff x="0" y="0"/>
-          <a:chExt cx="0" cy="0"/>
-        </a:xfrm>
-      </p:grpSpPr>
-      <p:sp>
-        <p:nvSpPr>
-          <p:cNvPr id="2" name="Title 1"/>
-          <p:cNvSpPr>
-            <a:spLocks noGrp="1"/>
-          </p:cNvSpPr>
-          <p:nvPr>
-            <p:ph type="title"/>
-          </p:nvPr>
-        </p:nvSpPr>
-        <p:spPr/>
-        <p:txBody>
-          <a:bodyPr/>
-          <a:lstStyle/>
-          <a:p>
-            <a:r>
-              <a:rPr lang="en-US" dirty="0" smtClean="0"/>
-              <a:t>Face Morphology Embedding</a:t>
-            </a:r>
-            <a:endParaRPr lang="en-US" dirty="0"/>
-          </a:p>
-        </p:txBody>
-      </p:sp>
-      <p:sp>
-        <p:nvSpPr>
-          <p:cNvPr id="3" name="Content Placeholder 2"/>
-          <p:cNvSpPr>
-            <a:spLocks noGrp="1"/>
-          </p:cNvSpPr>
-          <p:nvPr>
-            <p:ph idx="1"/>
-          </p:nvPr>
-        </p:nvSpPr>
-        <p:spPr>
-          <a:xfrm>
-            <a:off x="1154954" y="2630005"/>
-            <a:ext cx="8825659" cy="4075596"/>
-          </a:xfrm>
-        </p:spPr>
-        <p:txBody>
-          <a:bodyPr>
-            <a:normAutofit/>
-          </a:bodyPr>
-          <a:lstStyle/>
-          <a:p>
-            <a:pPr defTabSz="914400">
-              <a:spcBef>
-                <a:spcPts val="0"/>
-              </a:spcBef>
-              <a:buClrTx/>
-              <a:buSzTx/>
-            </a:pPr>
-            <a:r>
-              <a:rPr lang="en-US" dirty="0" err="1" smtClean="0"/>
-              <a:t>OpenFace</a:t>
-            </a:r>
-            <a:r>
-              <a:rPr lang="en-US" dirty="0" smtClean="0"/>
-              <a:t> pre-trained CNN</a:t>
-            </a:r>
-          </a:p>
-          <a:p>
-            <a:pPr defTabSz="914400">
-              <a:spcBef>
-                <a:spcPts val="0"/>
-              </a:spcBef>
-              <a:buClrTx/>
-              <a:buSzTx/>
-            </a:pPr>
-            <a:r>
-              <a:rPr lang="en-US" dirty="0" smtClean="0"/>
-              <a:t>Has 92.92% accuracy on LFW</a:t>
-            </a:r>
-          </a:p>
-          <a:p>
-            <a:pPr defTabSz="914400">
-              <a:spcBef>
-                <a:spcPts val="0"/>
-              </a:spcBef>
-              <a:buClrTx/>
-              <a:buSzTx/>
-            </a:pPr>
-            <a:r>
-              <a:rPr lang="en-US" dirty="0" smtClean="0"/>
-              <a:t>39 layers encode face morphology</a:t>
-            </a:r>
-          </a:p>
-          <a:p>
-            <a:pPr defTabSz="914400">
-              <a:spcBef>
-                <a:spcPts val="0"/>
-              </a:spcBef>
-              <a:buClrTx/>
-              <a:buSzTx/>
-            </a:pPr>
-            <a:r>
-              <a:rPr lang="en-US" dirty="0"/>
-              <a:t>Output is </a:t>
-            </a:r>
-            <a:r>
-              <a:rPr lang="en-US" dirty="0" smtClean="0"/>
-              <a:t>128 measurements of distances between </a:t>
-            </a:r>
-            <a:r>
-              <a:rPr lang="en-US" dirty="0"/>
-              <a:t>facial features</a:t>
-            </a:r>
-          </a:p>
-          <a:p>
-            <a:pPr defTabSz="914400">
-              <a:spcBef>
-                <a:spcPts val="0"/>
-              </a:spcBef>
-              <a:buClrTx/>
-              <a:buSzTx/>
-            </a:pPr>
-            <a:endParaRPr lang="en-US" dirty="0" smtClean="0"/>
-          </a:p>
-          <a:p>
-            <a:pPr defTabSz="914400">
-              <a:spcBef>
-                <a:spcPts val="0"/>
-              </a:spcBef>
-              <a:buClrTx/>
-              <a:buSzTx/>
-            </a:pPr>
-            <a:endParaRPr lang="en-US" dirty="0"/>
-          </a:p>
-          <a:p>
-            <a:pPr defTabSz="914400">
-              <a:spcBef>
-                <a:spcPts val="0"/>
-              </a:spcBef>
-              <a:buClrTx/>
-              <a:buSzTx/>
-            </a:pPr>
-            <a:endParaRPr lang="en-US" dirty="0" smtClean="0"/>
-          </a:p>
-          <a:p>
-            <a:pPr defTabSz="914400">
-              <a:spcBef>
-                <a:spcPts val="0"/>
-              </a:spcBef>
-              <a:buClrTx/>
-              <a:buSzTx/>
-            </a:pPr>
-            <a:endParaRPr lang="en-US" dirty="0"/>
-          </a:p>
-          <a:p>
-            <a:pPr defTabSz="914400">
-              <a:spcBef>
-                <a:spcPts val="0"/>
-              </a:spcBef>
-              <a:buClrTx/>
-              <a:buSzTx/>
-            </a:pPr>
-            <a:endParaRPr lang="en-US" dirty="0" smtClean="0"/>
-          </a:p>
-          <a:p>
-            <a:pPr defTabSz="914400">
-              <a:spcBef>
-                <a:spcPts val="0"/>
-              </a:spcBef>
-              <a:buClrTx/>
-              <a:buSzTx/>
-            </a:pPr>
-            <a:endParaRPr lang="en-US" dirty="0"/>
-          </a:p>
-          <a:p>
-            <a:pPr defTabSz="914400">
-              <a:spcBef>
-                <a:spcPts val="0"/>
-              </a:spcBef>
-              <a:buClrTx/>
-              <a:buSzTx/>
-            </a:pPr>
-            <a:endParaRPr lang="en-US" dirty="0" smtClean="0"/>
-          </a:p>
-          <a:p>
-            <a:pPr defTabSz="914400">
-              <a:spcBef>
-                <a:spcPts val="0"/>
-              </a:spcBef>
-              <a:buClrTx/>
-              <a:buSzTx/>
-            </a:pPr>
-            <a:endParaRPr lang="en-US" dirty="0"/>
-          </a:p>
-          <a:p>
-            <a:pPr defTabSz="914400">
-              <a:spcBef>
-                <a:spcPts val="0"/>
-              </a:spcBef>
-              <a:buClrTx/>
-              <a:buSzTx/>
-            </a:pPr>
-            <a:endParaRPr lang="en-US" dirty="0" smtClean="0"/>
-          </a:p>
-          <a:p>
-            <a:pPr defTabSz="914400">
-              <a:spcBef>
-                <a:spcPts val="0"/>
-              </a:spcBef>
-              <a:buClrTx/>
-              <a:buSzTx/>
-            </a:pPr>
-            <a:endParaRPr lang="en-US" dirty="0"/>
-          </a:p>
-        </p:txBody>
-      </p:sp>
-      <p:pic>
-        <p:nvPicPr>
-          <p:cNvPr id="2050" name="Picture 2" descr="https://raw.githubusercontent.com/cmusatyalab/openface/master/images/nn4.v1.conv1.lennon-1.png"/>
-          <p:cNvPicPr>
-            <a:picLocks noChangeAspect="1" noChangeArrowheads="1"/>
-          </p:cNvPicPr>
-          <p:nvPr/>
-        </p:nvPicPr>
-        <p:blipFill>
-          <a:blip r:embed="rId2">
-            <a:extLst>
-              <a:ext uri="{28A0092B-C50C-407E-A947-70E740481C1C}">
-                <a14:useLocalDpi xmlns:a14="http://schemas.microsoft.com/office/drawing/2010/main" val="0"/>
-              </a:ext>
-            </a:extLst>
-          </a:blip>
-          <a:srcRect/>
-          <a:stretch>
-            <a:fillRect/>
-          </a:stretch>
-        </p:blipFill>
-        <p:spPr bwMode="auto">
-          <a:xfrm>
-            <a:off x="1070656" y="4241826"/>
-            <a:ext cx="9946815" cy="2268303"/>
-          </a:xfrm>
-          <a:prstGeom prst="rect">
-            <a:avLst/>
-          </a:prstGeom>
-          <a:noFill/>
-          <a:extLst>
-            <a:ext uri="{909E8E84-426E-40DD-AFC4-6F175D3DCCD1}">
-              <a14:hiddenFill xmlns:a14="http://schemas.microsoft.com/office/drawing/2010/main">
-                <a:solidFill>
-                  <a:srgbClr val="FFFFFF"/>
-                </a:solidFill>
-              </a14:hiddenFill>
-            </a:ext>
-          </a:extLst>
-        </p:spPr>
-      </p:pic>
-      <p:sp>
-        <p:nvSpPr>
-          <p:cNvPr id="4" name="TextBox 3"/>
-          <p:cNvSpPr txBox="1"/>
-          <p:nvPr/>
-        </p:nvSpPr>
-        <p:spPr>
-          <a:xfrm>
-            <a:off x="3538331" y="6557116"/>
-            <a:ext cx="4551246" cy="246221"/>
-          </a:xfrm>
-          <a:prstGeom prst="rect">
-            <a:avLst/>
-          </a:prstGeom>
-          <a:noFill/>
-        </p:spPr>
-        <p:txBody>
-          <a:bodyPr wrap="none" rtlCol="0">
-            <a:spAutoFit/>
-          </a:bodyPr>
-          <a:lstStyle/>
-          <a:p>
-            <a:r>
-              <a:rPr lang="en-US" sz="1000" dirty="0"/>
-              <a:t>Image source: https://</a:t>
-            </a:r>
-            <a:r>
-              <a:rPr lang="en-US" sz="1000" dirty="0" err="1"/>
-              <a:t>cmusatyalab.github.io</a:t>
-            </a:r>
-            <a:r>
-              <a:rPr lang="en-US" sz="1000" dirty="0"/>
-              <a:t>/</a:t>
-            </a:r>
-            <a:r>
-              <a:rPr lang="en-US" sz="1000" dirty="0" err="1"/>
-              <a:t>openface</a:t>
-            </a:r>
-            <a:r>
-              <a:rPr lang="en-US" sz="1000" dirty="0"/>
-              <a:t>/visualizations/</a:t>
-            </a:r>
-          </a:p>
-        </p:txBody>
-      </p:sp>
-    </p:spTree>
-    <p:extLst>
-      <p:ext uri="{BB962C8B-B14F-4D97-AF65-F5344CB8AC3E}">
-        <p14:creationId xmlns:p14="http://schemas.microsoft.com/office/powerpoint/2010/main" val="1798420134"/>
-      </p:ext>
-    </p:extLst>
-  </p:cSld>
-  <p:clrMapOvr>
-    <a:masterClrMapping/>
-  </p:clrMapOvr>
-  <p:timing>
-    <p:tnLst>
-      <p:par>
-        <p:cTn id="1" dur="indefinite" restart="never" nodeType="tmRoot"/>
-      </p:par>
-    </p:tnLst>
-  </p:timing>
-</p:sld>
-</file>
-
-<file path=ppt/slides/slide7.xml><?xml version="1.0" encoding="utf-8"?>
-<p:sld xmlns:a="http://schemas.openxmlformats.org/drawingml/2006/main" xmlns:r="http://schemas.openxmlformats.org/officeDocument/2006/relationships" xmlns:p="http://schemas.openxmlformats.org/presentationml/2006/main">
-  <p:cSld>
-    <p:spTree>
-      <p:nvGrpSpPr>
-        <p:cNvPr id="1" name=""/>
-        <p:cNvGrpSpPr/>
-        <p:nvPr/>
-      </p:nvGrpSpPr>
-      <p:grpSpPr>
-        <a:xfrm>
-          <a:off x="0" y="0"/>
-          <a:ext cx="0" cy="0"/>
-          <a:chOff x="0" y="0"/>
-          <a:chExt cx="0" cy="0"/>
-        </a:xfrm>
-      </p:grpSpPr>
-      <p:sp>
-        <p:nvSpPr>
-          <p:cNvPr id="2" name="Title 1"/>
-          <p:cNvSpPr>
-            <a:spLocks noGrp="1"/>
-          </p:cNvSpPr>
-          <p:nvPr>
-            <p:ph type="title"/>
-          </p:nvPr>
-        </p:nvSpPr>
-        <p:spPr/>
-        <p:txBody>
-          <a:bodyPr/>
-          <a:lstStyle/>
-          <a:p>
-            <a:r>
-              <a:rPr lang="en-US" dirty="0" smtClean="0"/>
-              <a:t>Classification</a:t>
-            </a:r>
-            <a:endParaRPr lang="en-US" dirty="0"/>
-          </a:p>
-        </p:txBody>
-      </p:sp>
-      <p:sp>
-        <p:nvSpPr>
-          <p:cNvPr id="3" name="Content Placeholder 2"/>
-          <p:cNvSpPr>
-            <a:spLocks noGrp="1"/>
-          </p:cNvSpPr>
-          <p:nvPr>
-            <p:ph idx="1"/>
-          </p:nvPr>
-        </p:nvSpPr>
-        <p:spPr/>
-        <p:txBody>
-          <a:bodyPr/>
-          <a:lstStyle/>
-          <a:p>
-            <a:r>
-              <a:rPr lang="en-US" dirty="0" smtClean="0"/>
-              <a:t>SVM to match measurements to name</a:t>
-            </a:r>
-          </a:p>
-          <a:p>
-            <a:r>
-              <a:rPr lang="en-US" dirty="0" smtClean="0"/>
-              <a:t>Example output for demo data set that comes with the model:</a:t>
-            </a:r>
-            <a:endParaRPr lang="en-US" dirty="0" smtClean="0"/>
-          </a:p>
-          <a:p>
-            <a:endParaRPr lang="en-US" dirty="0"/>
-          </a:p>
-        </p:txBody>
-      </p:sp>
-      <p:graphicFrame>
-        <p:nvGraphicFramePr>
-          <p:cNvPr id="4" name="Table 3"/>
-          <p:cNvGraphicFramePr>
-            <a:graphicFrameLocks noGrp="1"/>
-          </p:cNvGraphicFramePr>
-          <p:nvPr>
-            <p:extLst>
-              <p:ext uri="{D42A27DB-BD31-4B8C-83A1-F6EECF244321}">
-                <p14:modId xmlns:p14="http://schemas.microsoft.com/office/powerpoint/2010/main" val="623714195"/>
-              </p:ext>
-            </p:extLst>
-          </p:nvPr>
-        </p:nvGraphicFramePr>
-        <p:xfrm>
-          <a:off x="1503783" y="3727910"/>
-          <a:ext cx="8127999" cy="1651000"/>
-        </p:xfrm>
-        <a:graphic>
-          <a:graphicData uri="http://schemas.openxmlformats.org/drawingml/2006/table">
-            <a:tbl>
-              <a:tblPr firstRow="1" bandRow="1">
-                <a:tableStyleId>{5C22544A-7EE6-4342-B048-85BDC9FD1C3A}</a:tableStyleId>
-              </a:tblPr>
-              <a:tblGrid>
-                <a:gridCol w="2709333"/>
-                <a:gridCol w="2709333"/>
-                <a:gridCol w="2709333"/>
-              </a:tblGrid>
-              <a:tr h="370840">
-                <a:tc>
-                  <a:txBody>
-                    <a:bodyPr/>
-                    <a:lstStyle/>
-                    <a:p>
-                      <a:r>
-                        <a:rPr lang="en-US" dirty="0" smtClean="0"/>
-                        <a:t>Name</a:t>
-                      </a:r>
-                      <a:endParaRPr lang="en-US" dirty="0"/>
-                    </a:p>
-                  </a:txBody>
-                  <a:tcPr/>
-                </a:tc>
-                <a:tc>
-                  <a:txBody>
-                    <a:bodyPr/>
-                    <a:lstStyle/>
-                    <a:p>
-                      <a:r>
-                        <a:rPr lang="en-US" dirty="0" smtClean="0"/>
-                        <a:t>In Set?</a:t>
-                      </a:r>
-                      <a:endParaRPr lang="en-US" dirty="0"/>
-                    </a:p>
-                  </a:txBody>
-                  <a:tcPr/>
-                </a:tc>
-                <a:tc>
-                  <a:txBody>
-                    <a:bodyPr/>
-                    <a:lstStyle/>
-                    <a:p>
-                      <a:r>
-                        <a:rPr lang="en-US" dirty="0" smtClean="0"/>
-                        <a:t>Output</a:t>
-                      </a:r>
-                      <a:endParaRPr lang="en-US" dirty="0"/>
-                    </a:p>
-                  </a:txBody>
-                  <a:tcPr/>
-                </a:tc>
-              </a:tr>
-              <a:tr h="370840">
-                <a:tc>
-                  <a:txBody>
-                    <a:bodyPr/>
-                    <a:lstStyle/>
-                    <a:p>
-                      <a:r>
-                        <a:rPr lang="en-US" dirty="0" smtClean="0"/>
-                        <a:t>Steve Carell</a:t>
-                      </a:r>
-                      <a:endParaRPr lang="en-US" dirty="0"/>
-                    </a:p>
-                  </a:txBody>
-                  <a:tcPr/>
-                </a:tc>
-                <a:tc>
-                  <a:txBody>
-                    <a:bodyPr/>
-                    <a:lstStyle/>
-                    <a:p>
-                      <a:r>
-                        <a:rPr lang="en-US" dirty="0" smtClean="0"/>
-                        <a:t>yes</a:t>
-                      </a:r>
-                      <a:endParaRPr lang="en-US" dirty="0"/>
-                    </a:p>
-                  </a:txBody>
-                  <a:tcPr/>
-                </a:tc>
-                <a:tc>
-                  <a:txBody>
-                    <a:bodyPr/>
-                    <a:lstStyle/>
-                    <a:p>
-                      <a:r>
-                        <a:rPr lang="en-US" dirty="0" smtClean="0"/>
-                        <a:t>Predict </a:t>
-                      </a:r>
-                      <a:r>
-                        <a:rPr lang="en-US" dirty="0" err="1" smtClean="0"/>
-                        <a:t>SteveCarell</a:t>
-                      </a:r>
-                      <a:r>
-                        <a:rPr lang="en-US" dirty="0" smtClean="0"/>
-                        <a:t> with 0.97 confidence.</a:t>
-                      </a:r>
-                      <a:endParaRPr lang="en-US" dirty="0"/>
-                    </a:p>
-                  </a:txBody>
-                  <a:tcPr/>
-                </a:tc>
-              </a:tr>
-              <a:tr h="370840">
-                <a:tc>
-                  <a:txBody>
-                    <a:bodyPr/>
-                    <a:lstStyle/>
-                    <a:p>
-                      <a:r>
-                        <a:rPr lang="en-US" dirty="0" smtClean="0"/>
-                        <a:t>John Lennon</a:t>
-                      </a:r>
-                      <a:endParaRPr lang="en-US" dirty="0"/>
-                    </a:p>
-                  </a:txBody>
-                  <a:tcPr/>
-                </a:tc>
-                <a:tc>
-                  <a:txBody>
-                    <a:bodyPr/>
-                    <a:lstStyle/>
-                    <a:p>
-                      <a:r>
-                        <a:rPr lang="en-US" dirty="0" smtClean="0"/>
-                        <a:t>no</a:t>
-                      </a:r>
-                      <a:endParaRPr lang="en-US" dirty="0"/>
-                    </a:p>
-                  </a:txBody>
-                  <a:tcPr/>
-                </a:tc>
-                <a:tc>
-                  <a:txBody>
-                    <a:bodyPr/>
-                    <a:lstStyle/>
-                    <a:p>
-                      <a:r>
-                        <a:rPr lang="en-US" dirty="0" smtClean="0"/>
-                        <a:t>Predict </a:t>
-                      </a:r>
-                      <a:r>
-                        <a:rPr lang="en-US" dirty="0" err="1" smtClean="0"/>
-                        <a:t>SteveCarell</a:t>
-                      </a:r>
-                      <a:r>
-                        <a:rPr lang="en-US" dirty="0" smtClean="0"/>
-                        <a:t> with 0.50 confidence.”</a:t>
-                      </a:r>
-                      <a:endParaRPr lang="en-US" dirty="0"/>
-                    </a:p>
-                  </a:txBody>
-                  <a:tcPr/>
-                </a:tc>
-              </a:tr>
-            </a:tbl>
-          </a:graphicData>
-        </a:graphic>
-      </p:graphicFrame>
-    </p:spTree>
-    <p:extLst>
-      <p:ext uri="{BB962C8B-B14F-4D97-AF65-F5344CB8AC3E}">
-        <p14:creationId xmlns:p14="http://schemas.microsoft.com/office/powerpoint/2010/main" val="196379253"/>
-      </p:ext>
-    </p:extLst>
-  </p:cSld>
-  <p:clrMapOvr>
-    <a:masterClrMapping/>
-  </p:clrMapOvr>
-  <p:timing>
-    <p:tnLst>
-      <p:par>
-        <p:cTn id="1" dur="indefinite" restart="never" nodeType="tmRoot"/>
-      </p:par>
-    </p:tnLst>
-  </p:timing>
-</p:sld>
-</file>
-
-<file path=ppt/slides/slide8.xml><?xml version="1.0" encoding="utf-8"?>
-<p:sld xmlns:a="http://schemas.openxmlformats.org/drawingml/2006/main" xmlns:r="http://schemas.openxmlformats.org/officeDocument/2006/relationships" xmlns:p="http://schemas.openxmlformats.org/presentationml/2006/main">
-  <p:cSld>
-    <p:spTree>
-      <p:nvGrpSpPr>
-        <p:cNvPr id="1" name=""/>
-        <p:cNvGrpSpPr/>
-        <p:nvPr/>
-      </p:nvGrpSpPr>
-      <p:grpSpPr>
-        <a:xfrm>
-          <a:off x="0" y="0"/>
-          <a:ext cx="0" cy="0"/>
-          <a:chOff x="0" y="0"/>
-          <a:chExt cx="0" cy="0"/>
-        </a:xfrm>
-      </p:grpSpPr>
-      <p:sp>
-        <p:nvSpPr>
-          <p:cNvPr id="2" name="Title 1"/>
-          <p:cNvSpPr>
-            <a:spLocks noGrp="1"/>
-          </p:cNvSpPr>
-          <p:nvPr>
-            <p:ph type="title"/>
-          </p:nvPr>
-        </p:nvSpPr>
-        <p:spPr/>
-        <p:txBody>
-          <a:bodyPr/>
-          <a:lstStyle/>
-          <a:p>
-            <a:r>
-              <a:rPr lang="en-US" dirty="0" smtClean="0"/>
-              <a:t>Adversarial Examples</a:t>
-            </a:r>
-            <a:endParaRPr lang="en-US" dirty="0"/>
-          </a:p>
-        </p:txBody>
-      </p:sp>
-      <p:sp>
-        <p:nvSpPr>
-          <p:cNvPr id="3" name="Content Placeholder 2"/>
-          <p:cNvSpPr>
-            <a:spLocks noGrp="1"/>
-          </p:cNvSpPr>
-          <p:nvPr>
-            <p:ph idx="1"/>
-          </p:nvPr>
-        </p:nvSpPr>
-        <p:spPr/>
-        <p:txBody>
-          <a:bodyPr/>
-          <a:lstStyle/>
-          <a:p>
-            <a:r>
-              <a:rPr lang="en-US" dirty="0" smtClean="0"/>
-              <a:t>Image has noise added</a:t>
-            </a:r>
-          </a:p>
-          <a:p>
-            <a:r>
-              <a:rPr lang="en-US" dirty="0" smtClean="0"/>
-              <a:t>Noise confuses model</a:t>
-            </a:r>
-          </a:p>
-          <a:p>
-            <a:r>
-              <a:rPr lang="en-US" dirty="0" smtClean="0"/>
-              <a:t>Images is given incorrect label</a:t>
-            </a:r>
-          </a:p>
-          <a:p>
-            <a:r>
-              <a:rPr lang="en-US" dirty="0" smtClean="0"/>
-              <a:t>Challenge is </a:t>
-            </a:r>
-            <a:r>
-              <a:rPr lang="en-US" smtClean="0"/>
-              <a:t>making the noise subtle</a:t>
-            </a:r>
-            <a:endParaRPr lang="en-US" dirty="0"/>
-          </a:p>
-        </p:txBody>
-      </p:sp>
-    </p:spTree>
-    <p:extLst>
-      <p:ext uri="{BB962C8B-B14F-4D97-AF65-F5344CB8AC3E}">
-        <p14:creationId xmlns:p14="http://schemas.microsoft.com/office/powerpoint/2010/main" val="896794358"/>
-      </p:ext>
-    </p:extLst>
-  </p:cSld>
-  <p:clrMapOvr>
-    <a:masterClrMapping/>
-  </p:clrMapOvr>
-</p:sld>
-</file>
-
 <file path=ppt/slides/slide9.xml><?xml version="1.0" encoding="utf-8"?>
 <p:sld xmlns:a="http://schemas.openxmlformats.org/drawingml/2006/main" xmlns:r="http://schemas.openxmlformats.org/officeDocument/2006/relationships" xmlns:p="http://schemas.openxmlformats.org/presentationml/2006/main">
   <p:cSld>
@@ -19032,13 +20349,13 @@
         </p:spPr>
         <p:txBody>
           <a:bodyPr>
-            <a:normAutofit fontScale="92500" lnSpcReduction="10000"/>
+            <a:normAutofit lnSpcReduction="10000"/>
           </a:bodyPr>
           <a:lstStyle/>
           <a:p>
             <a:r>
               <a:rPr lang="en-US" dirty="0" smtClean="0"/>
-              <a:t>Use particle swarm algorithm to modify images to trick </a:t>
+              <a:t>Modify images to trick </a:t>
             </a:r>
             <a:r>
               <a:rPr lang="en-US" dirty="0" err="1" smtClean="0"/>
@@ -19102,19 +20419,14 @@
             <a:pPr lvl="1"/>
             <a:r>
               <a:rPr lang="en-US" dirty="0" smtClean="0"/>
-              <a:t>Case 8: No </a:t>
-            </a:r>
+              <a:t>Case 8: No face</a:t>
+            </a:r>
+          </a:p>
+          <a:p>
             <a:r>
               <a:rPr lang="en-US" dirty="0" smtClean="0"/>
-              <a:t>face</a:t>
-            </a:r>
-          </a:p>
-          <a:p>
-            <a:r>
-              <a:rPr lang="en-US" dirty="0" smtClean="0"/>
-              <a:t>Each test case will be run twice using a limited data set (easy) and the full LFW (difficult)</a:t>
-            </a:r>
-            <a:endParaRPr lang="en-US" dirty="0" smtClean="0"/>
+              <a:t>Each test case will be run twice using a limited data set of only the test subjects (easy scenario) and the full LFW (difficult scenario)</a:t>
+            </a:r>
           </a:p>
           <a:p>
             <a:endParaRPr lang="en-US" dirty="0"/>
@@ -19403,4 +20715,265 @@
     </a:ext>
   </a:extLst>
 </a:theme>
+</file>
+
+<file path=ppt/theme/theme2.xml><?xml version="1.0" encoding="utf-8"?>
+<a:theme xmlns:a="http://schemas.openxmlformats.org/drawingml/2006/main" name="Office Theme">
+  <a:themeElements>
+    <a:clrScheme name="Office">
+      <a:dk1>
+        <a:sysClr val="windowText" lastClr="000000"/>
+      </a:dk1>
+      <a:lt1>
+        <a:sysClr val="window" lastClr="FFFFFF"/>
+      </a:lt1>
+      <a:dk2>
+        <a:srgbClr val="44546A"/>
+      </a:dk2>
+      <a:lt2>
+        <a:srgbClr val="E7E6E6"/>
+      </a:lt2>
+      <a:accent1>
+        <a:srgbClr val="4472C4"/>
+      </a:accent1>
+      <a:accent2>
+        <a:srgbClr val="ED7D31"/>
+      </a:accent2>
+      <a:accent3>
+        <a:srgbClr val="A5A5A5"/>
+      </a:accent3>
+      <a:accent4>
+        <a:srgbClr val="FFC000"/>
+      </a:accent4>
+      <a:accent5>
+        <a:srgbClr val="5B9BD5"/>
+      </a:accent5>
+      <a:accent6>
+        <a:srgbClr val="70AD47"/>
+      </a:accent6>
+      <a:hlink>
+        <a:srgbClr val="0563C1"/>
+      </a:hlink>
+      <a:folHlink>
+        <a:srgbClr val="954F72"/>
+      </a:folHlink>
+    </a:clrScheme>
+    <a:fontScheme name="Office">
+      <a:majorFont>
+        <a:latin typeface="Calibri Light" panose="020F0302020204030204"/>
+        <a:ea typeface=""/>
+        <a:cs typeface=""/>
+        <a:font script="Jpan" typeface="Yu Gothic Light"/>
+        <a:font script="Hang" typeface="맑은 고딕"/>
+        <a:font script="Hans" typeface="DengXian Light"/>
+        <a:font script="Hant" typeface="新細明體"/>
+        <a:font script="Arab" typeface="Times New Roman"/>
+        <a:font script="Hebr" typeface="Times New Roman"/>
+        <a:font script="Thai" typeface="Angsana New"/>
+        <a:font script="Ethi" typeface="Nyala"/>
+        <a:font script="Beng" typeface="Vrinda"/>
+        <a:font script="Gujr" typeface="Shruti"/>
+        <a:font script="Khmr" typeface="MoolBoran"/>
+        <a:font script="Knda" typeface="Tunga"/>
+        <a:font script="Guru" typeface="Raavi"/>
+        <a:font script="Cans" typeface="Euphemia"/>
+        <a:font script="Cher" typeface="Plantagenet Cherokee"/>
+        <a:font script="Yiii" typeface="Microsoft Yi Baiti"/>
+        <a:font script="Tibt" typeface="Microsoft Himalaya"/>
+        <a:font script="Thaa" typeface="MV Boli"/>
+        <a:font script="Deva" typeface="Mangal"/>
+        <a:font script="Telu" typeface="Gautami"/>
+        <a:font script="Taml" typeface="Latha"/>
+        <a:font script="Syrc" typeface="Estrangelo Edessa"/>
+        <a:font script="Orya" typeface="Kalinga"/>
+        <a:font script="Mlym" typeface="Kartika"/>
+        <a:font script="Laoo" typeface="DokChampa"/>
+        <a:font script="Sinh" typeface="Iskoola Pota"/>
+        <a:font script="Mong" typeface="Mongolian Baiti"/>
+        <a:font script="Viet" typeface="Times New Roman"/>
+        <a:font script="Uigh" typeface="Microsoft Uighur"/>
+        <a:font script="Geor" typeface="Sylfaen"/>
+      </a:majorFont>
+      <a:minorFont>
+        <a:latin typeface="Calibri" panose="020F0502020204030204"/>
+        <a:ea typeface=""/>
+        <a:cs typeface=""/>
+        <a:font script="Jpan" typeface="Yu Gothic"/>
+        <a:font script="Hang" typeface="맑은 고딕"/>
+        <a:font script="Hans" typeface="DengXian"/>
+        <a:font script="Hant" typeface="新細明體"/>
+        <a:font script="Arab" typeface="Arial"/>
+        <a:font script="Hebr" typeface="Arial"/>
+        <a:font script="Thai" typeface="Cordia New"/>
+        <a:font script="Ethi" typeface="Nyala"/>
+        <a:font script="Beng" typeface="Vrinda"/>
+        <a:font script="Gujr" typeface="Shruti"/>
+        <a:font script="Khmr" typeface="DaunPenh"/>
+        <a:font script="Knda" typeface="Tunga"/>
+        <a:font script="Guru" typeface="Raavi"/>
+        <a:font script="Cans" typeface="Euphemia"/>
+        <a:font script="Cher" typeface="Plantagenet Cherokee"/>
+        <a:font script="Yiii" typeface="Microsoft Yi Baiti"/>
+        <a:font script="Tibt" typeface="Microsoft Himalaya"/>
+        <a:font script="Thaa" typeface="MV Boli"/>
+        <a:font script="Deva" typeface="Mangal"/>
+        <a:font script="Telu" typeface="Gautami"/>
+        <a:font script="Taml" typeface="Latha"/>
+        <a:font script="Syrc" typeface="Estrangelo Edessa"/>
+        <a:font script="Orya" typeface="Kalinga"/>
+        <a:font script="Mlym" typeface="Kartika"/>
+        <a:font script="Laoo" typeface="DokChampa"/>
+        <a:font script="Sinh" typeface="Iskoola Pota"/>
+        <a:font script="Mong" typeface="Mongolian Baiti"/>
+        <a:font script="Viet" typeface="Arial"/>
+        <a:font script="Uigh" typeface="Microsoft Uighur"/>
+        <a:font script="Geor" typeface="Sylfaen"/>
+      </a:minorFont>
+    </a:fontScheme>
+    <a:fmtScheme name="Office">
+      <a:fillStyleLst>
+        <a:solidFill>
+          <a:schemeClr val="phClr"/>
+        </a:solidFill>
+        <a:gradFill rotWithShape="1">
+          <a:gsLst>
+            <a:gs pos="0">
+              <a:schemeClr val="phClr">
+                <a:lumMod val="110000"/>
+                <a:satMod val="105000"/>
+                <a:tint val="67000"/>
+              </a:schemeClr>
+            </a:gs>
+            <a:gs pos="50000">
+              <a:schemeClr val="phClr">
+                <a:lumMod val="105000"/>
+                <a:satMod val="103000"/>
+                <a:tint val="73000"/>
+              </a:schemeClr>
+            </a:gs>
+            <a:gs pos="100000">
+              <a:schemeClr val="phClr">
+                <a:lumMod val="105000"/>
+                <a:satMod val="109000"/>
+                <a:tint val="81000"/>
+              </a:schemeClr>
+            </a:gs>
+          </a:gsLst>
+          <a:lin ang="5400000" scaled="0"/>
+        </a:gradFill>
+        <a:gradFill rotWithShape="1">
+          <a:gsLst>
+            <a:gs pos="0">
+              <a:schemeClr val="phClr">
+                <a:satMod val="103000"/>
+                <a:lumMod val="102000"/>
+                <a:tint val="94000"/>
+              </a:schemeClr>
+            </a:gs>
+            <a:gs pos="50000">
+              <a:schemeClr val="phClr">
+                <a:satMod val="110000"/>
+                <a:lumMod val="100000"/>
+                <a:shade val="100000"/>
+              </a:schemeClr>
+            </a:gs>
+            <a:gs pos="100000">
+              <a:schemeClr val="phClr">
+                <a:lumMod val="99000"/>
+                <a:satMod val="120000"/>
+                <a:shade val="78000"/>
+              </a:schemeClr>
+            </a:gs>
+          </a:gsLst>
+          <a:lin ang="5400000" scaled="0"/>
+        </a:gradFill>
+      </a:fillStyleLst>
+      <a:lnStyleLst>
+        <a:ln w="6350" cap="flat" cmpd="sng" algn="ctr">
+          <a:solidFill>
+            <a:schemeClr val="phClr"/>
+          </a:solidFill>
+          <a:prstDash val="solid"/>
+          <a:miter lim="800000"/>
+        </a:ln>
+        <a:ln w="12700" cap="flat" cmpd="sng" algn="ctr">
+          <a:solidFill>
+            <a:schemeClr val="phClr"/>
+          </a:solidFill>
+          <a:prstDash val="solid"/>
+          <a:miter lim="800000"/>
+        </a:ln>
+        <a:ln w="19050" cap="flat" cmpd="sng" algn="ctr">
+          <a:solidFill>
+            <a:schemeClr val="phClr"/>
+          </a:solidFill>
+          <a:prstDash val="solid"/>
+          <a:miter lim="800000"/>
+        </a:ln>
+      </a:lnStyleLst>
+      <a:effectStyleLst>
+        <a:effectStyle>
+          <a:effectLst/>
+        </a:effectStyle>
+        <a:effectStyle>
+          <a:effectLst/>
+        </a:effectStyle>
+        <a:effectStyle>
+          <a:effectLst>
+            <a:outerShdw blurRad="57150" dist="19050" dir="5400000" algn="ctr" rotWithShape="0">
+              <a:srgbClr val="000000">
+                <a:alpha val="63000"/>
+              </a:srgbClr>
+            </a:outerShdw>
+          </a:effectLst>
+        </a:effectStyle>
+      </a:effectStyleLst>
+      <a:bgFillStyleLst>
+        <a:solidFill>
+          <a:schemeClr val="phClr"/>
+        </a:solidFill>
+        <a:solidFill>
+          <a:schemeClr val="phClr">
+            <a:tint val="95000"/>
+            <a:satMod val="170000"/>
+          </a:schemeClr>
+        </a:solidFill>
+        <a:gradFill rotWithShape="1">
+          <a:gsLst>
+            <a:gs pos="0">
+              <a:schemeClr val="phClr">
+                <a:tint val="93000"/>
+                <a:satMod val="150000"/>
+                <a:shade val="98000"/>
+                <a:lumMod val="102000"/>
+              </a:schemeClr>
+            </a:gs>
+            <a:gs pos="50000">
+              <a:schemeClr val="phClr">
+                <a:tint val="98000"/>
+                <a:satMod val="130000"/>
+                <a:shade val="90000"/>
+                <a:lumMod val="103000"/>
+              </a:schemeClr>
+            </a:gs>
+            <a:gs pos="100000">
+              <a:schemeClr val="phClr">
+                <a:shade val="63000"/>
+                <a:satMod val="120000"/>
+              </a:schemeClr>
+            </a:gs>
+          </a:gsLst>
+          <a:lin ang="5400000" scaled="0"/>
+        </a:gradFill>
+      </a:bgFillStyleLst>
+    </a:fmtScheme>
+  </a:themeElements>
+  <a:objectDefaults/>
+  <a:extraClrSchemeLst/>
+  <a:extLst>
+    <a:ext uri="{05A4C25C-085E-4340-85A3-A5531E510DB2}">
+      <thm15:themeFamily xmlns:thm15="http://schemas.microsoft.com/office/thememl/2012/main" name="Office Theme" id="{62F939B6-93AF-4DB8-9C6B-D6C7DFDC589F}" vid="{4A3C46E8-61CC-4603-A589-7422A47A8E4A}"/>
+    </a:ext>
+  </a:extLst>
+</a:theme>
 </file>